--- a/Messager.pptx
+++ b/Messager.pptx
@@ -6,8 +6,12 @@
   </p:sldMasterIdLst>
   <p:sldIdLst>
     <p:sldId id="257" r:id="rId2"/>
-    <p:sldId id="259" r:id="rId3"/>
-    <p:sldId id="256" r:id="rId4"/>
+    <p:sldId id="256" r:id="rId3"/>
+    <p:sldId id="263" r:id="rId4"/>
+    <p:sldId id="259" r:id="rId5"/>
+    <p:sldId id="262" r:id="rId6"/>
+    <p:sldId id="260" r:id="rId7"/>
+    <p:sldId id="261" r:id="rId8"/>
   </p:sldIdLst>
   <p:sldSz cx="12192000" cy="6858000"/>
   <p:notesSz cx="6858000" cy="9144000"/>
@@ -106,6 +110,22 @@
       </a:defRPr>
     </a:lvl9pPr>
   </p:defaultTextStyle>
+  <p:extLst>
+    <p:ext uri="{EFAFB233-063F-42B5-8137-9DF3F51BA10A}">
+      <p15:sldGuideLst xmlns:p15="http://schemas.microsoft.com/office/powerpoint/2012/main">
+        <p15:guide id="1" orient="horz" pos="2160" userDrawn="1">
+          <p15:clr>
+            <a:srgbClr val="A4A3A4"/>
+          </p15:clr>
+        </p15:guide>
+        <p15:guide id="2" pos="3840" userDrawn="1">
+          <p15:clr>
+            <a:srgbClr val="A4A3A4"/>
+          </p15:clr>
+        </p15:guide>
+      </p15:sldGuideLst>
+    </p:ext>
+  </p:extLst>
 </p:presentation>
 </file>
 
@@ -256,7 +276,7 @@
           <a:p>
             <a:fld id="{1F099D36-1112-4253-A8F1-1DDFA845AFDC}" type="datetimeFigureOut">
               <a:rPr lang="en-US" smtClean="0"/>
-              <a:t>9/7/2023</a:t>
+              <a:t>9/9/2023</a:t>
             </a:fld>
             <a:endParaRPr lang="en-US"/>
           </a:p>
@@ -454,7 +474,7 @@
           <a:p>
             <a:fld id="{1F099D36-1112-4253-A8F1-1DDFA845AFDC}" type="datetimeFigureOut">
               <a:rPr lang="en-US" smtClean="0"/>
-              <a:t>9/7/2023</a:t>
+              <a:t>9/9/2023</a:t>
             </a:fld>
             <a:endParaRPr lang="en-US"/>
           </a:p>
@@ -662,7 +682,7 @@
           <a:p>
             <a:fld id="{1F099D36-1112-4253-A8F1-1DDFA845AFDC}" type="datetimeFigureOut">
               <a:rPr lang="en-US" smtClean="0"/>
-              <a:t>9/7/2023</a:t>
+              <a:t>9/9/2023</a:t>
             </a:fld>
             <a:endParaRPr lang="en-US"/>
           </a:p>
@@ -860,7 +880,7 @@
           <a:p>
             <a:fld id="{1F099D36-1112-4253-A8F1-1DDFA845AFDC}" type="datetimeFigureOut">
               <a:rPr lang="en-US" smtClean="0"/>
-              <a:t>9/7/2023</a:t>
+              <a:t>9/9/2023</a:t>
             </a:fld>
             <a:endParaRPr lang="en-US"/>
           </a:p>
@@ -1135,7 +1155,7 @@
           <a:p>
             <a:fld id="{1F099D36-1112-4253-A8F1-1DDFA845AFDC}" type="datetimeFigureOut">
               <a:rPr lang="en-US" smtClean="0"/>
-              <a:t>9/7/2023</a:t>
+              <a:t>9/9/2023</a:t>
             </a:fld>
             <a:endParaRPr lang="en-US"/>
           </a:p>
@@ -1400,7 +1420,7 @@
           <a:p>
             <a:fld id="{1F099D36-1112-4253-A8F1-1DDFA845AFDC}" type="datetimeFigureOut">
               <a:rPr lang="en-US" smtClean="0"/>
-              <a:t>9/7/2023</a:t>
+              <a:t>9/9/2023</a:t>
             </a:fld>
             <a:endParaRPr lang="en-US"/>
           </a:p>
@@ -1812,7 +1832,7 @@
           <a:p>
             <a:fld id="{1F099D36-1112-4253-A8F1-1DDFA845AFDC}" type="datetimeFigureOut">
               <a:rPr lang="en-US" smtClean="0"/>
-              <a:t>9/7/2023</a:t>
+              <a:t>9/9/2023</a:t>
             </a:fld>
             <a:endParaRPr lang="en-US"/>
           </a:p>
@@ -1953,7 +1973,7 @@
           <a:p>
             <a:fld id="{1F099D36-1112-4253-A8F1-1DDFA845AFDC}" type="datetimeFigureOut">
               <a:rPr lang="en-US" smtClean="0"/>
-              <a:t>9/7/2023</a:t>
+              <a:t>9/9/2023</a:t>
             </a:fld>
             <a:endParaRPr lang="en-US"/>
           </a:p>
@@ -2066,7 +2086,7 @@
           <a:p>
             <a:fld id="{1F099D36-1112-4253-A8F1-1DDFA845AFDC}" type="datetimeFigureOut">
               <a:rPr lang="en-US" smtClean="0"/>
-              <a:t>9/7/2023</a:t>
+              <a:t>9/9/2023</a:t>
             </a:fld>
             <a:endParaRPr lang="en-US"/>
           </a:p>
@@ -2377,7 +2397,7 @@
           <a:p>
             <a:fld id="{1F099D36-1112-4253-A8F1-1DDFA845AFDC}" type="datetimeFigureOut">
               <a:rPr lang="en-US" smtClean="0"/>
-              <a:t>9/7/2023</a:t>
+              <a:t>9/9/2023</a:t>
             </a:fld>
             <a:endParaRPr lang="en-US"/>
           </a:p>
@@ -2665,7 +2685,7 @@
           <a:p>
             <a:fld id="{1F099D36-1112-4253-A8F1-1DDFA845AFDC}" type="datetimeFigureOut">
               <a:rPr lang="en-US" smtClean="0"/>
-              <a:t>9/7/2023</a:t>
+              <a:t>9/9/2023</a:t>
             </a:fld>
             <a:endParaRPr lang="en-US"/>
           </a:p>
@@ -2909,7 +2929,7 @@
           <a:p>
             <a:fld id="{1F099D36-1112-4253-A8F1-1DDFA845AFDC}" type="datetimeFigureOut">
               <a:rPr lang="en-US" smtClean="0"/>
-              <a:t>9/7/2023</a:t>
+              <a:t>9/9/2023</a:t>
             </a:fld>
             <a:endParaRPr lang="en-US"/>
           </a:p>
@@ -3351,7 +3371,7 @@
           </a:solidFill>
           <a:ln>
             <a:solidFill>
-              <a:srgbClr val="00B0F0"/>
+              <a:srgbClr val="0066FF"/>
             </a:solidFill>
           </a:ln>
         </p:spPr>
@@ -3416,6 +3436,47 @@
           </a:prstGeom>
         </p:spPr>
       </p:pic>
+      <p:sp>
+        <p:nvSpPr>
+          <p:cNvPr id="3" name="TextBox 2">
+            <a:extLst>
+              <a:ext uri="{FF2B5EF4-FFF2-40B4-BE49-F238E27FC236}">
+                <a16:creationId xmlns:a16="http://schemas.microsoft.com/office/drawing/2014/main" id="{CD8FC6A8-49CB-2191-3111-A9C3A5C81E53}"/>
+              </a:ext>
+            </a:extLst>
+          </p:cNvPr>
+          <p:cNvSpPr txBox="1"/>
+          <p:nvPr/>
+        </p:nvSpPr>
+        <p:spPr>
+          <a:xfrm>
+            <a:off x="684246" y="5422454"/>
+            <a:ext cx="10823509" cy="1015663"/>
+          </a:xfrm>
+          <a:prstGeom prst="rect">
+            <a:avLst/>
+          </a:prstGeom>
+          <a:noFill/>
+        </p:spPr>
+        <p:txBody>
+          <a:bodyPr wrap="square" rtlCol="0">
+            <a:spAutoFit/>
+          </a:bodyPr>
+          <a:lstStyle/>
+          <a:p>
+            <a:pPr algn="ctr"/>
+            <a:r>
+              <a:rPr lang="en-US" sz="6000" b="1" dirty="0">
+                <a:solidFill>
+                  <a:schemeClr val="bg1"/>
+                </a:solidFill>
+                <a:latin typeface="Bahnschrift" panose="020B0502040204020203" pitchFamily="34" charset="0"/>
+              </a:rPr>
+              <a:t>Messager</a:t>
+            </a:r>
+          </a:p>
+        </p:txBody>
+      </p:sp>
     </p:spTree>
     <p:extLst>
       <p:ext uri="{BB962C8B-B14F-4D97-AF65-F5344CB8AC3E}">
@@ -3451,10 +3512,10 @@
       </p:grpSpPr>
       <p:sp>
         <p:nvSpPr>
-          <p:cNvPr id="3" name="TextBox 2">
-            <a:extLst>
-              <a:ext uri="{FF2B5EF4-FFF2-40B4-BE49-F238E27FC236}">
-                <a16:creationId xmlns:a16="http://schemas.microsoft.com/office/drawing/2014/main" id="{33FA59DA-00BA-467B-231D-A5949ADB995D}"/>
+          <p:cNvPr id="4" name="TextBox 3">
+            <a:extLst>
+              <a:ext uri="{FF2B5EF4-FFF2-40B4-BE49-F238E27FC236}">
+                <a16:creationId xmlns:a16="http://schemas.microsoft.com/office/drawing/2014/main" id="{179BD96D-F1BC-9DC0-A537-CAB9CEE8CFF0}"/>
               </a:ext>
             </a:extLst>
           </p:cNvPr>
@@ -3485,17 +3546,17 @@
                 </a:solidFill>
                 <a:latin typeface="Bahnschrift" panose="020B0502040204020203" pitchFamily="34" charset="0"/>
               </a:rPr>
-              <a:t>Messager</a:t>
-            </a:r>
-          </a:p>
-        </p:txBody>
-      </p:sp>
-      <p:sp>
-        <p:nvSpPr>
-          <p:cNvPr id="5" name="Rectangle: Rounded Corners 4">
-            <a:extLst>
-              <a:ext uri="{FF2B5EF4-FFF2-40B4-BE49-F238E27FC236}">
-                <a16:creationId xmlns:a16="http://schemas.microsoft.com/office/drawing/2014/main" id="{4817653A-C56A-6361-0A9B-269AA67014A7}"/>
+              <a:t>Objective</a:t>
+            </a:r>
+          </a:p>
+        </p:txBody>
+      </p:sp>
+      <p:sp>
+        <p:nvSpPr>
+          <p:cNvPr id="8" name="Rectangle: Rounded Corners 7">
+            <a:extLst>
+              <a:ext uri="{FF2B5EF4-FFF2-40B4-BE49-F238E27FC236}">
+                <a16:creationId xmlns:a16="http://schemas.microsoft.com/office/drawing/2014/main" id="{BB54FFAB-7AF8-733E-1943-8E9B41A162A4}"/>
               </a:ext>
             </a:extLst>
           </p:cNvPr>
@@ -3504,15 +3565,15 @@
         </p:nvSpPr>
         <p:spPr>
           <a:xfrm>
-            <a:off x="1054661" y="2356816"/>
-            <a:ext cx="3005675" cy="779350"/>
+            <a:off x="162128" y="1015663"/>
+            <a:ext cx="11867744" cy="1153605"/>
           </a:xfrm>
           <a:prstGeom prst="roundRect">
             <a:avLst/>
           </a:prstGeom>
           <a:ln w="57150">
             <a:solidFill>
-              <a:srgbClr val="00B0F0"/>
+              <a:srgbClr val="0066FF"/>
             </a:solidFill>
           </a:ln>
         </p:spPr>
@@ -3531,27 +3592,43 @@
           </a:fontRef>
         </p:style>
         <p:txBody>
-          <a:bodyPr rtlCol="0" anchor="ctr"/>
+          <a:bodyPr numCol="1" rtlCol="0" anchor="ctr"/>
           <a:lstStyle/>
           <a:p>
-            <a:pPr algn="ctr"/>
-            <a:r>
-              <a:rPr lang="en-US" sz="3200" b="1" dirty="0">
-                <a:solidFill>
-                  <a:srgbClr val="00B0F0"/>
+            <a:pPr algn="just"/>
+            <a:endParaRPr lang="en-US" b="1" dirty="0">
+              <a:solidFill>
+                <a:srgbClr val="0066FF"/>
+              </a:solidFill>
+            </a:endParaRPr>
+          </a:p>
+          <a:p>
+            <a:pPr algn="just"/>
+            <a:r>
+              <a:rPr lang="en-US" b="1" dirty="0">
+                <a:solidFill>
+                  <a:srgbClr val="0066FF"/>
                 </a:solidFill>
               </a:rPr>
-              <a:t>Login Page</a:t>
-            </a:r>
-          </a:p>
-        </p:txBody>
-      </p:sp>
-      <p:sp>
-        <p:nvSpPr>
-          <p:cNvPr id="6" name="Rectangle: Rounded Corners 5">
-            <a:extLst>
-              <a:ext uri="{FF2B5EF4-FFF2-40B4-BE49-F238E27FC236}">
-                <a16:creationId xmlns:a16="http://schemas.microsoft.com/office/drawing/2014/main" id="{637E56CF-6DFA-F7B6-2D0A-636883DFD707}"/>
+              <a:t>The objective of a messaging application developed using Flutter and Firebase can be multifaceted, and it largely depends on the specific goals and requirements of the application</a:t>
+            </a:r>
+          </a:p>
+          <a:p>
+            <a:pPr algn="just"/>
+            <a:endParaRPr lang="en-US" b="1" dirty="0">
+              <a:solidFill>
+                <a:srgbClr val="0066FF"/>
+              </a:solidFill>
+            </a:endParaRPr>
+          </a:p>
+        </p:txBody>
+      </p:sp>
+      <p:sp>
+        <p:nvSpPr>
+          <p:cNvPr id="10" name="Rectangle: Rounded Corners 9">
+            <a:extLst>
+              <a:ext uri="{FF2B5EF4-FFF2-40B4-BE49-F238E27FC236}">
+                <a16:creationId xmlns:a16="http://schemas.microsoft.com/office/drawing/2014/main" id="{03914BA7-8672-13A6-02F9-CFA23EFF3381}"/>
               </a:ext>
             </a:extLst>
           </p:cNvPr>
@@ -3560,15 +3637,15 @@
         </p:nvSpPr>
         <p:spPr>
           <a:xfrm>
-            <a:off x="7378291" y="1354837"/>
-            <a:ext cx="3638038" cy="861150"/>
+            <a:off x="162128" y="2461098"/>
+            <a:ext cx="11867744" cy="4250991"/>
           </a:xfrm>
           <a:prstGeom prst="roundRect">
             <a:avLst/>
           </a:prstGeom>
           <a:ln w="57150">
             <a:solidFill>
-              <a:srgbClr val="00B0F0"/>
+              <a:srgbClr val="0066FF"/>
             </a:solidFill>
           </a:ln>
         </p:spPr>
@@ -3587,27 +3664,484 @@
           </a:fontRef>
         </p:style>
         <p:txBody>
-          <a:bodyPr rtlCol="0" anchor="ctr"/>
+          <a:bodyPr numCol="2" rtlCol="0" anchor="ctr"/>
           <a:lstStyle/>
           <a:p>
+            <a:pPr marL="273050"/>
+            <a:r>
+              <a:rPr lang="en-US" sz="1600" b="1" dirty="0">
+                <a:solidFill>
+                  <a:srgbClr val="0066FF"/>
+                </a:solidFill>
+              </a:rPr>
+              <a:t>Communication:</a:t>
+            </a:r>
+            <a:r>
+              <a:rPr lang="en-US" sz="1600" dirty="0">
+                <a:solidFill>
+                  <a:srgbClr val="0066FF"/>
+                </a:solidFill>
+              </a:rPr>
+              <a:t> The primary goal of a messaging app is to facilitate real-time communication between users. It allows users to send text messages &amp; images.</a:t>
+            </a:r>
+          </a:p>
+          <a:p>
+            <a:pPr marL="273050"/>
+            <a:endParaRPr lang="en-US" sz="1600" dirty="0">
+              <a:solidFill>
+                <a:srgbClr val="0066FF"/>
+              </a:solidFill>
+            </a:endParaRPr>
+          </a:p>
+          <a:p>
+            <a:pPr marL="273050">
+              <a:tabLst>
+                <a:tab pos="5291138" algn="l"/>
+              </a:tabLst>
+            </a:pPr>
+            <a:r>
+              <a:rPr lang="en-US" sz="1600" b="1" dirty="0">
+                <a:solidFill>
+                  <a:srgbClr val="0066FF"/>
+                </a:solidFill>
+              </a:rPr>
+              <a:t>User Engagement:</a:t>
+            </a:r>
+            <a:r>
+              <a:rPr lang="en-US" sz="1600" dirty="0">
+                <a:solidFill>
+                  <a:srgbClr val="0066FF"/>
+                </a:solidFill>
+              </a:rPr>
+              <a:t> The application seeks to engage users by providing features such as push notifications for new messages, which encourage frequent usage and return visits.</a:t>
+            </a:r>
+          </a:p>
+          <a:p>
+            <a:pPr marL="273050"/>
+            <a:endParaRPr lang="en-US" sz="1600" b="1" dirty="0">
+              <a:solidFill>
+                <a:srgbClr val="0066FF"/>
+              </a:solidFill>
+            </a:endParaRPr>
+          </a:p>
+          <a:p>
+            <a:pPr marL="273050"/>
+            <a:r>
+              <a:rPr lang="en-US" sz="1600" b="1" dirty="0">
+                <a:solidFill>
+                  <a:srgbClr val="0066FF"/>
+                </a:solidFill>
+              </a:rPr>
+              <a:t>User Experience:</a:t>
+            </a:r>
+            <a:r>
+              <a:rPr lang="en-US" sz="1600" dirty="0">
+                <a:solidFill>
+                  <a:srgbClr val="0066FF"/>
+                </a:solidFill>
+              </a:rPr>
+              <a:t> A well-designed messaging app offers a user-friendly and enjoyable experience with features like emoji support, message reactions, and customizable profiles.</a:t>
+            </a:r>
+          </a:p>
+          <a:p>
+            <a:pPr marL="273050"/>
+            <a:endParaRPr lang="en-US" sz="1600" b="1" dirty="0">
+              <a:solidFill>
+                <a:srgbClr val="0066FF"/>
+              </a:solidFill>
+            </a:endParaRPr>
+          </a:p>
+          <a:p>
+            <a:pPr marL="273050"/>
+            <a:r>
+              <a:rPr lang="en-US" sz="1600" b="1" dirty="0">
+                <a:solidFill>
+                  <a:srgbClr val="0066FF"/>
+                </a:solidFill>
+              </a:rPr>
+              <a:t>Privacy and Security:</a:t>
+            </a:r>
+            <a:r>
+              <a:rPr lang="en-US" sz="1600" dirty="0">
+                <a:solidFill>
+                  <a:srgbClr val="0066FF"/>
+                </a:solidFill>
+              </a:rPr>
+              <a:t> Ensuring the privacy and security of user data is crucial. Features like end-to-end encryption and user authentication contribute to this objective.</a:t>
+            </a:r>
+          </a:p>
+          <a:p>
+            <a:pPr marL="273050"/>
+            <a:endParaRPr lang="en-US" sz="1600" b="1" dirty="0">
+              <a:solidFill>
+                <a:srgbClr val="0066FF"/>
+              </a:solidFill>
+            </a:endParaRPr>
+          </a:p>
+          <a:p>
+            <a:pPr marL="273050"/>
+            <a:r>
+              <a:rPr lang="en-US" sz="1600" b="1" dirty="0">
+                <a:solidFill>
+                  <a:srgbClr val="0066FF"/>
+                </a:solidFill>
+              </a:rPr>
+              <a:t>Scalability:</a:t>
+            </a:r>
+            <a:r>
+              <a:rPr lang="en-US" sz="1600" dirty="0">
+                <a:solidFill>
+                  <a:srgbClr val="0066FF"/>
+                </a:solidFill>
+              </a:rPr>
+              <a:t> The app should be scalable to handle a growing user base and increasing message volumes.</a:t>
+            </a:r>
+          </a:p>
+          <a:p>
+            <a:pPr marL="273050"/>
+            <a:endParaRPr lang="en-US" sz="1600" b="1" dirty="0">
+              <a:solidFill>
+                <a:srgbClr val="0066FF"/>
+              </a:solidFill>
+            </a:endParaRPr>
+          </a:p>
+          <a:p>
+            <a:pPr marL="273050"/>
+            <a:r>
+              <a:rPr lang="en-US" sz="1600" b="1" dirty="0">
+                <a:solidFill>
+                  <a:srgbClr val="0066FF"/>
+                </a:solidFill>
+              </a:rPr>
+              <a:t>Cross-Platform Compatibility:</a:t>
+            </a:r>
+            <a:r>
+              <a:rPr lang="en-US" sz="1600" dirty="0">
+                <a:solidFill>
+                  <a:srgbClr val="0066FF"/>
+                </a:solidFill>
+              </a:rPr>
+              <a:t> If the app targets a wide audience, ensuring compatibility across multiple platforms (iOS, Android, web) may be an objective.</a:t>
+            </a:r>
+          </a:p>
+          <a:p>
+            <a:pPr marL="273050"/>
+            <a:endParaRPr lang="en-US" sz="1600" b="1" dirty="0">
+              <a:solidFill>
+                <a:srgbClr val="0066FF"/>
+              </a:solidFill>
+            </a:endParaRPr>
+          </a:p>
+          <a:p>
+            <a:pPr marL="273050"/>
+            <a:r>
+              <a:rPr lang="en-US" sz="1600" b="1" dirty="0">
+                <a:solidFill>
+                  <a:srgbClr val="0066FF"/>
+                </a:solidFill>
+              </a:rPr>
+              <a:t>Brand Awareness:</a:t>
+            </a:r>
+            <a:r>
+              <a:rPr lang="en-US" sz="1600" dirty="0">
+                <a:solidFill>
+                  <a:srgbClr val="0066FF"/>
+                </a:solidFill>
+              </a:rPr>
+              <a:t> For businesses, the app may serve as a means to enhance brand visibility and engage with customers or clients.</a:t>
+            </a:r>
+          </a:p>
+          <a:p>
+            <a:pPr marL="273050"/>
+            <a:endParaRPr lang="en-US" sz="1200" b="1" dirty="0">
+              <a:solidFill>
+                <a:srgbClr val="0066FF"/>
+              </a:solidFill>
+            </a:endParaRPr>
+          </a:p>
+        </p:txBody>
+      </p:sp>
+    </p:spTree>
+    <p:extLst>
+      <p:ext uri="{BB962C8B-B14F-4D97-AF65-F5344CB8AC3E}">
+        <p14:creationId xmlns:p14="http://schemas.microsoft.com/office/powerpoint/2010/main" val="1142136591"/>
+      </p:ext>
+    </p:extLst>
+  </p:cSld>
+  <p:clrMapOvr>
+    <a:masterClrMapping/>
+  </p:clrMapOvr>
+  <p:transition spd="slow">
+    <p:push dir="u"/>
+  </p:transition>
+  <p:timing>
+    <p:tnLst>
+      <p:par>
+        <p:cTn id="1" dur="indefinite" restart="never" nodeType="tmRoot">
+          <p:childTnLst>
+            <p:seq concurrent="1" nextAc="seek">
+              <p:cTn id="2" dur="indefinite" nodeType="mainSeq">
+                <p:childTnLst>
+                  <p:par>
+                    <p:cTn id="3" fill="hold">
+                      <p:stCondLst>
+                        <p:cond delay="indefinite"/>
+                        <p:cond evt="onBegin" delay="0">
+                          <p:tn val="2"/>
+                        </p:cond>
+                      </p:stCondLst>
+                      <p:childTnLst>
+                        <p:par>
+                          <p:cTn id="4" fill="hold">
+                            <p:stCondLst>
+                              <p:cond delay="0"/>
+                            </p:stCondLst>
+                            <p:childTnLst>
+                              <p:par>
+                                <p:cTn id="5" presetID="23" presetClass="entr" presetSubtype="16" fill="hold" grpId="0" nodeType="withEffect">
+                                  <p:stCondLst>
+                                    <p:cond delay="0"/>
+                                  </p:stCondLst>
+                                  <p:childTnLst>
+                                    <p:set>
+                                      <p:cBhvr>
+                                        <p:cTn id="6" dur="1" fill="hold">
+                                          <p:stCondLst>
+                                            <p:cond delay="0"/>
+                                          </p:stCondLst>
+                                        </p:cTn>
+                                        <p:tgtEl>
+                                          <p:spTgt spid="8"/>
+                                        </p:tgtEl>
+                                        <p:attrNameLst>
+                                          <p:attrName>style.visibility</p:attrName>
+                                        </p:attrNameLst>
+                                      </p:cBhvr>
+                                      <p:to>
+                                        <p:strVal val="visible"/>
+                                      </p:to>
+                                    </p:set>
+                                    <p:anim calcmode="lin" valueType="num">
+                                      <p:cBhvr>
+                                        <p:cTn id="7" dur="500" fill="hold"/>
+                                        <p:tgtEl>
+                                          <p:spTgt spid="8"/>
+                                        </p:tgtEl>
+                                        <p:attrNameLst>
+                                          <p:attrName>ppt_w</p:attrName>
+                                        </p:attrNameLst>
+                                      </p:cBhvr>
+                                      <p:tavLst>
+                                        <p:tav tm="0">
+                                          <p:val>
+                                            <p:fltVal val="0"/>
+                                          </p:val>
+                                        </p:tav>
+                                        <p:tav tm="100000">
+                                          <p:val>
+                                            <p:strVal val="#ppt_w"/>
+                                          </p:val>
+                                        </p:tav>
+                                      </p:tavLst>
+                                    </p:anim>
+                                    <p:anim calcmode="lin" valueType="num">
+                                      <p:cBhvr>
+                                        <p:cTn id="8" dur="500" fill="hold"/>
+                                        <p:tgtEl>
+                                          <p:spTgt spid="8"/>
+                                        </p:tgtEl>
+                                        <p:attrNameLst>
+                                          <p:attrName>ppt_h</p:attrName>
+                                        </p:attrNameLst>
+                                      </p:cBhvr>
+                                      <p:tavLst>
+                                        <p:tav tm="0">
+                                          <p:val>
+                                            <p:fltVal val="0"/>
+                                          </p:val>
+                                        </p:tav>
+                                        <p:tav tm="100000">
+                                          <p:val>
+                                            <p:strVal val="#ppt_h"/>
+                                          </p:val>
+                                        </p:tav>
+                                      </p:tavLst>
+                                    </p:anim>
+                                  </p:childTnLst>
+                                </p:cTn>
+                              </p:par>
+                              <p:par>
+                                <p:cTn id="9" presetID="23" presetClass="entr" presetSubtype="16" fill="hold" grpId="0" nodeType="withEffect">
+                                  <p:stCondLst>
+                                    <p:cond delay="0"/>
+                                  </p:stCondLst>
+                                  <p:childTnLst>
+                                    <p:set>
+                                      <p:cBhvr>
+                                        <p:cTn id="10" dur="1" fill="hold">
+                                          <p:stCondLst>
+                                            <p:cond delay="0"/>
+                                          </p:stCondLst>
+                                        </p:cTn>
+                                        <p:tgtEl>
+                                          <p:spTgt spid="10"/>
+                                        </p:tgtEl>
+                                        <p:attrNameLst>
+                                          <p:attrName>style.visibility</p:attrName>
+                                        </p:attrNameLst>
+                                      </p:cBhvr>
+                                      <p:to>
+                                        <p:strVal val="visible"/>
+                                      </p:to>
+                                    </p:set>
+                                    <p:anim calcmode="lin" valueType="num">
+                                      <p:cBhvr>
+                                        <p:cTn id="11" dur="500" fill="hold"/>
+                                        <p:tgtEl>
+                                          <p:spTgt spid="10"/>
+                                        </p:tgtEl>
+                                        <p:attrNameLst>
+                                          <p:attrName>ppt_w</p:attrName>
+                                        </p:attrNameLst>
+                                      </p:cBhvr>
+                                      <p:tavLst>
+                                        <p:tav tm="0">
+                                          <p:val>
+                                            <p:fltVal val="0"/>
+                                          </p:val>
+                                        </p:tav>
+                                        <p:tav tm="100000">
+                                          <p:val>
+                                            <p:strVal val="#ppt_w"/>
+                                          </p:val>
+                                        </p:tav>
+                                      </p:tavLst>
+                                    </p:anim>
+                                    <p:anim calcmode="lin" valueType="num">
+                                      <p:cBhvr>
+                                        <p:cTn id="12" dur="500" fill="hold"/>
+                                        <p:tgtEl>
+                                          <p:spTgt spid="10"/>
+                                        </p:tgtEl>
+                                        <p:attrNameLst>
+                                          <p:attrName>ppt_h</p:attrName>
+                                        </p:attrNameLst>
+                                      </p:cBhvr>
+                                      <p:tavLst>
+                                        <p:tav tm="0">
+                                          <p:val>
+                                            <p:fltVal val="0"/>
+                                          </p:val>
+                                        </p:tav>
+                                        <p:tav tm="100000">
+                                          <p:val>
+                                            <p:strVal val="#ppt_h"/>
+                                          </p:val>
+                                        </p:tav>
+                                      </p:tavLst>
+                                    </p:anim>
+                                  </p:childTnLst>
+                                </p:cTn>
+                              </p:par>
+                            </p:childTnLst>
+                          </p:cTn>
+                        </p:par>
+                      </p:childTnLst>
+                    </p:cTn>
+                  </p:par>
+                </p:childTnLst>
+              </p:cTn>
+              <p:prevCondLst>
+                <p:cond evt="onPrev" delay="0">
+                  <p:tgtEl>
+                    <p:sldTgt/>
+                  </p:tgtEl>
+                </p:cond>
+              </p:prevCondLst>
+              <p:nextCondLst>
+                <p:cond evt="onNext" delay="0">
+                  <p:tgtEl>
+                    <p:sldTgt/>
+                  </p:tgtEl>
+                </p:cond>
+              </p:nextCondLst>
+            </p:seq>
+          </p:childTnLst>
+        </p:cTn>
+      </p:par>
+    </p:tnLst>
+    <p:bldLst>
+      <p:bldP spid="8" grpId="0" animBg="1"/>
+      <p:bldP spid="10" grpId="0" animBg="1"/>
+    </p:bldLst>
+  </p:timing>
+</p:sld>
+</file>
+
+<file path=ppt/slides/slide3.xml><?xml version="1.0" encoding="utf-8"?>
+<p:sld xmlns:a="http://schemas.openxmlformats.org/drawingml/2006/main" xmlns:r="http://schemas.openxmlformats.org/officeDocument/2006/relationships" xmlns:p="http://schemas.openxmlformats.org/presentationml/2006/main">
+  <p:cSld>
+    <p:spTree>
+      <p:nvGrpSpPr>
+        <p:cNvPr id="1" name=""/>
+        <p:cNvGrpSpPr/>
+        <p:nvPr/>
+      </p:nvGrpSpPr>
+      <p:grpSpPr>
+        <a:xfrm>
+          <a:off x="0" y="0"/>
+          <a:ext cx="0" cy="0"/>
+          <a:chOff x="0" y="0"/>
+          <a:chExt cx="0" cy="0"/>
+        </a:xfrm>
+      </p:grpSpPr>
+      <p:sp>
+        <p:nvSpPr>
+          <p:cNvPr id="4" name="TextBox 3">
+            <a:extLst>
+              <a:ext uri="{FF2B5EF4-FFF2-40B4-BE49-F238E27FC236}">
+                <a16:creationId xmlns:a16="http://schemas.microsoft.com/office/drawing/2014/main" id="{179BD96D-F1BC-9DC0-A537-CAB9CEE8CFF0}"/>
+              </a:ext>
+            </a:extLst>
+          </p:cNvPr>
+          <p:cNvSpPr txBox="1"/>
+          <p:nvPr/>
+        </p:nvSpPr>
+        <p:spPr>
+          <a:xfrm>
+            <a:off x="684246" y="0"/>
+            <a:ext cx="10823509" cy="1015663"/>
+          </a:xfrm>
+          <a:prstGeom prst="rect">
+            <a:avLst/>
+          </a:prstGeom>
+          <a:noFill/>
+        </p:spPr>
+        <p:txBody>
+          <a:bodyPr wrap="square" rtlCol="0">
+            <a:spAutoFit/>
+          </a:bodyPr>
+          <a:lstStyle/>
+          <a:p>
             <a:pPr algn="ctr"/>
             <a:r>
-              <a:rPr lang="en-US" sz="3200" b="1" dirty="0">
-                <a:solidFill>
-                  <a:srgbClr val="00B0F0"/>
-                </a:solidFill>
+              <a:rPr lang="en-US" sz="6000" b="1" dirty="0">
+                <a:solidFill>
+                  <a:schemeClr val="bg1"/>
+                </a:solidFill>
+                <a:latin typeface="Bahnschrift" panose="020B0502040204020203" pitchFamily="34" charset="0"/>
               </a:rPr>
-              <a:t>Chat Screen</a:t>
-            </a:r>
-          </a:p>
-        </p:txBody>
-      </p:sp>
-      <p:sp>
-        <p:nvSpPr>
-          <p:cNvPr id="7" name="Rectangle: Rounded Corners 6">
-            <a:extLst>
-              <a:ext uri="{FF2B5EF4-FFF2-40B4-BE49-F238E27FC236}">
-                <a16:creationId xmlns:a16="http://schemas.microsoft.com/office/drawing/2014/main" id="{A89AA223-FDD0-9CCC-2145-440D346E94A7}"/>
+              <a:t>Features</a:t>
+            </a:r>
+          </a:p>
+        </p:txBody>
+      </p:sp>
+      <p:sp>
+        <p:nvSpPr>
+          <p:cNvPr id="8" name="Rectangle: Rounded Corners 7">
+            <a:extLst>
+              <a:ext uri="{FF2B5EF4-FFF2-40B4-BE49-F238E27FC236}">
+                <a16:creationId xmlns:a16="http://schemas.microsoft.com/office/drawing/2014/main" id="{BB54FFAB-7AF8-733E-1943-8E9B41A162A4}"/>
               </a:ext>
             </a:extLst>
           </p:cNvPr>
@@ -3616,15 +4150,15 @@
         </p:nvSpPr>
         <p:spPr>
           <a:xfrm>
-            <a:off x="7378290" y="5594057"/>
-            <a:ext cx="3759049" cy="825403"/>
+            <a:off x="162128" y="1021408"/>
+            <a:ext cx="11867744" cy="5690681"/>
           </a:xfrm>
           <a:prstGeom prst="roundRect">
             <a:avLst/>
           </a:prstGeom>
           <a:ln w="57150">
             <a:solidFill>
-              <a:srgbClr val="00B0F0"/>
+              <a:srgbClr val="0066FF"/>
             </a:solidFill>
           </a:ln>
         </p:spPr>
@@ -3643,167 +4177,590 @@
           </a:fontRef>
         </p:style>
         <p:txBody>
-          <a:bodyPr rtlCol="0" anchor="ctr"/>
+          <a:bodyPr numCol="2" rtlCol="0" anchor="ctr"/>
           <a:lstStyle/>
           <a:p>
-            <a:pPr algn="ctr"/>
-            <a:r>
-              <a:rPr lang="en-US" sz="3200" b="1" dirty="0">
-                <a:solidFill>
-                  <a:srgbClr val="00B0F0"/>
+            <a:r>
+              <a:rPr lang="en-US" sz="1400" b="1" u="sng" dirty="0">
+                <a:solidFill>
+                  <a:srgbClr val="0066FF"/>
                 </a:solidFill>
               </a:rPr>
-              <a:t>Profile Screen</a:t>
-            </a:r>
-          </a:p>
-        </p:txBody>
-      </p:sp>
-      <p:cxnSp>
-        <p:nvCxnSpPr>
-          <p:cNvPr id="8" name="Straight Arrow Connector 7">
-            <a:extLst>
-              <a:ext uri="{FF2B5EF4-FFF2-40B4-BE49-F238E27FC236}">
-                <a16:creationId xmlns:a16="http://schemas.microsoft.com/office/drawing/2014/main" id="{5E1C49DB-0AE0-B850-F667-2BF9C1F78058}"/>
-              </a:ext>
-            </a:extLst>
-          </p:cNvPr>
-          <p:cNvCxnSpPr>
-            <a:cxnSpLocks/>
-            <a:stCxn id="5" idx="2"/>
-            <a:endCxn id="12" idx="0"/>
-          </p:cNvCxnSpPr>
+              <a:t>User Authentication</a:t>
+            </a:r>
+            <a:r>
+              <a:rPr lang="en-US" sz="1400" b="1" dirty="0">
+                <a:solidFill>
+                  <a:srgbClr val="0066FF"/>
+                </a:solidFill>
+              </a:rPr>
+              <a:t>: Implement user registration and login using </a:t>
+            </a:r>
+          </a:p>
+          <a:p>
+            <a:r>
+              <a:rPr lang="en-US" sz="1400" b="1" dirty="0">
+                <a:solidFill>
+                  <a:srgbClr val="0066FF"/>
+                </a:solidFill>
+              </a:rPr>
+              <a:t>Google Sign-in using Firebase or another authentication service.</a:t>
+            </a:r>
+          </a:p>
+          <a:p>
+            <a:endParaRPr lang="en-US" sz="1400" b="1" dirty="0">
+              <a:solidFill>
+                <a:srgbClr val="0066FF"/>
+              </a:solidFill>
+            </a:endParaRPr>
+          </a:p>
+          <a:p>
+            <a:r>
+              <a:rPr lang="en-US" sz="1400" b="1" u="sng" dirty="0">
+                <a:solidFill>
+                  <a:srgbClr val="0066FF"/>
+                </a:solidFill>
+              </a:rPr>
+              <a:t>Chat Screens</a:t>
+            </a:r>
+            <a:r>
+              <a:rPr lang="en-US" sz="1400" b="1" dirty="0">
+                <a:solidFill>
+                  <a:srgbClr val="0066FF"/>
+                </a:solidFill>
+              </a:rPr>
+              <a:t>: Create chat screens for individual conversations with </a:t>
+            </a:r>
+          </a:p>
+          <a:p>
+            <a:r>
+              <a:rPr lang="en-US" sz="1400" b="1" dirty="0">
+                <a:solidFill>
+                  <a:srgbClr val="0066FF"/>
+                </a:solidFill>
+              </a:rPr>
+              <a:t>other users. Use a AppBar for the top bar. Display messages in a chat </a:t>
+            </a:r>
+          </a:p>
+          <a:p>
+            <a:r>
+              <a:rPr lang="en-US" sz="1400" b="1" dirty="0">
+                <a:solidFill>
+                  <a:srgbClr val="0066FF"/>
+                </a:solidFill>
+              </a:rPr>
+              <a:t>bubble style using Cupertino Bubble. Allow users to send text, images, </a:t>
+            </a:r>
+          </a:p>
+          <a:p>
+            <a:r>
+              <a:rPr lang="en-US" sz="1400" b="1" dirty="0">
+                <a:solidFill>
+                  <a:srgbClr val="0066FF"/>
+                </a:solidFill>
+              </a:rPr>
+              <a:t>and emojis. Implement typing indicators and message read receipts (seen status).</a:t>
+            </a:r>
+          </a:p>
+          <a:p>
+            <a:endParaRPr lang="en-US" sz="1400" b="1" dirty="0">
+              <a:solidFill>
+                <a:srgbClr val="0066FF"/>
+              </a:solidFill>
+            </a:endParaRPr>
+          </a:p>
+          <a:p>
+            <a:r>
+              <a:rPr lang="en-US" sz="1400" b="1" u="sng" dirty="0">
+                <a:solidFill>
+                  <a:srgbClr val="0066FF"/>
+                </a:solidFill>
+              </a:rPr>
+              <a:t>Notifications</a:t>
+            </a:r>
+            <a:r>
+              <a:rPr lang="en-US" sz="1400" b="1" dirty="0">
+                <a:solidFill>
+                  <a:srgbClr val="0066FF"/>
+                </a:solidFill>
+              </a:rPr>
+              <a:t>: Implement push notifications for new messages using </a:t>
+            </a:r>
+          </a:p>
+          <a:p>
+            <a:r>
+              <a:rPr lang="en-US" sz="1400" b="1" dirty="0">
+                <a:solidFill>
+                  <a:srgbClr val="0066FF"/>
+                </a:solidFill>
+              </a:rPr>
+              <a:t>Firebase Cloud Messaging (FCM) or a similar service.</a:t>
+            </a:r>
+          </a:p>
+          <a:p>
+            <a:endParaRPr lang="en-US" sz="1400" b="1" dirty="0">
+              <a:solidFill>
+                <a:srgbClr val="0066FF"/>
+              </a:solidFill>
+            </a:endParaRPr>
+          </a:p>
+          <a:p>
+            <a:r>
+              <a:rPr lang="en-US" sz="1400" b="1" u="sng" dirty="0">
+                <a:solidFill>
+                  <a:srgbClr val="0066FF"/>
+                </a:solidFill>
+              </a:rPr>
+              <a:t>Search Functionality</a:t>
+            </a:r>
+            <a:r>
+              <a:rPr lang="en-US" sz="1400" b="1" dirty="0">
+                <a:solidFill>
+                  <a:srgbClr val="0066FF"/>
+                </a:solidFill>
+              </a:rPr>
+              <a:t>: Add a search bar to find specific chats or messages.</a:t>
+            </a:r>
+          </a:p>
+          <a:p>
+            <a:r>
+              <a:rPr lang="en-US" sz="1400" b="1" dirty="0">
+                <a:solidFill>
+                  <a:srgbClr val="0066FF"/>
+                </a:solidFill>
+              </a:rPr>
+              <a:t>Use the CupertinoSearchTextField for the search bar.</a:t>
+            </a:r>
+          </a:p>
+          <a:p>
+            <a:endParaRPr lang="en-US" sz="1400" b="1" dirty="0">
+              <a:solidFill>
+                <a:srgbClr val="0066FF"/>
+              </a:solidFill>
+            </a:endParaRPr>
+          </a:p>
+          <a:p>
+            <a:r>
+              <a:rPr lang="en-US" sz="1400" b="1" u="sng" dirty="0">
+                <a:solidFill>
+                  <a:srgbClr val="0066FF"/>
+                </a:solidFill>
+              </a:rPr>
+              <a:t>User Profiles</a:t>
+            </a:r>
+            <a:r>
+              <a:rPr lang="en-US" sz="1400" b="1" dirty="0">
+                <a:solidFill>
+                  <a:srgbClr val="0066FF"/>
+                </a:solidFill>
+              </a:rPr>
+              <a:t>: Create user profiles that display profile pictures, status, and other information. Use CupertinoActionSheet for editing profile details.</a:t>
+            </a:r>
+          </a:p>
+          <a:p>
+            <a:endParaRPr lang="en-US" sz="1400" b="1" dirty="0">
+              <a:solidFill>
+                <a:srgbClr val="0066FF"/>
+              </a:solidFill>
+            </a:endParaRPr>
+          </a:p>
+          <a:p>
+            <a:r>
+              <a:rPr lang="en-US" sz="1400" b="1" u="sng" dirty="0">
+                <a:solidFill>
+                  <a:srgbClr val="0066FF"/>
+                </a:solidFill>
+              </a:rPr>
+              <a:t>Online Status</a:t>
+            </a:r>
+            <a:r>
+              <a:rPr lang="en-US" sz="1400" b="1" dirty="0">
+                <a:solidFill>
+                  <a:srgbClr val="0066FF"/>
+                </a:solidFill>
+              </a:rPr>
+              <a:t>: Show online/offline status for users.</a:t>
+            </a:r>
+          </a:p>
+          <a:p>
+            <a:r>
+              <a:rPr lang="en-US" sz="1400" b="1" dirty="0">
+                <a:solidFill>
+                  <a:srgbClr val="0066FF"/>
+                </a:solidFill>
+              </a:rPr>
+              <a:t>Use presence indicators like a green dot next to online users' avatars.</a:t>
+            </a:r>
+          </a:p>
+          <a:p>
+            <a:endParaRPr lang="en-US" sz="1400" b="1" dirty="0">
+              <a:solidFill>
+                <a:srgbClr val="0066FF"/>
+              </a:solidFill>
+            </a:endParaRPr>
+          </a:p>
+          <a:p>
+            <a:r>
+              <a:rPr lang="en-US" sz="1400" b="1" u="sng" dirty="0">
+                <a:solidFill>
+                  <a:srgbClr val="0066FF"/>
+                </a:solidFill>
+              </a:rPr>
+              <a:t>Dark Mode</a:t>
+            </a:r>
+            <a:r>
+              <a:rPr lang="en-US" sz="1400" b="1" dirty="0">
+                <a:solidFill>
+                  <a:srgbClr val="0066FF"/>
+                </a:solidFill>
+              </a:rPr>
+              <a:t>: Implement a dark mode toggle in the settings.</a:t>
+            </a:r>
+          </a:p>
+          <a:p>
+            <a:r>
+              <a:rPr lang="en-US" sz="1400" b="1" dirty="0">
+                <a:solidFill>
+                  <a:srgbClr val="0066FF"/>
+                </a:solidFill>
+              </a:rPr>
+              <a:t>Ensure the app's UI adapts to light and dark modes.</a:t>
+            </a:r>
+          </a:p>
+          <a:p>
+            <a:endParaRPr lang="en-US" sz="1400" b="1" dirty="0">
+              <a:solidFill>
+                <a:srgbClr val="0066FF"/>
+              </a:solidFill>
+            </a:endParaRPr>
+          </a:p>
+          <a:p>
+            <a:r>
+              <a:rPr lang="en-US" sz="1400" b="1" u="sng" dirty="0">
+                <a:solidFill>
+                  <a:srgbClr val="0066FF"/>
+                </a:solidFill>
+              </a:rPr>
+              <a:t>Message Encryption</a:t>
+            </a:r>
+            <a:r>
+              <a:rPr lang="en-US" sz="1400" b="1" dirty="0">
+                <a:solidFill>
+                  <a:srgbClr val="0066FF"/>
+                </a:solidFill>
+              </a:rPr>
+              <a:t>: Implement end-to-end encryption for secure messaging.</a:t>
+            </a:r>
+          </a:p>
+          <a:p>
+            <a:endParaRPr lang="en-US" sz="1400" b="1" dirty="0">
+              <a:solidFill>
+                <a:srgbClr val="0066FF"/>
+              </a:solidFill>
+            </a:endParaRPr>
+          </a:p>
+          <a:p>
+            <a:r>
+              <a:rPr lang="en-US" sz="1400" b="1" u="sng" dirty="0">
+                <a:solidFill>
+                  <a:srgbClr val="0066FF"/>
+                </a:solidFill>
+              </a:rPr>
+              <a:t>Attachments</a:t>
+            </a:r>
+            <a:r>
+              <a:rPr lang="en-US" sz="1400" b="1" dirty="0">
+                <a:solidFill>
+                  <a:srgbClr val="0066FF"/>
+                </a:solidFill>
+              </a:rPr>
+              <a:t>: Allow users to send and receive images.</a:t>
+            </a:r>
+          </a:p>
+          <a:p>
+            <a:endParaRPr lang="en-US" sz="1400" b="1" dirty="0">
+              <a:solidFill>
+                <a:srgbClr val="0066FF"/>
+              </a:solidFill>
+            </a:endParaRPr>
+          </a:p>
+          <a:p>
+            <a:r>
+              <a:rPr lang="en-US" sz="1400" b="1" u="sng" dirty="0">
+                <a:solidFill>
+                  <a:srgbClr val="0066FF"/>
+                </a:solidFill>
+              </a:rPr>
+              <a:t>Message Deletion and Editing</a:t>
+            </a:r>
+            <a:r>
+              <a:rPr lang="en-US" sz="1400" b="1" dirty="0">
+                <a:solidFill>
+                  <a:srgbClr val="0066FF"/>
+                </a:solidFill>
+              </a:rPr>
+              <a:t>: Enable users to delete or edit sent messages if needed.</a:t>
+            </a:r>
+          </a:p>
+          <a:p>
+            <a:endParaRPr lang="en-US" sz="1400" b="1" dirty="0">
+              <a:solidFill>
+                <a:srgbClr val="0066FF"/>
+              </a:solidFill>
+            </a:endParaRPr>
+          </a:p>
+          <a:p>
+            <a:r>
+              <a:rPr lang="en-US" sz="1400" b="1" u="sng" dirty="0">
+                <a:solidFill>
+                  <a:srgbClr val="0066FF"/>
+                </a:solidFill>
+              </a:rPr>
+              <a:t>Emojis and Reactions</a:t>
+            </a:r>
+            <a:r>
+              <a:rPr lang="en-US" sz="1400" b="1" dirty="0">
+                <a:solidFill>
+                  <a:srgbClr val="0066FF"/>
+                </a:solidFill>
+              </a:rPr>
+              <a:t>: Add support for emojis and message reactions.</a:t>
+            </a:r>
+          </a:p>
+          <a:p>
+            <a:endParaRPr lang="en-US" sz="1400" b="1" dirty="0">
+              <a:solidFill>
+                <a:srgbClr val="0066FF"/>
+              </a:solidFill>
+            </a:endParaRPr>
+          </a:p>
+          <a:p>
+            <a:r>
+              <a:rPr lang="en-US" sz="1400" b="1" u="sng" dirty="0">
+                <a:solidFill>
+                  <a:srgbClr val="0066FF"/>
+                </a:solidFill>
+              </a:rPr>
+              <a:t>Profile Customization</a:t>
+            </a:r>
+            <a:r>
+              <a:rPr lang="en-US" sz="1400" b="1" dirty="0">
+                <a:solidFill>
+                  <a:srgbClr val="0066FF"/>
+                </a:solidFill>
+              </a:rPr>
+              <a:t>: Let users customize their profiles with bios, status messages, and display names.</a:t>
+            </a:r>
+          </a:p>
+        </p:txBody>
+      </p:sp>
+    </p:spTree>
+    <p:extLst>
+      <p:ext uri="{BB962C8B-B14F-4D97-AF65-F5344CB8AC3E}">
+        <p14:creationId xmlns:p14="http://schemas.microsoft.com/office/powerpoint/2010/main" val="1124401027"/>
+      </p:ext>
+    </p:extLst>
+  </p:cSld>
+  <p:clrMapOvr>
+    <a:masterClrMapping/>
+  </p:clrMapOvr>
+  <p:transition spd="slow">
+    <p:push dir="u"/>
+  </p:transition>
+  <p:timing>
+    <p:tnLst>
+      <p:par>
+        <p:cTn id="1" dur="indefinite" restart="never" nodeType="tmRoot">
+          <p:childTnLst>
+            <p:seq concurrent="1" nextAc="seek">
+              <p:cTn id="2" dur="indefinite" nodeType="mainSeq">
+                <p:childTnLst>
+                  <p:par>
+                    <p:cTn id="3" fill="hold">
+                      <p:stCondLst>
+                        <p:cond delay="indefinite"/>
+                        <p:cond evt="onBegin" delay="0">
+                          <p:tn val="2"/>
+                        </p:cond>
+                      </p:stCondLst>
+                      <p:childTnLst>
+                        <p:par>
+                          <p:cTn id="4" fill="hold">
+                            <p:stCondLst>
+                              <p:cond delay="0"/>
+                            </p:stCondLst>
+                            <p:childTnLst>
+                              <p:par>
+                                <p:cTn id="5" presetID="23" presetClass="entr" presetSubtype="16" fill="hold" grpId="0" nodeType="withEffect">
+                                  <p:stCondLst>
+                                    <p:cond delay="0"/>
+                                  </p:stCondLst>
+                                  <p:childTnLst>
+                                    <p:set>
+                                      <p:cBhvr>
+                                        <p:cTn id="6" dur="1" fill="hold">
+                                          <p:stCondLst>
+                                            <p:cond delay="0"/>
+                                          </p:stCondLst>
+                                        </p:cTn>
+                                        <p:tgtEl>
+                                          <p:spTgt spid="8"/>
+                                        </p:tgtEl>
+                                        <p:attrNameLst>
+                                          <p:attrName>style.visibility</p:attrName>
+                                        </p:attrNameLst>
+                                      </p:cBhvr>
+                                      <p:to>
+                                        <p:strVal val="visible"/>
+                                      </p:to>
+                                    </p:set>
+                                    <p:anim calcmode="lin" valueType="num">
+                                      <p:cBhvr>
+                                        <p:cTn id="7" dur="500" fill="hold"/>
+                                        <p:tgtEl>
+                                          <p:spTgt spid="8"/>
+                                        </p:tgtEl>
+                                        <p:attrNameLst>
+                                          <p:attrName>ppt_w</p:attrName>
+                                        </p:attrNameLst>
+                                      </p:cBhvr>
+                                      <p:tavLst>
+                                        <p:tav tm="0">
+                                          <p:val>
+                                            <p:fltVal val="0"/>
+                                          </p:val>
+                                        </p:tav>
+                                        <p:tav tm="100000">
+                                          <p:val>
+                                            <p:strVal val="#ppt_w"/>
+                                          </p:val>
+                                        </p:tav>
+                                      </p:tavLst>
+                                    </p:anim>
+                                    <p:anim calcmode="lin" valueType="num">
+                                      <p:cBhvr>
+                                        <p:cTn id="8" dur="500" fill="hold"/>
+                                        <p:tgtEl>
+                                          <p:spTgt spid="8"/>
+                                        </p:tgtEl>
+                                        <p:attrNameLst>
+                                          <p:attrName>ppt_h</p:attrName>
+                                        </p:attrNameLst>
+                                      </p:cBhvr>
+                                      <p:tavLst>
+                                        <p:tav tm="0">
+                                          <p:val>
+                                            <p:fltVal val="0"/>
+                                          </p:val>
+                                        </p:tav>
+                                        <p:tav tm="100000">
+                                          <p:val>
+                                            <p:strVal val="#ppt_h"/>
+                                          </p:val>
+                                        </p:tav>
+                                      </p:tavLst>
+                                    </p:anim>
+                                  </p:childTnLst>
+                                </p:cTn>
+                              </p:par>
+                            </p:childTnLst>
+                          </p:cTn>
+                        </p:par>
+                      </p:childTnLst>
+                    </p:cTn>
+                  </p:par>
+                </p:childTnLst>
+              </p:cTn>
+              <p:prevCondLst>
+                <p:cond evt="onPrev" delay="0">
+                  <p:tgtEl>
+                    <p:sldTgt/>
+                  </p:tgtEl>
+                </p:cond>
+              </p:prevCondLst>
+              <p:nextCondLst>
+                <p:cond evt="onNext" delay="0">
+                  <p:tgtEl>
+                    <p:sldTgt/>
+                  </p:tgtEl>
+                </p:cond>
+              </p:nextCondLst>
+            </p:seq>
+          </p:childTnLst>
+        </p:cTn>
+      </p:par>
+    </p:tnLst>
+    <p:bldLst>
+      <p:bldP spid="8" grpId="0" animBg="1"/>
+    </p:bldLst>
+  </p:timing>
+</p:sld>
+</file>
+
+<file path=ppt/slides/slide4.xml><?xml version="1.0" encoding="utf-8"?>
+<p:sld xmlns:a="http://schemas.openxmlformats.org/drawingml/2006/main" xmlns:r="http://schemas.openxmlformats.org/officeDocument/2006/relationships" xmlns:p="http://schemas.openxmlformats.org/presentationml/2006/main">
+  <p:cSld>
+    <p:spTree>
+      <p:nvGrpSpPr>
+        <p:cNvPr id="1" name=""/>
+        <p:cNvGrpSpPr/>
+        <p:nvPr/>
+      </p:nvGrpSpPr>
+      <p:grpSpPr>
+        <a:xfrm>
+          <a:off x="0" y="0"/>
+          <a:ext cx="0" cy="0"/>
+          <a:chOff x="0" y="0"/>
+          <a:chExt cx="0" cy="0"/>
+        </a:xfrm>
+      </p:grpSpPr>
+      <p:sp>
+        <p:nvSpPr>
+          <p:cNvPr id="4" name="TextBox 3">
+            <a:extLst>
+              <a:ext uri="{FF2B5EF4-FFF2-40B4-BE49-F238E27FC236}">
+                <a16:creationId xmlns:a16="http://schemas.microsoft.com/office/drawing/2014/main" id="{A2E56507-955E-DF60-A558-1E72E6647A76}"/>
+              </a:ext>
+            </a:extLst>
+          </p:cNvPr>
+          <p:cNvSpPr txBox="1"/>
           <p:nvPr/>
-        </p:nvCxnSpPr>
+        </p:nvSpPr>
         <p:spPr>
           <a:xfrm>
-            <a:off x="2557499" y="3136166"/>
-            <a:ext cx="0" cy="855128"/>
+            <a:off x="684245" y="0"/>
+            <a:ext cx="10823509" cy="1015663"/>
           </a:xfrm>
-          <a:prstGeom prst="straightConnector1">
+          <a:prstGeom prst="rect">
             <a:avLst/>
           </a:prstGeom>
-          <a:ln w="57150">
-            <a:solidFill>
-              <a:srgbClr val="00B0F0"/>
-            </a:solidFill>
-            <a:tailEnd type="triangle"/>
-          </a:ln>
+          <a:noFill/>
         </p:spPr>
-        <p:style>
-          <a:lnRef idx="1">
-            <a:schemeClr val="accent1"/>
-          </a:lnRef>
-          <a:fillRef idx="0">
-            <a:schemeClr val="accent1"/>
-          </a:fillRef>
-          <a:effectRef idx="0">
-            <a:schemeClr val="accent1"/>
-          </a:effectRef>
-          <a:fontRef idx="minor">
-            <a:schemeClr val="tx1"/>
-          </a:fontRef>
-        </p:style>
-      </p:cxnSp>
-      <p:cxnSp>
-        <p:nvCxnSpPr>
-          <p:cNvPr id="9" name="Connector: Elbow 8">
-            <a:extLst>
-              <a:ext uri="{FF2B5EF4-FFF2-40B4-BE49-F238E27FC236}">
-                <a16:creationId xmlns:a16="http://schemas.microsoft.com/office/drawing/2014/main" id="{BB217BC0-E6A6-8F20-BE67-6453ADF80EB1}"/>
-              </a:ext>
-            </a:extLst>
-          </p:cNvPr>
-          <p:cNvCxnSpPr>
-            <a:cxnSpLocks/>
-            <a:stCxn id="12" idx="3"/>
-            <a:endCxn id="6" idx="1"/>
-          </p:cNvCxnSpPr>
-          <p:nvPr/>
-        </p:nvCxnSpPr>
-        <p:spPr>
-          <a:xfrm flipV="1">
-            <a:off x="4017398" y="1785412"/>
-            <a:ext cx="3360893" cy="2701509"/>
-          </a:xfrm>
-          <a:prstGeom prst="bentConnector3">
-            <a:avLst/>
-          </a:prstGeom>
-          <a:ln w="57150">
-            <a:solidFill>
-              <a:srgbClr val="00B0F0"/>
-            </a:solidFill>
-            <a:tailEnd type="triangle"/>
-          </a:ln>
-        </p:spPr>
-        <p:style>
-          <a:lnRef idx="1">
-            <a:schemeClr val="accent1"/>
-          </a:lnRef>
-          <a:fillRef idx="0">
-            <a:schemeClr val="accent1"/>
-          </a:fillRef>
-          <a:effectRef idx="0">
-            <a:schemeClr val="accent1"/>
-          </a:effectRef>
-          <a:fontRef idx="minor">
-            <a:schemeClr val="tx1"/>
-          </a:fontRef>
-        </p:style>
-      </p:cxnSp>
-      <p:cxnSp>
-        <p:nvCxnSpPr>
-          <p:cNvPr id="10" name="Connector: Elbow 9">
-            <a:extLst>
-              <a:ext uri="{FF2B5EF4-FFF2-40B4-BE49-F238E27FC236}">
-                <a16:creationId xmlns:a16="http://schemas.microsoft.com/office/drawing/2014/main" id="{04319B1D-7F81-AB18-956E-5E0D92087F29}"/>
-              </a:ext>
-            </a:extLst>
-          </p:cNvPr>
-          <p:cNvCxnSpPr>
-            <a:cxnSpLocks/>
-            <a:stCxn id="12" idx="3"/>
-            <a:endCxn id="7" idx="1"/>
-          </p:cNvCxnSpPr>
-          <p:nvPr/>
-        </p:nvCxnSpPr>
-        <p:spPr>
-          <a:xfrm>
-            <a:off x="4017398" y="4486921"/>
-            <a:ext cx="3360892" cy="1519838"/>
-          </a:xfrm>
-          <a:prstGeom prst="bentConnector3">
-            <a:avLst>
-              <a:gd name="adj1" fmla="val 50000"/>
-            </a:avLst>
-          </a:prstGeom>
-          <a:ln w="57150">
-            <a:solidFill>
-              <a:srgbClr val="00B0F0"/>
-            </a:solidFill>
-            <a:tailEnd type="triangle"/>
-          </a:ln>
-        </p:spPr>
-        <p:style>
-          <a:lnRef idx="1">
-            <a:schemeClr val="accent1"/>
-          </a:lnRef>
-          <a:fillRef idx="0">
-            <a:schemeClr val="accent1"/>
-          </a:fillRef>
-          <a:effectRef idx="0">
-            <a:schemeClr val="accent1"/>
-          </a:effectRef>
-          <a:fontRef idx="minor">
-            <a:schemeClr val="tx1"/>
-          </a:fontRef>
-        </p:style>
-      </p:cxnSp>
+        <p:txBody>
+          <a:bodyPr wrap="square" rtlCol="0">
+            <a:spAutoFit/>
+          </a:bodyPr>
+          <a:lstStyle/>
+          <a:p>
+            <a:pPr algn="ctr"/>
+            <a:r>
+              <a:rPr lang="en-US" sz="6000" b="1" dirty="0">
+                <a:solidFill>
+                  <a:schemeClr val="bg1"/>
+                </a:solidFill>
+                <a:latin typeface="Bahnschrift" panose="020B0502040204020203" pitchFamily="34" charset="0"/>
+              </a:rPr>
+              <a:t>Data Flow Diagram</a:t>
+            </a:r>
+          </a:p>
+        </p:txBody>
+      </p:sp>
       <p:grpSp>
         <p:nvGrpSpPr>
-          <p:cNvPr id="11" name="Group 10">
-            <a:extLst>
-              <a:ext uri="{FF2B5EF4-FFF2-40B4-BE49-F238E27FC236}">
-                <a16:creationId xmlns:a16="http://schemas.microsoft.com/office/drawing/2014/main" id="{671EBCB0-5E55-81FD-52C7-ABEB687CF94B}"/>
+          <p:cNvPr id="31" name="Group 30">
+            <a:extLst>
+              <a:ext uri="{FF2B5EF4-FFF2-40B4-BE49-F238E27FC236}">
+                <a16:creationId xmlns:a16="http://schemas.microsoft.com/office/drawing/2014/main" id="{06C1C712-CA22-7284-5637-8F690EF307F9}"/>
               </a:ext>
             </a:extLst>
           </p:cNvPr>
@@ -3812,372 +4769,58 @@
         </p:nvGrpSpPr>
         <p:grpSpPr>
           <a:xfrm>
-            <a:off x="1097598" y="3991294"/>
-            <a:ext cx="2919801" cy="2411046"/>
-            <a:chOff x="1079239" y="2848947"/>
-            <a:chExt cx="2326434" cy="2628122"/>
+            <a:off x="1085742" y="1263043"/>
+            <a:ext cx="4359018" cy="4920697"/>
+            <a:chOff x="1085742" y="1263043"/>
+            <a:chExt cx="4359018" cy="4920697"/>
           </a:xfrm>
         </p:grpSpPr>
-        <p:sp>
-          <p:nvSpPr>
-            <p:cNvPr id="12" name="Rectangle: Rounded Corners 11">
+        <p:pic>
+          <p:nvPicPr>
+            <p:cNvPr id="25" name="Picture 24">
               <a:extLst>
                 <a:ext uri="{FF2B5EF4-FFF2-40B4-BE49-F238E27FC236}">
-                  <a16:creationId xmlns:a16="http://schemas.microsoft.com/office/drawing/2014/main" id="{DEA37F0B-1752-11F6-66CC-EFE405AB9A29}"/>
+                  <a16:creationId xmlns:a16="http://schemas.microsoft.com/office/drawing/2014/main" id="{1B4EAF9F-2C6F-5214-C6B5-CE3B160D375E}"/>
                 </a:ext>
               </a:extLst>
             </p:cNvPr>
-            <p:cNvSpPr/>
+            <p:cNvPicPr>
+              <a:picLocks noChangeAspect="1"/>
+            </p:cNvPicPr>
             <p:nvPr/>
-          </p:nvSpPr>
+          </p:nvPicPr>
+          <p:blipFill>
+            <a:blip r:embed="rId2"/>
+            <a:stretch>
+              <a:fillRect/>
+            </a:stretch>
+          </p:blipFill>
           <p:spPr>
             <a:xfrm>
-              <a:off x="1079239" y="2848947"/>
-              <a:ext cx="2326434" cy="1080499"/>
+              <a:off x="1085742" y="1763757"/>
+              <a:ext cx="4359018" cy="4419983"/>
             </a:xfrm>
-            <a:prstGeom prst="roundRect">
+            <a:prstGeom prst="rect">
               <a:avLst/>
             </a:prstGeom>
-            <a:ln w="57150">
-              <a:solidFill>
-                <a:srgbClr val="00B0F0"/>
-              </a:solidFill>
+            <a:ln>
+              <a:noFill/>
             </a:ln>
+            <a:effectLst>
+              <a:outerShdw blurRad="292100" dist="139700" dir="2700000" algn="tl" rotWithShape="0">
+                <a:srgbClr val="333333">
+                  <a:alpha val="65000"/>
+                </a:srgbClr>
+              </a:outerShdw>
+            </a:effectLst>
           </p:spPr>
-          <p:style>
-            <a:lnRef idx="2">
-              <a:schemeClr val="accent6"/>
-            </a:lnRef>
-            <a:fillRef idx="1">
-              <a:schemeClr val="lt1"/>
-            </a:fillRef>
-            <a:effectRef idx="0">
-              <a:schemeClr val="accent6"/>
-            </a:effectRef>
-            <a:fontRef idx="minor">
-              <a:schemeClr val="dk1"/>
-            </a:fontRef>
-          </p:style>
-          <p:txBody>
-            <a:bodyPr rtlCol="0" anchor="ctr"/>
-            <a:lstStyle/>
-            <a:p>
-              <a:pPr algn="ctr"/>
-              <a:r>
-                <a:rPr lang="en-US" sz="3200" b="1" dirty="0">
-                  <a:solidFill>
-                    <a:srgbClr val="00B0F0"/>
-                  </a:solidFill>
-                </a:rPr>
-                <a:t>Home Page</a:t>
-              </a:r>
-            </a:p>
-          </p:txBody>
-        </p:sp>
-        <p:grpSp>
-          <p:nvGrpSpPr>
-            <p:cNvPr id="13" name="Group 12">
+        </p:pic>
+        <p:sp>
+          <p:nvSpPr>
+            <p:cNvPr id="28" name="TextBox 27">
               <a:extLst>
                 <a:ext uri="{FF2B5EF4-FFF2-40B4-BE49-F238E27FC236}">
-                  <a16:creationId xmlns:a16="http://schemas.microsoft.com/office/drawing/2014/main" id="{0A5AA946-A72E-4F85-40E1-D1D4BEB89921}"/>
-                </a:ext>
-              </a:extLst>
-            </p:cNvPr>
-            <p:cNvGrpSpPr/>
-            <p:nvPr/>
-          </p:nvGrpSpPr>
-          <p:grpSpPr>
-            <a:xfrm>
-              <a:off x="1166327" y="4503575"/>
-              <a:ext cx="2239345" cy="973494"/>
-              <a:chOff x="1166327" y="4503575"/>
-              <a:chExt cx="2239345" cy="973494"/>
-            </a:xfrm>
-          </p:grpSpPr>
-          <p:sp>
-            <p:nvSpPr>
-              <p:cNvPr id="14" name="Left Brace 13">
-                <a:extLst>
-                  <a:ext uri="{FF2B5EF4-FFF2-40B4-BE49-F238E27FC236}">
-                    <a16:creationId xmlns:a16="http://schemas.microsoft.com/office/drawing/2014/main" id="{9E7DF83B-355D-C718-21F9-0E067E4FCC85}"/>
-                  </a:ext>
-                </a:extLst>
-              </p:cNvPr>
-              <p:cNvSpPr/>
-              <p:nvPr/>
-            </p:nvSpPr>
-            <p:spPr>
-              <a:xfrm>
-                <a:off x="1166327" y="4503575"/>
-                <a:ext cx="466531" cy="973494"/>
-              </a:xfrm>
-              <a:prstGeom prst="leftBrace">
-                <a:avLst/>
-              </a:prstGeom>
-              <a:ln w="38100">
-                <a:solidFill>
-                  <a:srgbClr val="00B0F0"/>
-                </a:solidFill>
-              </a:ln>
-              <a:effectLst/>
-              <a:scene3d>
-                <a:camera prst="orthographicFront">
-                  <a:rot lat="0" lon="0" rev="0"/>
-                </a:camera>
-                <a:lightRig rig="contrasting" dir="t">
-                  <a:rot lat="0" lon="0" rev="7800000"/>
-                </a:lightRig>
-              </a:scene3d>
-              <a:sp3d>
-                <a:bevelT w="139700" h="139700"/>
-              </a:sp3d>
-            </p:spPr>
-            <p:style>
-              <a:lnRef idx="1">
-                <a:schemeClr val="accent1"/>
-              </a:lnRef>
-              <a:fillRef idx="0">
-                <a:schemeClr val="accent1"/>
-              </a:fillRef>
-              <a:effectRef idx="0">
-                <a:schemeClr val="accent1"/>
-              </a:effectRef>
-              <a:fontRef idx="minor">
-                <a:schemeClr val="tx1"/>
-              </a:fontRef>
-            </p:style>
-            <p:txBody>
-              <a:bodyPr rtlCol="0" anchor="ctr"/>
-              <a:lstStyle/>
-              <a:p>
-                <a:pPr algn="ctr"/>
-                <a:endParaRPr lang="en-US"/>
-              </a:p>
-            </p:txBody>
-          </p:sp>
-          <p:sp>
-            <p:nvSpPr>
-              <p:cNvPr id="15" name="Left Brace 14">
-                <a:extLst>
-                  <a:ext uri="{FF2B5EF4-FFF2-40B4-BE49-F238E27FC236}">
-                    <a16:creationId xmlns:a16="http://schemas.microsoft.com/office/drawing/2014/main" id="{72DA5ED6-E273-A16B-EE4B-D92F0279A129}"/>
-                  </a:ext>
-                </a:extLst>
-              </p:cNvPr>
-              <p:cNvSpPr/>
-              <p:nvPr/>
-            </p:nvSpPr>
-            <p:spPr>
-              <a:xfrm flipH="1">
-                <a:off x="2939140" y="4503575"/>
-                <a:ext cx="466532" cy="973494"/>
-              </a:xfrm>
-              <a:prstGeom prst="leftBrace">
-                <a:avLst/>
-              </a:prstGeom>
-              <a:ln w="38100">
-                <a:solidFill>
-                  <a:srgbClr val="00B0F0"/>
-                </a:solidFill>
-              </a:ln>
-            </p:spPr>
-            <p:style>
-              <a:lnRef idx="1">
-                <a:schemeClr val="accent1"/>
-              </a:lnRef>
-              <a:fillRef idx="0">
-                <a:schemeClr val="accent1"/>
-              </a:fillRef>
-              <a:effectRef idx="0">
-                <a:schemeClr val="accent1"/>
-              </a:effectRef>
-              <a:fontRef idx="minor">
-                <a:schemeClr val="tx1"/>
-              </a:fontRef>
-            </p:style>
-            <p:txBody>
-              <a:bodyPr rtlCol="0" anchor="ctr"/>
-              <a:lstStyle/>
-              <a:p>
-                <a:pPr algn="ctr"/>
-                <a:endParaRPr lang="en-US"/>
-              </a:p>
-            </p:txBody>
-          </p:sp>
-          <p:sp>
-            <p:nvSpPr>
-              <p:cNvPr id="16" name="TextBox 15">
-                <a:extLst>
-                  <a:ext uri="{FF2B5EF4-FFF2-40B4-BE49-F238E27FC236}">
-                    <a16:creationId xmlns:a16="http://schemas.microsoft.com/office/drawing/2014/main" id="{5FFF32C4-AFB8-3489-A5BE-555F7868CA84}"/>
-                  </a:ext>
-                </a:extLst>
-              </p:cNvPr>
-              <p:cNvSpPr txBox="1"/>
-              <p:nvPr/>
-            </p:nvSpPr>
-            <p:spPr>
-              <a:xfrm>
-                <a:off x="1486679" y="4596013"/>
-                <a:ext cx="1583092" cy="830997"/>
-              </a:xfrm>
-              <a:prstGeom prst="rect">
-                <a:avLst/>
-              </a:prstGeom>
-              <a:noFill/>
-            </p:spPr>
-            <p:txBody>
-              <a:bodyPr wrap="square" rtlCol="0">
-                <a:spAutoFit/>
-              </a:bodyPr>
-              <a:lstStyle/>
-              <a:p>
-                <a:pPr algn="ctr"/>
-                <a:r>
-                  <a:rPr lang="en-US" sz="1200" dirty="0"/>
-                  <a:t>The List Builder and Stream Builder will Fetch Data from Firebase</a:t>
-                </a:r>
-              </a:p>
-            </p:txBody>
-          </p:sp>
-        </p:grpSp>
-      </p:grpSp>
-      <p:grpSp>
-        <p:nvGrpSpPr>
-          <p:cNvPr id="17" name="Group 16">
-            <a:extLst>
-              <a:ext uri="{FF2B5EF4-FFF2-40B4-BE49-F238E27FC236}">
-                <a16:creationId xmlns:a16="http://schemas.microsoft.com/office/drawing/2014/main" id="{379F7021-07C0-24E5-D022-DAEB36C925E7}"/>
-              </a:ext>
-            </a:extLst>
-          </p:cNvPr>
-          <p:cNvGrpSpPr/>
-          <p:nvPr/>
-        </p:nvGrpSpPr>
-        <p:grpSpPr>
-          <a:xfrm>
-            <a:off x="1197140" y="1119673"/>
-            <a:ext cx="2810499" cy="1126350"/>
-            <a:chOff x="1166327" y="4503575"/>
-            <a:chExt cx="2239345" cy="1040797"/>
-          </a:xfrm>
-        </p:grpSpPr>
-        <p:sp>
-          <p:nvSpPr>
-            <p:cNvPr id="18" name="Left Brace 17">
-              <a:extLst>
-                <a:ext uri="{FF2B5EF4-FFF2-40B4-BE49-F238E27FC236}">
-                  <a16:creationId xmlns:a16="http://schemas.microsoft.com/office/drawing/2014/main" id="{432BA886-F392-491E-62D9-8B29B520C7F7}"/>
-                </a:ext>
-              </a:extLst>
-            </p:cNvPr>
-            <p:cNvSpPr/>
-            <p:nvPr/>
-          </p:nvSpPr>
-          <p:spPr>
-            <a:xfrm>
-              <a:off x="1166327" y="4503575"/>
-              <a:ext cx="466531" cy="973494"/>
-            </a:xfrm>
-            <a:prstGeom prst="leftBrace">
-              <a:avLst/>
-            </a:prstGeom>
-            <a:ln w="38100">
-              <a:solidFill>
-                <a:srgbClr val="00B0F0"/>
-              </a:solidFill>
-            </a:ln>
-            <a:effectLst/>
-            <a:scene3d>
-              <a:camera prst="orthographicFront">
-                <a:rot lat="0" lon="0" rev="0"/>
-              </a:camera>
-              <a:lightRig rig="contrasting" dir="t">
-                <a:rot lat="0" lon="0" rev="7800000"/>
-              </a:lightRig>
-            </a:scene3d>
-            <a:sp3d>
-              <a:bevelT w="139700" h="139700"/>
-            </a:sp3d>
-          </p:spPr>
-          <p:style>
-            <a:lnRef idx="1">
-              <a:schemeClr val="accent1"/>
-            </a:lnRef>
-            <a:fillRef idx="0">
-              <a:schemeClr val="accent1"/>
-            </a:fillRef>
-            <a:effectRef idx="0">
-              <a:schemeClr val="accent1"/>
-            </a:effectRef>
-            <a:fontRef idx="minor">
-              <a:schemeClr val="tx1"/>
-            </a:fontRef>
-          </p:style>
-          <p:txBody>
-            <a:bodyPr rtlCol="0" anchor="ctr"/>
-            <a:lstStyle/>
-            <a:p>
-              <a:pPr algn="ctr"/>
-              <a:endParaRPr lang="en-US"/>
-            </a:p>
-          </p:txBody>
-        </p:sp>
-        <p:sp>
-          <p:nvSpPr>
-            <p:cNvPr id="19" name="Left Brace 18">
-              <a:extLst>
-                <a:ext uri="{FF2B5EF4-FFF2-40B4-BE49-F238E27FC236}">
-                  <a16:creationId xmlns:a16="http://schemas.microsoft.com/office/drawing/2014/main" id="{1F6529BB-9E6C-C9CE-EF47-F081E41256F5}"/>
-                </a:ext>
-              </a:extLst>
-            </p:cNvPr>
-            <p:cNvSpPr/>
-            <p:nvPr/>
-          </p:nvSpPr>
-          <p:spPr>
-            <a:xfrm flipH="1">
-              <a:off x="2939140" y="4503575"/>
-              <a:ext cx="466532" cy="973494"/>
-            </a:xfrm>
-            <a:prstGeom prst="leftBrace">
-              <a:avLst/>
-            </a:prstGeom>
-            <a:ln w="38100">
-              <a:solidFill>
-                <a:srgbClr val="00B0F0"/>
-              </a:solidFill>
-            </a:ln>
-          </p:spPr>
-          <p:style>
-            <a:lnRef idx="1">
-              <a:schemeClr val="accent1"/>
-            </a:lnRef>
-            <a:fillRef idx="0">
-              <a:schemeClr val="accent1"/>
-            </a:fillRef>
-            <a:effectRef idx="0">
-              <a:schemeClr val="accent1"/>
-            </a:effectRef>
-            <a:fontRef idx="minor">
-              <a:schemeClr val="tx1"/>
-            </a:fontRef>
-          </p:style>
-          <p:txBody>
-            <a:bodyPr rtlCol="0" anchor="ctr"/>
-            <a:lstStyle/>
-            <a:p>
-              <a:pPr algn="ctr"/>
-              <a:endParaRPr lang="en-US"/>
-            </a:p>
-          </p:txBody>
-        </p:sp>
-        <p:sp>
-          <p:nvSpPr>
-            <p:cNvPr id="20" name="TextBox 19">
-              <a:extLst>
-                <a:ext uri="{FF2B5EF4-FFF2-40B4-BE49-F238E27FC236}">
-                  <a16:creationId xmlns:a16="http://schemas.microsoft.com/office/drawing/2014/main" id="{E49A044E-6224-07B1-9095-D7A7F8C3E247}"/>
+                  <a16:creationId xmlns:a16="http://schemas.microsoft.com/office/drawing/2014/main" id="{E51AFEAD-9DFB-09F0-DC99-1C0F308AFBBE}"/>
                 </a:ext>
               </a:extLst>
             </p:cNvPr>
@@ -4186,8 +4829,8 @@
           </p:nvSpPr>
           <p:spPr>
             <a:xfrm>
-              <a:off x="1494453" y="4528709"/>
-              <a:ext cx="1583092" cy="1015663"/>
+              <a:off x="2033081" y="1263043"/>
+              <a:ext cx="2272896" cy="523220"/>
             </a:xfrm>
             <a:prstGeom prst="rect">
               <a:avLst/>
@@ -4202,17 +4845,1075 @@
             <a:p>
               <a:pPr algn="ctr"/>
               <a:r>
-                <a:rPr lang="en-US" sz="1200" dirty="0"/>
-                <a:t>The Firebase Authentication Will Create or Login the User with the chosen Google Account</a:t>
+                <a:rPr lang="en-US" sz="2800" b="1" dirty="0">
+                  <a:solidFill>
+                    <a:schemeClr val="bg1"/>
+                  </a:solidFill>
+                  <a:latin typeface="Bahnschrift" panose="020B0502040204020203" pitchFamily="34" charset="0"/>
+                </a:rPr>
+                <a:t>Level-0</a:t>
               </a:r>
             </a:p>
           </p:txBody>
         </p:sp>
       </p:grpSp>
+      <p:sp>
+        <p:nvSpPr>
+          <p:cNvPr id="30" name="Rectangle: Rounded Corners 29">
+            <a:extLst>
+              <a:ext uri="{FF2B5EF4-FFF2-40B4-BE49-F238E27FC236}">
+                <a16:creationId xmlns:a16="http://schemas.microsoft.com/office/drawing/2014/main" id="{685CEF77-2DAD-2C22-0BA2-BE533E844CB9}"/>
+              </a:ext>
+            </a:extLst>
+          </p:cNvPr>
+          <p:cNvSpPr/>
+          <p:nvPr/>
+        </p:nvSpPr>
+        <p:spPr>
+          <a:xfrm>
+            <a:off x="6275366" y="1763757"/>
+            <a:ext cx="5637773" cy="3900794"/>
+          </a:xfrm>
+          <a:prstGeom prst="roundRect">
+            <a:avLst/>
+          </a:prstGeom>
+          <a:ln w="57150">
+            <a:solidFill>
+              <a:srgbClr val="0066FF"/>
+            </a:solidFill>
+          </a:ln>
+        </p:spPr>
+        <p:style>
+          <a:lnRef idx="2">
+            <a:schemeClr val="accent6"/>
+          </a:lnRef>
+          <a:fillRef idx="1">
+            <a:schemeClr val="lt1"/>
+          </a:fillRef>
+          <a:effectRef idx="0">
+            <a:schemeClr val="accent6"/>
+          </a:effectRef>
+          <a:fontRef idx="minor">
+            <a:schemeClr val="dk1"/>
+          </a:fontRef>
+        </p:style>
+        <p:txBody>
+          <a:bodyPr numCol="1" rtlCol="0" anchor="ctr"/>
+          <a:lstStyle/>
+          <a:p>
+            <a:r>
+              <a:rPr lang="en-US" sz="1600" dirty="0">
+                <a:solidFill>
+                  <a:srgbClr val="0066FF"/>
+                </a:solidFill>
+              </a:rPr>
+              <a:t>In this simplified DFD:</a:t>
+            </a:r>
+          </a:p>
+          <a:p>
+            <a:endParaRPr lang="en-US" sz="1600" dirty="0">
+              <a:solidFill>
+                <a:srgbClr val="0066FF"/>
+              </a:solidFill>
+            </a:endParaRPr>
+          </a:p>
+          <a:p>
+            <a:r>
+              <a:rPr lang="en-US" sz="1600" dirty="0">
+                <a:solidFill>
+                  <a:srgbClr val="0066FF"/>
+                </a:solidFill>
+              </a:rPr>
+              <a:t>"User" represents the end-user of the Flutter application.</a:t>
+            </a:r>
+          </a:p>
+          <a:p>
+            <a:endParaRPr lang="en-US" sz="1600" dirty="0">
+              <a:solidFill>
+                <a:srgbClr val="0066FF"/>
+              </a:solidFill>
+            </a:endParaRPr>
+          </a:p>
+          <a:p>
+            <a:r>
+              <a:rPr lang="en-US" sz="1600" dirty="0">
+                <a:solidFill>
+                  <a:srgbClr val="0066FF"/>
+                </a:solidFill>
+              </a:rPr>
+              <a:t>"Flutter App" is the main component of the application.</a:t>
+            </a:r>
+          </a:p>
+          <a:p>
+            <a:endParaRPr lang="en-US" sz="1600" dirty="0">
+              <a:solidFill>
+                <a:srgbClr val="0066FF"/>
+              </a:solidFill>
+            </a:endParaRPr>
+          </a:p>
+          <a:p>
+            <a:r>
+              <a:rPr lang="en-US" sz="1600" dirty="0">
+                <a:solidFill>
+                  <a:srgbClr val="0066FF"/>
+                </a:solidFill>
+              </a:rPr>
+              <a:t>Data flows between the user and the Flutter app.</a:t>
+            </a:r>
+          </a:p>
+          <a:p>
+            <a:endParaRPr lang="en-US" sz="1600" dirty="0">
+              <a:solidFill>
+                <a:srgbClr val="0066FF"/>
+              </a:solidFill>
+            </a:endParaRPr>
+          </a:p>
+          <a:p>
+            <a:r>
+              <a:rPr lang="en-US" sz="1600" dirty="0">
+                <a:solidFill>
+                  <a:srgbClr val="0066FF"/>
+                </a:solidFill>
+              </a:rPr>
+              <a:t>The Flutter app interacts with various Firebase services, such as Firestore for the database and Firebase Authentication for user management.</a:t>
+            </a:r>
+          </a:p>
+          <a:p>
+            <a:endParaRPr lang="en-US" sz="1200" b="1" dirty="0">
+              <a:solidFill>
+                <a:srgbClr val="0066FF"/>
+              </a:solidFill>
+            </a:endParaRPr>
+          </a:p>
+        </p:txBody>
+      </p:sp>
     </p:spTree>
     <p:extLst>
       <p:ext uri="{BB962C8B-B14F-4D97-AF65-F5344CB8AC3E}">
         <p14:creationId xmlns:p14="http://schemas.microsoft.com/office/powerpoint/2010/main" val="3224413011"/>
+      </p:ext>
+    </p:extLst>
+  </p:cSld>
+  <p:clrMapOvr>
+    <a:masterClrMapping/>
+  </p:clrMapOvr>
+  <p:transition spd="slow">
+    <p:push dir="u"/>
+  </p:transition>
+  <p:timing>
+    <p:tnLst>
+      <p:par>
+        <p:cTn id="1" dur="indefinite" restart="never" nodeType="tmRoot">
+          <p:childTnLst>
+            <p:seq concurrent="1" nextAc="seek">
+              <p:cTn id="2" dur="indefinite" nodeType="mainSeq">
+                <p:childTnLst>
+                  <p:par>
+                    <p:cTn id="3" fill="hold">
+                      <p:stCondLst>
+                        <p:cond delay="indefinite"/>
+                        <p:cond evt="onBegin" delay="0">
+                          <p:tn val="2"/>
+                        </p:cond>
+                      </p:stCondLst>
+                      <p:childTnLst>
+                        <p:par>
+                          <p:cTn id="4" fill="hold">
+                            <p:stCondLst>
+                              <p:cond delay="0"/>
+                            </p:stCondLst>
+                            <p:childTnLst>
+                              <p:par>
+                                <p:cTn id="5" presetID="23" presetClass="entr" presetSubtype="16" fill="hold" grpId="0" nodeType="withEffect">
+                                  <p:stCondLst>
+                                    <p:cond delay="0"/>
+                                  </p:stCondLst>
+                                  <p:childTnLst>
+                                    <p:set>
+                                      <p:cBhvr>
+                                        <p:cTn id="6" dur="1" fill="hold">
+                                          <p:stCondLst>
+                                            <p:cond delay="0"/>
+                                          </p:stCondLst>
+                                        </p:cTn>
+                                        <p:tgtEl>
+                                          <p:spTgt spid="30"/>
+                                        </p:tgtEl>
+                                        <p:attrNameLst>
+                                          <p:attrName>style.visibility</p:attrName>
+                                        </p:attrNameLst>
+                                      </p:cBhvr>
+                                      <p:to>
+                                        <p:strVal val="visible"/>
+                                      </p:to>
+                                    </p:set>
+                                    <p:anim calcmode="lin" valueType="num">
+                                      <p:cBhvr>
+                                        <p:cTn id="7" dur="500" fill="hold"/>
+                                        <p:tgtEl>
+                                          <p:spTgt spid="30"/>
+                                        </p:tgtEl>
+                                        <p:attrNameLst>
+                                          <p:attrName>ppt_w</p:attrName>
+                                        </p:attrNameLst>
+                                      </p:cBhvr>
+                                      <p:tavLst>
+                                        <p:tav tm="0">
+                                          <p:val>
+                                            <p:fltVal val="0"/>
+                                          </p:val>
+                                        </p:tav>
+                                        <p:tav tm="100000">
+                                          <p:val>
+                                            <p:strVal val="#ppt_w"/>
+                                          </p:val>
+                                        </p:tav>
+                                      </p:tavLst>
+                                    </p:anim>
+                                    <p:anim calcmode="lin" valueType="num">
+                                      <p:cBhvr>
+                                        <p:cTn id="8" dur="500" fill="hold"/>
+                                        <p:tgtEl>
+                                          <p:spTgt spid="30"/>
+                                        </p:tgtEl>
+                                        <p:attrNameLst>
+                                          <p:attrName>ppt_h</p:attrName>
+                                        </p:attrNameLst>
+                                      </p:cBhvr>
+                                      <p:tavLst>
+                                        <p:tav tm="0">
+                                          <p:val>
+                                            <p:fltVal val="0"/>
+                                          </p:val>
+                                        </p:tav>
+                                        <p:tav tm="100000">
+                                          <p:val>
+                                            <p:strVal val="#ppt_h"/>
+                                          </p:val>
+                                        </p:tav>
+                                      </p:tavLst>
+                                    </p:anim>
+                                  </p:childTnLst>
+                                </p:cTn>
+                              </p:par>
+                            </p:childTnLst>
+                          </p:cTn>
+                        </p:par>
+                      </p:childTnLst>
+                    </p:cTn>
+                  </p:par>
+                  <p:par>
+                    <p:cTn id="9" fill="hold">
+                      <p:stCondLst>
+                        <p:cond delay="indefinite"/>
+                      </p:stCondLst>
+                      <p:childTnLst>
+                        <p:par>
+                          <p:cTn id="10" fill="hold">
+                            <p:stCondLst>
+                              <p:cond delay="0"/>
+                            </p:stCondLst>
+                            <p:childTnLst>
+                              <p:par>
+                                <p:cTn id="11" presetID="23" presetClass="entr" presetSubtype="16" fill="hold" nodeType="clickEffect">
+                                  <p:stCondLst>
+                                    <p:cond delay="0"/>
+                                  </p:stCondLst>
+                                  <p:childTnLst>
+                                    <p:set>
+                                      <p:cBhvr>
+                                        <p:cTn id="12" dur="1" fill="hold">
+                                          <p:stCondLst>
+                                            <p:cond delay="0"/>
+                                          </p:stCondLst>
+                                        </p:cTn>
+                                        <p:tgtEl>
+                                          <p:spTgt spid="31"/>
+                                        </p:tgtEl>
+                                        <p:attrNameLst>
+                                          <p:attrName>style.visibility</p:attrName>
+                                        </p:attrNameLst>
+                                      </p:cBhvr>
+                                      <p:to>
+                                        <p:strVal val="visible"/>
+                                      </p:to>
+                                    </p:set>
+                                    <p:anim calcmode="lin" valueType="num">
+                                      <p:cBhvr>
+                                        <p:cTn id="13" dur="500" fill="hold"/>
+                                        <p:tgtEl>
+                                          <p:spTgt spid="31"/>
+                                        </p:tgtEl>
+                                        <p:attrNameLst>
+                                          <p:attrName>ppt_w</p:attrName>
+                                        </p:attrNameLst>
+                                      </p:cBhvr>
+                                      <p:tavLst>
+                                        <p:tav tm="0">
+                                          <p:val>
+                                            <p:fltVal val="0"/>
+                                          </p:val>
+                                        </p:tav>
+                                        <p:tav tm="100000">
+                                          <p:val>
+                                            <p:strVal val="#ppt_w"/>
+                                          </p:val>
+                                        </p:tav>
+                                      </p:tavLst>
+                                    </p:anim>
+                                    <p:anim calcmode="lin" valueType="num">
+                                      <p:cBhvr>
+                                        <p:cTn id="14" dur="500" fill="hold"/>
+                                        <p:tgtEl>
+                                          <p:spTgt spid="31"/>
+                                        </p:tgtEl>
+                                        <p:attrNameLst>
+                                          <p:attrName>ppt_h</p:attrName>
+                                        </p:attrNameLst>
+                                      </p:cBhvr>
+                                      <p:tavLst>
+                                        <p:tav tm="0">
+                                          <p:val>
+                                            <p:fltVal val="0"/>
+                                          </p:val>
+                                        </p:tav>
+                                        <p:tav tm="100000">
+                                          <p:val>
+                                            <p:strVal val="#ppt_h"/>
+                                          </p:val>
+                                        </p:tav>
+                                      </p:tavLst>
+                                    </p:anim>
+                                  </p:childTnLst>
+                                </p:cTn>
+                              </p:par>
+                            </p:childTnLst>
+                          </p:cTn>
+                        </p:par>
+                      </p:childTnLst>
+                    </p:cTn>
+                  </p:par>
+                </p:childTnLst>
+              </p:cTn>
+              <p:prevCondLst>
+                <p:cond evt="onPrev" delay="0">
+                  <p:tgtEl>
+                    <p:sldTgt/>
+                  </p:tgtEl>
+                </p:cond>
+              </p:prevCondLst>
+              <p:nextCondLst>
+                <p:cond evt="onNext" delay="0">
+                  <p:tgtEl>
+                    <p:sldTgt/>
+                  </p:tgtEl>
+                </p:cond>
+              </p:nextCondLst>
+            </p:seq>
+          </p:childTnLst>
+        </p:cTn>
+      </p:par>
+    </p:tnLst>
+    <p:bldLst>
+      <p:bldP spid="30" grpId="0" animBg="1"/>
+    </p:bldLst>
+  </p:timing>
+</p:sld>
+</file>
+
+<file path=ppt/slides/slide5.xml><?xml version="1.0" encoding="utf-8"?>
+<p:sld xmlns:a="http://schemas.openxmlformats.org/drawingml/2006/main" xmlns:r="http://schemas.openxmlformats.org/officeDocument/2006/relationships" xmlns:p="http://schemas.openxmlformats.org/presentationml/2006/main">
+  <p:cSld>
+    <p:spTree>
+      <p:nvGrpSpPr>
+        <p:cNvPr id="1" name=""/>
+        <p:cNvGrpSpPr/>
+        <p:nvPr/>
+      </p:nvGrpSpPr>
+      <p:grpSpPr>
+        <a:xfrm>
+          <a:off x="0" y="0"/>
+          <a:ext cx="0" cy="0"/>
+          <a:chOff x="0" y="0"/>
+          <a:chExt cx="0" cy="0"/>
+        </a:xfrm>
+      </p:grpSpPr>
+      <p:sp>
+        <p:nvSpPr>
+          <p:cNvPr id="4" name="TextBox 3">
+            <a:extLst>
+              <a:ext uri="{FF2B5EF4-FFF2-40B4-BE49-F238E27FC236}">
+                <a16:creationId xmlns:a16="http://schemas.microsoft.com/office/drawing/2014/main" id="{A2E56507-955E-DF60-A558-1E72E6647A76}"/>
+              </a:ext>
+            </a:extLst>
+          </p:cNvPr>
+          <p:cNvSpPr txBox="1"/>
+          <p:nvPr/>
+        </p:nvSpPr>
+        <p:spPr>
+          <a:xfrm>
+            <a:off x="684245" y="0"/>
+            <a:ext cx="10823509" cy="1015663"/>
+          </a:xfrm>
+          <a:prstGeom prst="rect">
+            <a:avLst/>
+          </a:prstGeom>
+          <a:noFill/>
+        </p:spPr>
+        <p:txBody>
+          <a:bodyPr wrap="square" rtlCol="0">
+            <a:spAutoFit/>
+          </a:bodyPr>
+          <a:lstStyle/>
+          <a:p>
+            <a:pPr algn="ctr"/>
+            <a:r>
+              <a:rPr lang="en-US" sz="6000" b="1" dirty="0">
+                <a:solidFill>
+                  <a:schemeClr val="bg1"/>
+                </a:solidFill>
+                <a:latin typeface="Bahnschrift" panose="020B0502040204020203" pitchFamily="34" charset="0"/>
+              </a:rPr>
+              <a:t>Data Flow Diagram</a:t>
+            </a:r>
+          </a:p>
+        </p:txBody>
+      </p:sp>
+      <p:grpSp>
+        <p:nvGrpSpPr>
+          <p:cNvPr id="3" name="Group 2">
+            <a:extLst>
+              <a:ext uri="{FF2B5EF4-FFF2-40B4-BE49-F238E27FC236}">
+                <a16:creationId xmlns:a16="http://schemas.microsoft.com/office/drawing/2014/main" id="{40FCCBDC-F6AB-4F8D-B2DE-35F0053C7503}"/>
+              </a:ext>
+            </a:extLst>
+          </p:cNvPr>
+          <p:cNvGrpSpPr/>
+          <p:nvPr/>
+        </p:nvGrpSpPr>
+        <p:grpSpPr>
+          <a:xfrm>
+            <a:off x="684245" y="1015663"/>
+            <a:ext cx="5079941" cy="4920697"/>
+            <a:chOff x="684245" y="1015663"/>
+            <a:chExt cx="5079941" cy="4920697"/>
+          </a:xfrm>
+        </p:grpSpPr>
+        <p:pic>
+          <p:nvPicPr>
+            <p:cNvPr id="27" name="Picture 26">
+              <a:extLst>
+                <a:ext uri="{FF2B5EF4-FFF2-40B4-BE49-F238E27FC236}">
+                  <a16:creationId xmlns:a16="http://schemas.microsoft.com/office/drawing/2014/main" id="{4DBDFD2F-6FD1-7650-F0E3-8B2ADDC80130}"/>
+                </a:ext>
+              </a:extLst>
+            </p:cNvPr>
+            <p:cNvPicPr>
+              <a:picLocks noChangeAspect="1"/>
+            </p:cNvPicPr>
+            <p:nvPr/>
+          </p:nvPicPr>
+          <p:blipFill>
+            <a:blip r:embed="rId2"/>
+            <a:stretch>
+              <a:fillRect/>
+            </a:stretch>
+          </p:blipFill>
+          <p:spPr>
+            <a:xfrm>
+              <a:off x="684245" y="1516377"/>
+              <a:ext cx="5079941" cy="4419983"/>
+            </a:xfrm>
+            <a:prstGeom prst="rect">
+              <a:avLst/>
+            </a:prstGeom>
+            <a:ln>
+              <a:noFill/>
+            </a:ln>
+            <a:effectLst>
+              <a:outerShdw blurRad="292100" dist="139700" dir="2700000" algn="tl" rotWithShape="0">
+                <a:srgbClr val="333333">
+                  <a:alpha val="65000"/>
+                </a:srgbClr>
+              </a:outerShdw>
+            </a:effectLst>
+          </p:spPr>
+        </p:pic>
+        <p:sp>
+          <p:nvSpPr>
+            <p:cNvPr id="29" name="TextBox 28">
+              <a:extLst>
+                <a:ext uri="{FF2B5EF4-FFF2-40B4-BE49-F238E27FC236}">
+                  <a16:creationId xmlns:a16="http://schemas.microsoft.com/office/drawing/2014/main" id="{3CDFB4C5-BE41-8137-4891-851E76C39D0A}"/>
+                </a:ext>
+              </a:extLst>
+            </p:cNvPr>
+            <p:cNvSpPr txBox="1"/>
+            <p:nvPr/>
+          </p:nvSpPr>
+          <p:spPr>
+            <a:xfrm>
+              <a:off x="2087767" y="1015663"/>
+              <a:ext cx="2272896" cy="523220"/>
+            </a:xfrm>
+            <a:prstGeom prst="rect">
+              <a:avLst/>
+            </a:prstGeom>
+            <a:noFill/>
+          </p:spPr>
+          <p:txBody>
+            <a:bodyPr wrap="square" rtlCol="0">
+              <a:spAutoFit/>
+            </a:bodyPr>
+            <a:lstStyle/>
+            <a:p>
+              <a:pPr algn="ctr"/>
+              <a:r>
+                <a:rPr lang="en-US" sz="2800" b="1" dirty="0">
+                  <a:solidFill>
+                    <a:schemeClr val="bg1"/>
+                  </a:solidFill>
+                  <a:latin typeface="Bahnschrift" panose="020B0502040204020203" pitchFamily="34" charset="0"/>
+                </a:rPr>
+                <a:t>Level-1</a:t>
+              </a:r>
+            </a:p>
+          </p:txBody>
+        </p:sp>
+      </p:grpSp>
+      <p:sp>
+        <p:nvSpPr>
+          <p:cNvPr id="2" name="Rectangle: Rounded Corners 1">
+            <a:extLst>
+              <a:ext uri="{FF2B5EF4-FFF2-40B4-BE49-F238E27FC236}">
+                <a16:creationId xmlns:a16="http://schemas.microsoft.com/office/drawing/2014/main" id="{C31F963C-BFA7-0909-162A-929261E34B77}"/>
+              </a:ext>
+            </a:extLst>
+          </p:cNvPr>
+          <p:cNvSpPr/>
+          <p:nvPr/>
+        </p:nvSpPr>
+        <p:spPr>
+          <a:xfrm>
+            <a:off x="6275366" y="1763757"/>
+            <a:ext cx="5637773" cy="3900794"/>
+          </a:xfrm>
+          <a:prstGeom prst="roundRect">
+            <a:avLst/>
+          </a:prstGeom>
+          <a:ln w="57150">
+            <a:solidFill>
+              <a:srgbClr val="0066FF"/>
+            </a:solidFill>
+          </a:ln>
+        </p:spPr>
+        <p:style>
+          <a:lnRef idx="2">
+            <a:schemeClr val="accent6"/>
+          </a:lnRef>
+          <a:fillRef idx="1">
+            <a:schemeClr val="lt1"/>
+          </a:fillRef>
+          <a:effectRef idx="0">
+            <a:schemeClr val="accent6"/>
+          </a:effectRef>
+          <a:fontRef idx="minor">
+            <a:schemeClr val="dk1"/>
+          </a:fontRef>
+        </p:style>
+        <p:txBody>
+          <a:bodyPr numCol="1" rtlCol="0" anchor="ctr"/>
+          <a:lstStyle/>
+          <a:p>
+            <a:r>
+              <a:rPr lang="en-US" sz="1600" dirty="0">
+                <a:solidFill>
+                  <a:srgbClr val="0066FF"/>
+                </a:solidFill>
+              </a:rPr>
+              <a:t>In this level 1 DFD:</a:t>
+            </a:r>
+          </a:p>
+          <a:p>
+            <a:endParaRPr lang="en-US" sz="1600" dirty="0">
+              <a:solidFill>
+                <a:srgbClr val="0066FF"/>
+              </a:solidFill>
+            </a:endParaRPr>
+          </a:p>
+          <a:p>
+            <a:r>
+              <a:rPr lang="en-US" sz="1600" dirty="0">
+                <a:solidFill>
+                  <a:srgbClr val="0066FF"/>
+                </a:solidFill>
+              </a:rPr>
+              <a:t>"User Interface" handles user input and displays data.</a:t>
+            </a:r>
+          </a:p>
+          <a:p>
+            <a:r>
+              <a:rPr lang="en-US" sz="1600" dirty="0">
+                <a:solidFill>
+                  <a:srgbClr val="0066FF"/>
+                </a:solidFill>
+              </a:rPr>
+              <a:t>"App Logic" represents the Flutter code responsible for managing data flow, business logic, and interactions with Firebase services.</a:t>
+            </a:r>
+          </a:p>
+          <a:p>
+            <a:endParaRPr lang="en-US" sz="1600" dirty="0">
+              <a:solidFill>
+                <a:srgbClr val="0066FF"/>
+              </a:solidFill>
+            </a:endParaRPr>
+          </a:p>
+          <a:p>
+            <a:r>
+              <a:rPr lang="en-US" sz="1600" dirty="0">
+                <a:solidFill>
+                  <a:srgbClr val="0066FF"/>
+                </a:solidFill>
+              </a:rPr>
+              <a:t>"Firebase SDKs Integration" illustrates how Firebase SDKs are integrated into the Flutter app to interact with Firebase services.</a:t>
+            </a:r>
+          </a:p>
+        </p:txBody>
+      </p:sp>
+    </p:spTree>
+    <p:extLst>
+      <p:ext uri="{BB962C8B-B14F-4D97-AF65-F5344CB8AC3E}">
+        <p14:creationId xmlns:p14="http://schemas.microsoft.com/office/powerpoint/2010/main" val="483380103"/>
+      </p:ext>
+    </p:extLst>
+  </p:cSld>
+  <p:clrMapOvr>
+    <a:masterClrMapping/>
+  </p:clrMapOvr>
+  <p:transition spd="slow">
+    <p:push dir="u"/>
+  </p:transition>
+  <p:timing>
+    <p:tnLst>
+      <p:par>
+        <p:cTn id="1" dur="indefinite" restart="never" nodeType="tmRoot">
+          <p:childTnLst>
+            <p:seq concurrent="1" nextAc="seek">
+              <p:cTn id="2" dur="indefinite" nodeType="mainSeq">
+                <p:childTnLst>
+                  <p:par>
+                    <p:cTn id="3" fill="hold">
+                      <p:stCondLst>
+                        <p:cond delay="indefinite"/>
+                        <p:cond evt="onBegin" delay="0">
+                          <p:tn val="2"/>
+                        </p:cond>
+                      </p:stCondLst>
+                      <p:childTnLst>
+                        <p:par>
+                          <p:cTn id="4" fill="hold">
+                            <p:stCondLst>
+                              <p:cond delay="0"/>
+                            </p:stCondLst>
+                            <p:childTnLst>
+                              <p:par>
+                                <p:cTn id="5" presetID="23" presetClass="entr" presetSubtype="16" fill="hold" grpId="0" nodeType="withEffect">
+                                  <p:stCondLst>
+                                    <p:cond delay="0"/>
+                                  </p:stCondLst>
+                                  <p:childTnLst>
+                                    <p:set>
+                                      <p:cBhvr>
+                                        <p:cTn id="6" dur="1" fill="hold">
+                                          <p:stCondLst>
+                                            <p:cond delay="0"/>
+                                          </p:stCondLst>
+                                        </p:cTn>
+                                        <p:tgtEl>
+                                          <p:spTgt spid="2"/>
+                                        </p:tgtEl>
+                                        <p:attrNameLst>
+                                          <p:attrName>style.visibility</p:attrName>
+                                        </p:attrNameLst>
+                                      </p:cBhvr>
+                                      <p:to>
+                                        <p:strVal val="visible"/>
+                                      </p:to>
+                                    </p:set>
+                                    <p:anim calcmode="lin" valueType="num">
+                                      <p:cBhvr>
+                                        <p:cTn id="7" dur="500" fill="hold"/>
+                                        <p:tgtEl>
+                                          <p:spTgt spid="2"/>
+                                        </p:tgtEl>
+                                        <p:attrNameLst>
+                                          <p:attrName>ppt_w</p:attrName>
+                                        </p:attrNameLst>
+                                      </p:cBhvr>
+                                      <p:tavLst>
+                                        <p:tav tm="0">
+                                          <p:val>
+                                            <p:fltVal val="0"/>
+                                          </p:val>
+                                        </p:tav>
+                                        <p:tav tm="100000">
+                                          <p:val>
+                                            <p:strVal val="#ppt_w"/>
+                                          </p:val>
+                                        </p:tav>
+                                      </p:tavLst>
+                                    </p:anim>
+                                    <p:anim calcmode="lin" valueType="num">
+                                      <p:cBhvr>
+                                        <p:cTn id="8" dur="500" fill="hold"/>
+                                        <p:tgtEl>
+                                          <p:spTgt spid="2"/>
+                                        </p:tgtEl>
+                                        <p:attrNameLst>
+                                          <p:attrName>ppt_h</p:attrName>
+                                        </p:attrNameLst>
+                                      </p:cBhvr>
+                                      <p:tavLst>
+                                        <p:tav tm="0">
+                                          <p:val>
+                                            <p:fltVal val="0"/>
+                                          </p:val>
+                                        </p:tav>
+                                        <p:tav tm="100000">
+                                          <p:val>
+                                            <p:strVal val="#ppt_h"/>
+                                          </p:val>
+                                        </p:tav>
+                                      </p:tavLst>
+                                    </p:anim>
+                                  </p:childTnLst>
+                                </p:cTn>
+                              </p:par>
+                            </p:childTnLst>
+                          </p:cTn>
+                        </p:par>
+                      </p:childTnLst>
+                    </p:cTn>
+                  </p:par>
+                  <p:par>
+                    <p:cTn id="9" fill="hold">
+                      <p:stCondLst>
+                        <p:cond delay="indefinite"/>
+                      </p:stCondLst>
+                      <p:childTnLst>
+                        <p:par>
+                          <p:cTn id="10" fill="hold">
+                            <p:stCondLst>
+                              <p:cond delay="0"/>
+                            </p:stCondLst>
+                            <p:childTnLst>
+                              <p:par>
+                                <p:cTn id="11" presetID="23" presetClass="entr" presetSubtype="16" fill="hold" nodeType="clickEffect">
+                                  <p:stCondLst>
+                                    <p:cond delay="0"/>
+                                  </p:stCondLst>
+                                  <p:childTnLst>
+                                    <p:set>
+                                      <p:cBhvr>
+                                        <p:cTn id="12" dur="1" fill="hold">
+                                          <p:stCondLst>
+                                            <p:cond delay="0"/>
+                                          </p:stCondLst>
+                                        </p:cTn>
+                                        <p:tgtEl>
+                                          <p:spTgt spid="3"/>
+                                        </p:tgtEl>
+                                        <p:attrNameLst>
+                                          <p:attrName>style.visibility</p:attrName>
+                                        </p:attrNameLst>
+                                      </p:cBhvr>
+                                      <p:to>
+                                        <p:strVal val="visible"/>
+                                      </p:to>
+                                    </p:set>
+                                    <p:anim calcmode="lin" valueType="num">
+                                      <p:cBhvr>
+                                        <p:cTn id="13" dur="500" fill="hold"/>
+                                        <p:tgtEl>
+                                          <p:spTgt spid="3"/>
+                                        </p:tgtEl>
+                                        <p:attrNameLst>
+                                          <p:attrName>ppt_w</p:attrName>
+                                        </p:attrNameLst>
+                                      </p:cBhvr>
+                                      <p:tavLst>
+                                        <p:tav tm="0">
+                                          <p:val>
+                                            <p:fltVal val="0"/>
+                                          </p:val>
+                                        </p:tav>
+                                        <p:tav tm="100000">
+                                          <p:val>
+                                            <p:strVal val="#ppt_w"/>
+                                          </p:val>
+                                        </p:tav>
+                                      </p:tavLst>
+                                    </p:anim>
+                                    <p:anim calcmode="lin" valueType="num">
+                                      <p:cBhvr>
+                                        <p:cTn id="14" dur="500" fill="hold"/>
+                                        <p:tgtEl>
+                                          <p:spTgt spid="3"/>
+                                        </p:tgtEl>
+                                        <p:attrNameLst>
+                                          <p:attrName>ppt_h</p:attrName>
+                                        </p:attrNameLst>
+                                      </p:cBhvr>
+                                      <p:tavLst>
+                                        <p:tav tm="0">
+                                          <p:val>
+                                            <p:fltVal val="0"/>
+                                          </p:val>
+                                        </p:tav>
+                                        <p:tav tm="100000">
+                                          <p:val>
+                                            <p:strVal val="#ppt_h"/>
+                                          </p:val>
+                                        </p:tav>
+                                      </p:tavLst>
+                                    </p:anim>
+                                  </p:childTnLst>
+                                </p:cTn>
+                              </p:par>
+                            </p:childTnLst>
+                          </p:cTn>
+                        </p:par>
+                      </p:childTnLst>
+                    </p:cTn>
+                  </p:par>
+                </p:childTnLst>
+              </p:cTn>
+              <p:prevCondLst>
+                <p:cond evt="onPrev" delay="0">
+                  <p:tgtEl>
+                    <p:sldTgt/>
+                  </p:tgtEl>
+                </p:cond>
+              </p:prevCondLst>
+              <p:nextCondLst>
+                <p:cond evt="onNext" delay="0">
+                  <p:tgtEl>
+                    <p:sldTgt/>
+                  </p:tgtEl>
+                </p:cond>
+              </p:nextCondLst>
+            </p:seq>
+          </p:childTnLst>
+        </p:cTn>
+      </p:par>
+    </p:tnLst>
+    <p:bldLst>
+      <p:bldP spid="2" grpId="0" animBg="1"/>
+    </p:bldLst>
+  </p:timing>
+</p:sld>
+</file>
+
+<file path=ppt/slides/slide6.xml><?xml version="1.0" encoding="utf-8"?>
+<p:sld xmlns:a="http://schemas.openxmlformats.org/drawingml/2006/main" xmlns:r="http://schemas.openxmlformats.org/officeDocument/2006/relationships" xmlns:p="http://schemas.openxmlformats.org/presentationml/2006/main">
+  <p:cSld>
+    <p:spTree>
+      <p:nvGrpSpPr>
+        <p:cNvPr id="1" name=""/>
+        <p:cNvGrpSpPr/>
+        <p:nvPr/>
+      </p:nvGrpSpPr>
+      <p:grpSpPr>
+        <a:xfrm>
+          <a:off x="0" y="0"/>
+          <a:ext cx="0" cy="0"/>
+          <a:chOff x="0" y="0"/>
+          <a:chExt cx="0" cy="0"/>
+        </a:xfrm>
+      </p:grpSpPr>
+      <p:sp>
+        <p:nvSpPr>
+          <p:cNvPr id="2" name="TextBox 1">
+            <a:extLst>
+              <a:ext uri="{FF2B5EF4-FFF2-40B4-BE49-F238E27FC236}">
+                <a16:creationId xmlns:a16="http://schemas.microsoft.com/office/drawing/2014/main" id="{B326FCC8-46FF-5477-D36D-2A5D4ACEF051}"/>
+              </a:ext>
+            </a:extLst>
+          </p:cNvPr>
+          <p:cNvSpPr txBox="1"/>
+          <p:nvPr/>
+        </p:nvSpPr>
+        <p:spPr>
+          <a:xfrm>
+            <a:off x="684246" y="0"/>
+            <a:ext cx="10823509" cy="1015663"/>
+          </a:xfrm>
+          <a:prstGeom prst="rect">
+            <a:avLst/>
+          </a:prstGeom>
+          <a:noFill/>
+        </p:spPr>
+        <p:txBody>
+          <a:bodyPr wrap="square" rtlCol="0">
+            <a:spAutoFit/>
+          </a:bodyPr>
+          <a:lstStyle/>
+          <a:p>
+            <a:pPr algn="ctr"/>
+            <a:r>
+              <a:rPr lang="en-US" sz="6000" b="1" dirty="0">
+                <a:solidFill>
+                  <a:schemeClr val="bg1"/>
+                </a:solidFill>
+                <a:latin typeface="Bahnschrift" panose="020B0502040204020203" pitchFamily="34" charset="0"/>
+              </a:rPr>
+              <a:t>Screenshots</a:t>
+            </a:r>
+          </a:p>
+        </p:txBody>
+      </p:sp>
+      <p:pic>
+        <p:nvPicPr>
+          <p:cNvPr id="4" name="Picture 3">
+            <a:extLst>
+              <a:ext uri="{FF2B5EF4-FFF2-40B4-BE49-F238E27FC236}">
+                <a16:creationId xmlns:a16="http://schemas.microsoft.com/office/drawing/2014/main" id="{BD39D6E2-5DAD-B856-4C50-C8B7343BECE9}"/>
+              </a:ext>
+            </a:extLst>
+          </p:cNvPr>
+          <p:cNvPicPr>
+            <a:picLocks noChangeAspect="1"/>
+          </p:cNvPicPr>
+          <p:nvPr/>
+        </p:nvPicPr>
+        <p:blipFill>
+          <a:blip r:embed="rId2">
+            <a:extLst>
+              <a:ext uri="{28A0092B-C50C-407E-A947-70E740481C1C}">
+                <a14:useLocalDpi xmlns:a14="http://schemas.microsoft.com/office/drawing/2010/main" val="0"/>
+              </a:ext>
+            </a:extLst>
+          </a:blip>
+          <a:stretch>
+            <a:fillRect/>
+          </a:stretch>
+        </p:blipFill>
+        <p:spPr>
+          <a:xfrm>
+            <a:off x="2249173" y="1629000"/>
+            <a:ext cx="1687500" cy="3600000"/>
+          </a:xfrm>
+          <a:prstGeom prst="rect">
+            <a:avLst/>
+          </a:prstGeom>
+          <a:ln>
+            <a:noFill/>
+          </a:ln>
+          <a:effectLst>
+            <a:outerShdw blurRad="292100" dist="139700" dir="2700000" algn="tl" rotWithShape="0">
+              <a:srgbClr val="333333">
+                <a:alpha val="65000"/>
+              </a:srgbClr>
+            </a:outerShdw>
+          </a:effectLst>
+        </p:spPr>
+      </p:pic>
+      <p:pic>
+        <p:nvPicPr>
+          <p:cNvPr id="6" name="Picture 5">
+            <a:extLst>
+              <a:ext uri="{FF2B5EF4-FFF2-40B4-BE49-F238E27FC236}">
+                <a16:creationId xmlns:a16="http://schemas.microsoft.com/office/drawing/2014/main" id="{6D4E2587-D11F-F641-0EBF-AA8B181C01CE}"/>
+              </a:ext>
+            </a:extLst>
+          </p:cNvPr>
+          <p:cNvPicPr>
+            <a:picLocks noChangeAspect="1"/>
+          </p:cNvPicPr>
+          <p:nvPr/>
+        </p:nvPicPr>
+        <p:blipFill>
+          <a:blip r:embed="rId3">
+            <a:extLst>
+              <a:ext uri="{28A0092B-C50C-407E-A947-70E740481C1C}">
+                <a14:useLocalDpi xmlns:a14="http://schemas.microsoft.com/office/drawing/2010/main" val="0"/>
+              </a:ext>
+            </a:extLst>
+          </a:blip>
+          <a:stretch>
+            <a:fillRect/>
+          </a:stretch>
+        </p:blipFill>
+        <p:spPr>
+          <a:xfrm>
+            <a:off x="5316380" y="1629000"/>
+            <a:ext cx="1741935" cy="3600000"/>
+          </a:xfrm>
+          <a:prstGeom prst="rect">
+            <a:avLst/>
+          </a:prstGeom>
+          <a:ln>
+            <a:noFill/>
+          </a:ln>
+          <a:effectLst>
+            <a:outerShdw blurRad="292100" dist="139700" dir="2700000" algn="tl" rotWithShape="0">
+              <a:srgbClr val="333333">
+                <a:alpha val="65000"/>
+              </a:srgbClr>
+            </a:outerShdw>
+          </a:effectLst>
+        </p:spPr>
+      </p:pic>
+      <p:pic>
+        <p:nvPicPr>
+          <p:cNvPr id="8" name="Picture 7">
+            <a:extLst>
+              <a:ext uri="{FF2B5EF4-FFF2-40B4-BE49-F238E27FC236}">
+                <a16:creationId xmlns:a16="http://schemas.microsoft.com/office/drawing/2014/main" id="{3111BFDC-123B-C7B8-530C-97220D26F4FB}"/>
+              </a:ext>
+            </a:extLst>
+          </p:cNvPr>
+          <p:cNvPicPr>
+            <a:picLocks noChangeAspect="1"/>
+          </p:cNvPicPr>
+          <p:nvPr/>
+        </p:nvPicPr>
+        <p:blipFill>
+          <a:blip r:embed="rId4">
+            <a:extLst>
+              <a:ext uri="{28A0092B-C50C-407E-A947-70E740481C1C}">
+                <a14:useLocalDpi xmlns:a14="http://schemas.microsoft.com/office/drawing/2010/main" val="0"/>
+              </a:ext>
+            </a:extLst>
+          </a:blip>
+          <a:stretch>
+            <a:fillRect/>
+          </a:stretch>
+        </p:blipFill>
+        <p:spPr>
+          <a:xfrm>
+            <a:off x="8438022" y="1629000"/>
+            <a:ext cx="1724933" cy="3600000"/>
+          </a:xfrm>
+          <a:prstGeom prst="rect">
+            <a:avLst/>
+          </a:prstGeom>
+          <a:ln>
+            <a:noFill/>
+          </a:ln>
+          <a:effectLst>
+            <a:outerShdw blurRad="292100" dist="139700" dir="2700000" algn="tl" rotWithShape="0">
+              <a:srgbClr val="333333">
+                <a:alpha val="65000"/>
+              </a:srgbClr>
+            </a:outerShdw>
+          </a:effectLst>
+        </p:spPr>
+      </p:pic>
+    </p:spTree>
+    <p:extLst>
+      <p:ext uri="{BB962C8B-B14F-4D97-AF65-F5344CB8AC3E}">
+        <p14:creationId xmlns:p14="http://schemas.microsoft.com/office/powerpoint/2010/main" val="1866076430"/>
       </p:ext>
     </p:extLst>
   </p:cSld>
@@ -4243,7 +5944,7 @@
                             </p:stCondLst>
                             <p:childTnLst>
                               <p:par>
-                                <p:cTn id="5" presetID="23" presetClass="entr" presetSubtype="16" fill="hold" grpId="0" nodeType="clickEffect">
+                                <p:cTn id="5" presetID="23" presetClass="entr" presetSubtype="16" fill="hold" nodeType="clickEffect">
                                   <p:stCondLst>
                                     <p:cond delay="0"/>
                                   </p:stCondLst>
@@ -4256,7 +5957,7 @@
                                           </p:stCondLst>
                                         </p:cTn>
                                         <p:tgtEl>
-                                          <p:spTgt spid="5"/>
+                                          <p:spTgt spid="4"/>
                                         </p:tgtEl>
                                         <p:attrNameLst>
                                           <p:attrName>style.visibility</p:attrName>
@@ -4270,7 +5971,7 @@
                                       <p:cBhvr>
                                         <p:cTn id="7" dur="500" fill="hold"/>
                                         <p:tgtEl>
-                                          <p:spTgt spid="5"/>
+                                          <p:spTgt spid="4"/>
                                         </p:tgtEl>
                                         <p:attrNameLst>
                                           <p:attrName>ppt_w</p:attrName>
@@ -4293,7 +5994,7 @@
                                       <p:cBhvr>
                                         <p:cTn id="8" dur="500" fill="hold"/>
                                         <p:tgtEl>
-                                          <p:spTgt spid="5"/>
+                                          <p:spTgt spid="4"/>
                                         </p:tgtEl>
                                         <p:attrNameLst>
                                           <p:attrName>ppt_h</p:attrName>
@@ -4316,7 +6017,7 @@
                                 </p:cTn>
                               </p:par>
                               <p:par>
-                                <p:cTn id="9" presetID="23" presetClass="entr" presetSubtype="16" fill="hold" grpId="0" nodeType="withEffect">
+                                <p:cTn id="9" presetID="23" presetClass="entr" presetSubtype="16" fill="hold" nodeType="withEffect">
                                   <p:stCondLst>
                                     <p:cond delay="0"/>
                                   </p:stCondLst>
@@ -4389,7 +6090,7 @@
                                 </p:cTn>
                               </p:par>
                               <p:par>
-                                <p:cTn id="13" presetID="23" presetClass="entr" presetSubtype="16" fill="hold" grpId="0" nodeType="withEffect">
+                                <p:cTn id="13" presetID="23" presetClass="entr" presetSubtype="16" fill="hold" nodeType="withEffect">
                                   <p:stCondLst>
                                     <p:cond delay="0"/>
                                   </p:stCondLst>
@@ -4402,7 +6103,7 @@
                                           </p:stCondLst>
                                         </p:cTn>
                                         <p:tgtEl>
-                                          <p:spTgt spid="7"/>
+                                          <p:spTgt spid="8"/>
                                         </p:tgtEl>
                                         <p:attrNameLst>
                                           <p:attrName>style.visibility</p:attrName>
@@ -4416,7 +6117,7 @@
                                       <p:cBhvr>
                                         <p:cTn id="15" dur="500" fill="hold"/>
                                         <p:tgtEl>
-                                          <p:spTgt spid="7"/>
+                                          <p:spTgt spid="8"/>
                                         </p:tgtEl>
                                         <p:attrNameLst>
                                           <p:attrName>ppt_w</p:attrName>
@@ -4439,372 +6140,7 @@
                                       <p:cBhvr>
                                         <p:cTn id="16" dur="500" fill="hold"/>
                                         <p:tgtEl>
-                                          <p:spTgt spid="7"/>
-                                        </p:tgtEl>
-                                        <p:attrNameLst>
-                                          <p:attrName>ppt_h</p:attrName>
-                                        </p:attrNameLst>
-                                      </p:cBhvr>
-                                      <p:tavLst>
-                                        <p:tav tm="0">
-                                          <p:val>
-                                            <p:fltVal val="0"/>
-                                          </p:val>
-                                        </p:tav>
-                                        <p:tav tm="100000">
-                                          <p:val>
-                                            <p:strVal val="#ppt_h"/>
-                                          </p:val>
-                                        </p:tav>
-                                      </p:tavLst>
-                                    </p:anim>
-                                  </p:childTnLst>
-                                </p:cTn>
-                              </p:par>
-                              <p:par>
-                                <p:cTn id="17" presetID="23" presetClass="entr" presetSubtype="16" fill="hold" nodeType="withEffect">
-                                  <p:stCondLst>
-                                    <p:cond delay="0"/>
-                                  </p:stCondLst>
-                                  <p:childTnLst>
-                                    <p:set>
-                                      <p:cBhvr>
-                                        <p:cTn id="18" dur="1" fill="hold">
-                                          <p:stCondLst>
-                                            <p:cond delay="0"/>
-                                          </p:stCondLst>
-                                        </p:cTn>
-                                        <p:tgtEl>
                                           <p:spTgt spid="8"/>
-                                        </p:tgtEl>
-                                        <p:attrNameLst>
-                                          <p:attrName>style.visibility</p:attrName>
-                                        </p:attrNameLst>
-                                      </p:cBhvr>
-                                      <p:to>
-                                        <p:strVal val="visible"/>
-                                      </p:to>
-                                    </p:set>
-                                    <p:anim calcmode="lin" valueType="num">
-                                      <p:cBhvr>
-                                        <p:cTn id="19" dur="500" fill="hold"/>
-                                        <p:tgtEl>
-                                          <p:spTgt spid="8"/>
-                                        </p:tgtEl>
-                                        <p:attrNameLst>
-                                          <p:attrName>ppt_w</p:attrName>
-                                        </p:attrNameLst>
-                                      </p:cBhvr>
-                                      <p:tavLst>
-                                        <p:tav tm="0">
-                                          <p:val>
-                                            <p:fltVal val="0"/>
-                                          </p:val>
-                                        </p:tav>
-                                        <p:tav tm="100000">
-                                          <p:val>
-                                            <p:strVal val="#ppt_w"/>
-                                          </p:val>
-                                        </p:tav>
-                                      </p:tavLst>
-                                    </p:anim>
-                                    <p:anim calcmode="lin" valueType="num">
-                                      <p:cBhvr>
-                                        <p:cTn id="20" dur="500" fill="hold"/>
-                                        <p:tgtEl>
-                                          <p:spTgt spid="8"/>
-                                        </p:tgtEl>
-                                        <p:attrNameLst>
-                                          <p:attrName>ppt_h</p:attrName>
-                                        </p:attrNameLst>
-                                      </p:cBhvr>
-                                      <p:tavLst>
-                                        <p:tav tm="0">
-                                          <p:val>
-                                            <p:fltVal val="0"/>
-                                          </p:val>
-                                        </p:tav>
-                                        <p:tav tm="100000">
-                                          <p:val>
-                                            <p:strVal val="#ppt_h"/>
-                                          </p:val>
-                                        </p:tav>
-                                      </p:tavLst>
-                                    </p:anim>
-                                  </p:childTnLst>
-                                </p:cTn>
-                              </p:par>
-                              <p:par>
-                                <p:cTn id="21" presetID="23" presetClass="entr" presetSubtype="16" fill="hold" nodeType="withEffect">
-                                  <p:stCondLst>
-                                    <p:cond delay="0"/>
-                                  </p:stCondLst>
-                                  <p:childTnLst>
-                                    <p:set>
-                                      <p:cBhvr>
-                                        <p:cTn id="22" dur="1" fill="hold">
-                                          <p:stCondLst>
-                                            <p:cond delay="0"/>
-                                          </p:stCondLst>
-                                        </p:cTn>
-                                        <p:tgtEl>
-                                          <p:spTgt spid="9"/>
-                                        </p:tgtEl>
-                                        <p:attrNameLst>
-                                          <p:attrName>style.visibility</p:attrName>
-                                        </p:attrNameLst>
-                                      </p:cBhvr>
-                                      <p:to>
-                                        <p:strVal val="visible"/>
-                                      </p:to>
-                                    </p:set>
-                                    <p:anim calcmode="lin" valueType="num">
-                                      <p:cBhvr>
-                                        <p:cTn id="23" dur="500" fill="hold"/>
-                                        <p:tgtEl>
-                                          <p:spTgt spid="9"/>
-                                        </p:tgtEl>
-                                        <p:attrNameLst>
-                                          <p:attrName>ppt_w</p:attrName>
-                                        </p:attrNameLst>
-                                      </p:cBhvr>
-                                      <p:tavLst>
-                                        <p:tav tm="0">
-                                          <p:val>
-                                            <p:fltVal val="0"/>
-                                          </p:val>
-                                        </p:tav>
-                                        <p:tav tm="100000">
-                                          <p:val>
-                                            <p:strVal val="#ppt_w"/>
-                                          </p:val>
-                                        </p:tav>
-                                      </p:tavLst>
-                                    </p:anim>
-                                    <p:anim calcmode="lin" valueType="num">
-                                      <p:cBhvr>
-                                        <p:cTn id="24" dur="500" fill="hold"/>
-                                        <p:tgtEl>
-                                          <p:spTgt spid="9"/>
-                                        </p:tgtEl>
-                                        <p:attrNameLst>
-                                          <p:attrName>ppt_h</p:attrName>
-                                        </p:attrNameLst>
-                                      </p:cBhvr>
-                                      <p:tavLst>
-                                        <p:tav tm="0">
-                                          <p:val>
-                                            <p:fltVal val="0"/>
-                                          </p:val>
-                                        </p:tav>
-                                        <p:tav tm="100000">
-                                          <p:val>
-                                            <p:strVal val="#ppt_h"/>
-                                          </p:val>
-                                        </p:tav>
-                                      </p:tavLst>
-                                    </p:anim>
-                                  </p:childTnLst>
-                                </p:cTn>
-                              </p:par>
-                              <p:par>
-                                <p:cTn id="25" presetID="23" presetClass="entr" presetSubtype="16" fill="hold" nodeType="withEffect">
-                                  <p:stCondLst>
-                                    <p:cond delay="0"/>
-                                  </p:stCondLst>
-                                  <p:childTnLst>
-                                    <p:set>
-                                      <p:cBhvr>
-                                        <p:cTn id="26" dur="1" fill="hold">
-                                          <p:stCondLst>
-                                            <p:cond delay="0"/>
-                                          </p:stCondLst>
-                                        </p:cTn>
-                                        <p:tgtEl>
-                                          <p:spTgt spid="10"/>
-                                        </p:tgtEl>
-                                        <p:attrNameLst>
-                                          <p:attrName>style.visibility</p:attrName>
-                                        </p:attrNameLst>
-                                      </p:cBhvr>
-                                      <p:to>
-                                        <p:strVal val="visible"/>
-                                      </p:to>
-                                    </p:set>
-                                    <p:anim calcmode="lin" valueType="num">
-                                      <p:cBhvr>
-                                        <p:cTn id="27" dur="500" fill="hold"/>
-                                        <p:tgtEl>
-                                          <p:spTgt spid="10"/>
-                                        </p:tgtEl>
-                                        <p:attrNameLst>
-                                          <p:attrName>ppt_w</p:attrName>
-                                        </p:attrNameLst>
-                                      </p:cBhvr>
-                                      <p:tavLst>
-                                        <p:tav tm="0">
-                                          <p:val>
-                                            <p:fltVal val="0"/>
-                                          </p:val>
-                                        </p:tav>
-                                        <p:tav tm="100000">
-                                          <p:val>
-                                            <p:strVal val="#ppt_w"/>
-                                          </p:val>
-                                        </p:tav>
-                                      </p:tavLst>
-                                    </p:anim>
-                                    <p:anim calcmode="lin" valueType="num">
-                                      <p:cBhvr>
-                                        <p:cTn id="28" dur="500" fill="hold"/>
-                                        <p:tgtEl>
-                                          <p:spTgt spid="10"/>
-                                        </p:tgtEl>
-                                        <p:attrNameLst>
-                                          <p:attrName>ppt_h</p:attrName>
-                                        </p:attrNameLst>
-                                      </p:cBhvr>
-                                      <p:tavLst>
-                                        <p:tav tm="0">
-                                          <p:val>
-                                            <p:fltVal val="0"/>
-                                          </p:val>
-                                        </p:tav>
-                                        <p:tav tm="100000">
-                                          <p:val>
-                                            <p:strVal val="#ppt_h"/>
-                                          </p:val>
-                                        </p:tav>
-                                      </p:tavLst>
-                                    </p:anim>
-                                  </p:childTnLst>
-                                </p:cTn>
-                              </p:par>
-                              <p:par>
-                                <p:cTn id="29" presetID="23" presetClass="entr" presetSubtype="16" fill="hold" nodeType="withEffect">
-                                  <p:stCondLst>
-                                    <p:cond delay="0"/>
-                                  </p:stCondLst>
-                                  <p:childTnLst>
-                                    <p:set>
-                                      <p:cBhvr>
-                                        <p:cTn id="30" dur="1" fill="hold">
-                                          <p:stCondLst>
-                                            <p:cond delay="0"/>
-                                          </p:stCondLst>
-                                        </p:cTn>
-                                        <p:tgtEl>
-                                          <p:spTgt spid="11"/>
-                                        </p:tgtEl>
-                                        <p:attrNameLst>
-                                          <p:attrName>style.visibility</p:attrName>
-                                        </p:attrNameLst>
-                                      </p:cBhvr>
-                                      <p:to>
-                                        <p:strVal val="visible"/>
-                                      </p:to>
-                                    </p:set>
-                                    <p:anim calcmode="lin" valueType="num">
-                                      <p:cBhvr>
-                                        <p:cTn id="31" dur="500" fill="hold"/>
-                                        <p:tgtEl>
-                                          <p:spTgt spid="11"/>
-                                        </p:tgtEl>
-                                        <p:attrNameLst>
-                                          <p:attrName>ppt_w</p:attrName>
-                                        </p:attrNameLst>
-                                      </p:cBhvr>
-                                      <p:tavLst>
-                                        <p:tav tm="0">
-                                          <p:val>
-                                            <p:fltVal val="0"/>
-                                          </p:val>
-                                        </p:tav>
-                                        <p:tav tm="100000">
-                                          <p:val>
-                                            <p:strVal val="#ppt_w"/>
-                                          </p:val>
-                                        </p:tav>
-                                      </p:tavLst>
-                                    </p:anim>
-                                    <p:anim calcmode="lin" valueType="num">
-                                      <p:cBhvr>
-                                        <p:cTn id="32" dur="500" fill="hold"/>
-                                        <p:tgtEl>
-                                          <p:spTgt spid="11"/>
-                                        </p:tgtEl>
-                                        <p:attrNameLst>
-                                          <p:attrName>ppt_h</p:attrName>
-                                        </p:attrNameLst>
-                                      </p:cBhvr>
-                                      <p:tavLst>
-                                        <p:tav tm="0">
-                                          <p:val>
-                                            <p:fltVal val="0"/>
-                                          </p:val>
-                                        </p:tav>
-                                        <p:tav tm="100000">
-                                          <p:val>
-                                            <p:strVal val="#ppt_h"/>
-                                          </p:val>
-                                        </p:tav>
-                                      </p:tavLst>
-                                    </p:anim>
-                                  </p:childTnLst>
-                                </p:cTn>
-                              </p:par>
-                              <p:par>
-                                <p:cTn id="33" presetID="23" presetClass="entr" presetSubtype="16" fill="hold" nodeType="withEffect">
-                                  <p:stCondLst>
-                                    <p:cond delay="0"/>
-                                  </p:stCondLst>
-                                  <p:childTnLst>
-                                    <p:set>
-                                      <p:cBhvr>
-                                        <p:cTn id="34" dur="1" fill="hold">
-                                          <p:stCondLst>
-                                            <p:cond delay="0"/>
-                                          </p:stCondLst>
-                                        </p:cTn>
-                                        <p:tgtEl>
-                                          <p:spTgt spid="17"/>
-                                        </p:tgtEl>
-                                        <p:attrNameLst>
-                                          <p:attrName>style.visibility</p:attrName>
-                                        </p:attrNameLst>
-                                      </p:cBhvr>
-                                      <p:to>
-                                        <p:strVal val="visible"/>
-                                      </p:to>
-                                    </p:set>
-                                    <p:anim calcmode="lin" valueType="num">
-                                      <p:cBhvr>
-                                        <p:cTn id="35" dur="500" fill="hold"/>
-                                        <p:tgtEl>
-                                          <p:spTgt spid="17"/>
-                                        </p:tgtEl>
-                                        <p:attrNameLst>
-                                          <p:attrName>ppt_w</p:attrName>
-                                        </p:attrNameLst>
-                                      </p:cBhvr>
-                                      <p:tavLst>
-                                        <p:tav tm="0">
-                                          <p:val>
-                                            <p:fltVal val="0"/>
-                                          </p:val>
-                                        </p:tav>
-                                        <p:tav tm="100000">
-                                          <p:val>
-                                            <p:strVal val="#ppt_w"/>
-                                          </p:val>
-                                        </p:tav>
-                                      </p:tavLst>
-                                    </p:anim>
-                                    <p:anim calcmode="lin" valueType="num">
-                                      <p:cBhvr>
-                                        <p:cTn id="36" dur="500" fill="hold"/>
-                                        <p:tgtEl>
-                                          <p:spTgt spid="17"/>
                                         </p:tgtEl>
                                         <p:attrNameLst>
                                           <p:attrName>ppt_h</p:attrName>
@@ -4853,16 +6189,11 @@
         </p:cTn>
       </p:par>
     </p:tnLst>
-    <p:bldLst>
-      <p:bldP spid="5" grpId="0" animBg="1"/>
-      <p:bldP spid="6" grpId="0" animBg="1"/>
-      <p:bldP spid="7" grpId="0" animBg="1"/>
-    </p:bldLst>
   </p:timing>
 </p:sld>
 </file>
 
-<file path=ppt/slides/slide3.xml><?xml version="1.0" encoding="utf-8"?>
+<file path=ppt/slides/slide7.xml><?xml version="1.0" encoding="utf-8"?>
 <p:sld xmlns:a="http://schemas.openxmlformats.org/drawingml/2006/main" xmlns:r="http://schemas.openxmlformats.org/officeDocument/2006/relationships" xmlns:p="http://schemas.openxmlformats.org/presentationml/2006/main">
   <p:cSld>
     <p:spTree>
@@ -4879,10 +6210,51 @@
           <a:chExt cx="0" cy="0"/>
         </a:xfrm>
       </p:grpSpPr>
+      <p:sp>
+        <p:nvSpPr>
+          <p:cNvPr id="2" name="TextBox 1">
+            <a:extLst>
+              <a:ext uri="{FF2B5EF4-FFF2-40B4-BE49-F238E27FC236}">
+                <a16:creationId xmlns:a16="http://schemas.microsoft.com/office/drawing/2014/main" id="{AB69A0AD-9681-540B-BDFD-A6F7441112E8}"/>
+              </a:ext>
+            </a:extLst>
+          </p:cNvPr>
+          <p:cNvSpPr txBox="1"/>
+          <p:nvPr/>
+        </p:nvSpPr>
+        <p:spPr>
+          <a:xfrm>
+            <a:off x="684246" y="2105561"/>
+            <a:ext cx="10823509" cy="2646878"/>
+          </a:xfrm>
+          <a:prstGeom prst="rect">
+            <a:avLst/>
+          </a:prstGeom>
+          <a:noFill/>
+        </p:spPr>
+        <p:txBody>
+          <a:bodyPr wrap="square" rtlCol="0">
+            <a:spAutoFit/>
+          </a:bodyPr>
+          <a:lstStyle/>
+          <a:p>
+            <a:pPr algn="ctr"/>
+            <a:r>
+              <a:rPr lang="en-US" sz="16600" b="1" dirty="0">
+                <a:solidFill>
+                  <a:schemeClr val="bg1"/>
+                </a:solidFill>
+                <a:latin typeface="Bahnschrift" panose="020B0502040204020203" pitchFamily="34" charset="0"/>
+              </a:rPr>
+              <a:t>Thank You</a:t>
+            </a:r>
+          </a:p>
+        </p:txBody>
+      </p:sp>
     </p:spTree>
     <p:extLst>
       <p:ext uri="{BB962C8B-B14F-4D97-AF65-F5344CB8AC3E}">
-        <p14:creationId xmlns:p14="http://schemas.microsoft.com/office/powerpoint/2010/main" val="1142136591"/>
+        <p14:creationId xmlns:p14="http://schemas.microsoft.com/office/powerpoint/2010/main" val="2170658684"/>
       </p:ext>
     </p:extLst>
   </p:cSld>

--- a/Messager.pptx
+++ b/Messager.pptx
@@ -12,6 +12,7 @@
     <p:sldId id="262" r:id="rId6"/>
     <p:sldId id="260" r:id="rId7"/>
     <p:sldId id="261" r:id="rId8"/>
+    <p:sldId id="264" r:id="rId9"/>
   </p:sldIdLst>
   <p:sldSz cx="12192000" cy="6858000"/>
   <p:notesSz cx="6858000" cy="9144000"/>
@@ -276,7 +277,7 @@
           <a:p>
             <a:fld id="{1F099D36-1112-4253-A8F1-1DDFA845AFDC}" type="datetimeFigureOut">
               <a:rPr lang="en-US" smtClean="0"/>
-              <a:t>9/9/2023</a:t>
+              <a:t>9/10/2023</a:t>
             </a:fld>
             <a:endParaRPr lang="en-US"/>
           </a:p>
@@ -474,7 +475,7 @@
           <a:p>
             <a:fld id="{1F099D36-1112-4253-A8F1-1DDFA845AFDC}" type="datetimeFigureOut">
               <a:rPr lang="en-US" smtClean="0"/>
-              <a:t>9/9/2023</a:t>
+              <a:t>9/10/2023</a:t>
             </a:fld>
             <a:endParaRPr lang="en-US"/>
           </a:p>
@@ -682,7 +683,7 @@
           <a:p>
             <a:fld id="{1F099D36-1112-4253-A8F1-1DDFA845AFDC}" type="datetimeFigureOut">
               <a:rPr lang="en-US" smtClean="0"/>
-              <a:t>9/9/2023</a:t>
+              <a:t>9/10/2023</a:t>
             </a:fld>
             <a:endParaRPr lang="en-US"/>
           </a:p>
@@ -880,7 +881,7 @@
           <a:p>
             <a:fld id="{1F099D36-1112-4253-A8F1-1DDFA845AFDC}" type="datetimeFigureOut">
               <a:rPr lang="en-US" smtClean="0"/>
-              <a:t>9/9/2023</a:t>
+              <a:t>9/10/2023</a:t>
             </a:fld>
             <a:endParaRPr lang="en-US"/>
           </a:p>
@@ -1155,7 +1156,7 @@
           <a:p>
             <a:fld id="{1F099D36-1112-4253-A8F1-1DDFA845AFDC}" type="datetimeFigureOut">
               <a:rPr lang="en-US" smtClean="0"/>
-              <a:t>9/9/2023</a:t>
+              <a:t>9/10/2023</a:t>
             </a:fld>
             <a:endParaRPr lang="en-US"/>
           </a:p>
@@ -1420,7 +1421,7 @@
           <a:p>
             <a:fld id="{1F099D36-1112-4253-A8F1-1DDFA845AFDC}" type="datetimeFigureOut">
               <a:rPr lang="en-US" smtClean="0"/>
-              <a:t>9/9/2023</a:t>
+              <a:t>9/10/2023</a:t>
             </a:fld>
             <a:endParaRPr lang="en-US"/>
           </a:p>
@@ -1832,7 +1833,7 @@
           <a:p>
             <a:fld id="{1F099D36-1112-4253-A8F1-1DDFA845AFDC}" type="datetimeFigureOut">
               <a:rPr lang="en-US" smtClean="0"/>
-              <a:t>9/9/2023</a:t>
+              <a:t>9/10/2023</a:t>
             </a:fld>
             <a:endParaRPr lang="en-US"/>
           </a:p>
@@ -1973,7 +1974,7 @@
           <a:p>
             <a:fld id="{1F099D36-1112-4253-A8F1-1DDFA845AFDC}" type="datetimeFigureOut">
               <a:rPr lang="en-US" smtClean="0"/>
-              <a:t>9/9/2023</a:t>
+              <a:t>9/10/2023</a:t>
             </a:fld>
             <a:endParaRPr lang="en-US"/>
           </a:p>
@@ -2086,7 +2087,7 @@
           <a:p>
             <a:fld id="{1F099D36-1112-4253-A8F1-1DDFA845AFDC}" type="datetimeFigureOut">
               <a:rPr lang="en-US" smtClean="0"/>
-              <a:t>9/9/2023</a:t>
+              <a:t>9/10/2023</a:t>
             </a:fld>
             <a:endParaRPr lang="en-US"/>
           </a:p>
@@ -2397,7 +2398,7 @@
           <a:p>
             <a:fld id="{1F099D36-1112-4253-A8F1-1DDFA845AFDC}" type="datetimeFigureOut">
               <a:rPr lang="en-US" smtClean="0"/>
-              <a:t>9/9/2023</a:t>
+              <a:t>9/10/2023</a:t>
             </a:fld>
             <a:endParaRPr lang="en-US"/>
           </a:p>
@@ -2685,7 +2686,7 @@
           <a:p>
             <a:fld id="{1F099D36-1112-4253-A8F1-1DDFA845AFDC}" type="datetimeFigureOut">
               <a:rPr lang="en-US" smtClean="0"/>
-              <a:t>9/9/2023</a:t>
+              <a:t>9/10/2023</a:t>
             </a:fld>
             <a:endParaRPr lang="en-US"/>
           </a:p>
@@ -2929,7 +2930,7 @@
           <a:p>
             <a:fld id="{1F099D36-1112-4253-A8F1-1DDFA845AFDC}" type="datetimeFigureOut">
               <a:rPr lang="en-US" smtClean="0"/>
-              <a:t>9/9/2023</a:t>
+              <a:t>9/10/2023</a:t>
             </a:fld>
             <a:endParaRPr lang="en-US"/>
           </a:p>
@@ -6267,6 +6268,66 @@
 </p:sld>
 </file>
 
+<file path=ppt/slides/slide8.xml><?xml version="1.0" encoding="utf-8"?>
+<p:sld xmlns:a="http://schemas.openxmlformats.org/drawingml/2006/main" xmlns:r="http://schemas.openxmlformats.org/officeDocument/2006/relationships" xmlns:p="http://schemas.openxmlformats.org/presentationml/2006/main">
+  <p:cSld>
+    <p:spTree>
+      <p:nvGrpSpPr>
+        <p:cNvPr id="1" name=""/>
+        <p:cNvGrpSpPr/>
+        <p:nvPr/>
+      </p:nvGrpSpPr>
+      <p:grpSpPr>
+        <a:xfrm>
+          <a:off x="0" y="0"/>
+          <a:ext cx="0" cy="0"/>
+          <a:chOff x="0" y="0"/>
+          <a:chExt cx="0" cy="0"/>
+        </a:xfrm>
+      </p:grpSpPr>
+      <p:pic>
+        <p:nvPicPr>
+          <p:cNvPr id="3" name="Picture 2">
+            <a:extLst>
+              <a:ext uri="{FF2B5EF4-FFF2-40B4-BE49-F238E27FC236}">
+                <a16:creationId xmlns:a16="http://schemas.microsoft.com/office/drawing/2014/main" id="{567FB61B-BC07-B96A-66FD-053E443F47DE}"/>
+              </a:ext>
+            </a:extLst>
+          </p:cNvPr>
+          <p:cNvPicPr>
+            <a:picLocks noChangeAspect="1"/>
+          </p:cNvPicPr>
+          <p:nvPr/>
+        </p:nvPicPr>
+        <p:blipFill>
+          <a:blip r:embed="rId2"/>
+          <a:stretch>
+            <a:fillRect/>
+          </a:stretch>
+        </p:blipFill>
+        <p:spPr>
+          <a:xfrm>
+            <a:off x="0" y="636458"/>
+            <a:ext cx="12192000" cy="5585084"/>
+          </a:xfrm>
+          <a:prstGeom prst="rect">
+            <a:avLst/>
+          </a:prstGeom>
+        </p:spPr>
+      </p:pic>
+    </p:spTree>
+    <p:extLst>
+      <p:ext uri="{BB962C8B-B14F-4D97-AF65-F5344CB8AC3E}">
+        <p14:creationId xmlns:p14="http://schemas.microsoft.com/office/powerpoint/2010/main" val="942905954"/>
+      </p:ext>
+    </p:extLst>
+  </p:cSld>
+  <p:clrMapOvr>
+    <a:masterClrMapping/>
+  </p:clrMapOvr>
+</p:sld>
+</file>
+
 <file path=ppt/theme/theme1.xml><?xml version="1.0" encoding="utf-8"?>
 <a:theme xmlns:a="http://schemas.openxmlformats.org/drawingml/2006/main" name="Office Theme">
   <a:themeElements>

--- a/Messager.pptx
+++ b/Messager.pptx
@@ -277,7 +277,7 @@
           <a:p>
             <a:fld id="{1F099D36-1112-4253-A8F1-1DDFA845AFDC}" type="datetimeFigureOut">
               <a:rPr lang="en-US" smtClean="0"/>
-              <a:t>9/10/2023</a:t>
+              <a:t>10/2/2023</a:t>
             </a:fld>
             <a:endParaRPr lang="en-US"/>
           </a:p>
@@ -475,7 +475,7 @@
           <a:p>
             <a:fld id="{1F099D36-1112-4253-A8F1-1DDFA845AFDC}" type="datetimeFigureOut">
               <a:rPr lang="en-US" smtClean="0"/>
-              <a:t>9/10/2023</a:t>
+              <a:t>10/2/2023</a:t>
             </a:fld>
             <a:endParaRPr lang="en-US"/>
           </a:p>
@@ -683,7 +683,7 @@
           <a:p>
             <a:fld id="{1F099D36-1112-4253-A8F1-1DDFA845AFDC}" type="datetimeFigureOut">
               <a:rPr lang="en-US" smtClean="0"/>
-              <a:t>9/10/2023</a:t>
+              <a:t>10/2/2023</a:t>
             </a:fld>
             <a:endParaRPr lang="en-US"/>
           </a:p>
@@ -881,7 +881,7 @@
           <a:p>
             <a:fld id="{1F099D36-1112-4253-A8F1-1DDFA845AFDC}" type="datetimeFigureOut">
               <a:rPr lang="en-US" smtClean="0"/>
-              <a:t>9/10/2023</a:t>
+              <a:t>10/2/2023</a:t>
             </a:fld>
             <a:endParaRPr lang="en-US"/>
           </a:p>
@@ -1156,7 +1156,7 @@
           <a:p>
             <a:fld id="{1F099D36-1112-4253-A8F1-1DDFA845AFDC}" type="datetimeFigureOut">
               <a:rPr lang="en-US" smtClean="0"/>
-              <a:t>9/10/2023</a:t>
+              <a:t>10/2/2023</a:t>
             </a:fld>
             <a:endParaRPr lang="en-US"/>
           </a:p>
@@ -1421,7 +1421,7 @@
           <a:p>
             <a:fld id="{1F099D36-1112-4253-A8F1-1DDFA845AFDC}" type="datetimeFigureOut">
               <a:rPr lang="en-US" smtClean="0"/>
-              <a:t>9/10/2023</a:t>
+              <a:t>10/2/2023</a:t>
             </a:fld>
             <a:endParaRPr lang="en-US"/>
           </a:p>
@@ -1833,7 +1833,7 @@
           <a:p>
             <a:fld id="{1F099D36-1112-4253-A8F1-1DDFA845AFDC}" type="datetimeFigureOut">
               <a:rPr lang="en-US" smtClean="0"/>
-              <a:t>9/10/2023</a:t>
+              <a:t>10/2/2023</a:t>
             </a:fld>
             <a:endParaRPr lang="en-US"/>
           </a:p>
@@ -1974,7 +1974,7 @@
           <a:p>
             <a:fld id="{1F099D36-1112-4253-A8F1-1DDFA845AFDC}" type="datetimeFigureOut">
               <a:rPr lang="en-US" smtClean="0"/>
-              <a:t>9/10/2023</a:t>
+              <a:t>10/2/2023</a:t>
             </a:fld>
             <a:endParaRPr lang="en-US"/>
           </a:p>
@@ -2087,7 +2087,7 @@
           <a:p>
             <a:fld id="{1F099D36-1112-4253-A8F1-1DDFA845AFDC}" type="datetimeFigureOut">
               <a:rPr lang="en-US" smtClean="0"/>
-              <a:t>9/10/2023</a:t>
+              <a:t>10/2/2023</a:t>
             </a:fld>
             <a:endParaRPr lang="en-US"/>
           </a:p>
@@ -2398,7 +2398,7 @@
           <a:p>
             <a:fld id="{1F099D36-1112-4253-A8F1-1DDFA845AFDC}" type="datetimeFigureOut">
               <a:rPr lang="en-US" smtClean="0"/>
-              <a:t>9/10/2023</a:t>
+              <a:t>10/2/2023</a:t>
             </a:fld>
             <a:endParaRPr lang="en-US"/>
           </a:p>
@@ -2686,7 +2686,7 @@
           <a:p>
             <a:fld id="{1F099D36-1112-4253-A8F1-1DDFA845AFDC}" type="datetimeFigureOut">
               <a:rPr lang="en-US" smtClean="0"/>
-              <a:t>9/10/2023</a:t>
+              <a:t>10/2/2023</a:t>
             </a:fld>
             <a:endParaRPr lang="en-US"/>
           </a:p>
@@ -2930,7 +2930,7 @@
           <a:p>
             <a:fld id="{1F099D36-1112-4253-A8F1-1DDFA845AFDC}" type="datetimeFigureOut">
               <a:rPr lang="en-US" smtClean="0"/>
-              <a:t>9/10/2023</a:t>
+              <a:t>10/2/2023</a:t>
             </a:fld>
             <a:endParaRPr lang="en-US"/>
           </a:p>
@@ -3349,109 +3349,19 @@
       </p:grpSpPr>
       <p:sp>
         <p:nvSpPr>
-          <p:cNvPr id="2" name="Rectangle: Rounded Corners 1">
-            <a:extLst>
-              <a:ext uri="{FF2B5EF4-FFF2-40B4-BE49-F238E27FC236}">
-                <a16:creationId xmlns:a16="http://schemas.microsoft.com/office/drawing/2014/main" id="{842D2CD2-5FFE-8890-2CB5-9AEE6E3B0008}"/>
-              </a:ext>
-            </a:extLst>
-          </p:cNvPr>
-          <p:cNvSpPr/>
+          <p:cNvPr id="3" name="TextBox 2">
+            <a:extLst>
+              <a:ext uri="{FF2B5EF4-FFF2-40B4-BE49-F238E27FC236}">
+                <a16:creationId xmlns:a16="http://schemas.microsoft.com/office/drawing/2014/main" id="{CD8FC6A8-49CB-2191-3111-A9C3A5C81E53}"/>
+              </a:ext>
+            </a:extLst>
+          </p:cNvPr>
+          <p:cNvSpPr txBox="1"/>
           <p:nvPr/>
         </p:nvSpPr>
         <p:spPr>
           <a:xfrm>
-            <a:off x="4476000" y="1809000"/>
-            <a:ext cx="3240000" cy="3240000"/>
-          </a:xfrm>
-          <a:prstGeom prst="roundRect">
-            <a:avLst/>
-          </a:prstGeom>
-          <a:solidFill>
-            <a:schemeClr val="bg1"/>
-          </a:solidFill>
-          <a:ln>
-            <a:solidFill>
-              <a:srgbClr val="0066FF"/>
-            </a:solidFill>
-          </a:ln>
-        </p:spPr>
-        <p:style>
-          <a:lnRef idx="2">
-            <a:schemeClr val="accent1">
-              <a:shade val="15000"/>
-            </a:schemeClr>
-          </a:lnRef>
-          <a:fillRef idx="1">
-            <a:schemeClr val="accent1"/>
-          </a:fillRef>
-          <a:effectRef idx="0">
-            <a:schemeClr val="accent1"/>
-          </a:effectRef>
-          <a:fontRef idx="minor">
-            <a:schemeClr val="lt1"/>
-          </a:fontRef>
-        </p:style>
-        <p:txBody>
-          <a:bodyPr rtlCol="0" anchor="ctr"/>
-          <a:lstStyle/>
-          <a:p>
-            <a:pPr algn="ctr"/>
-            <a:endParaRPr lang="en-US"/>
-          </a:p>
-        </p:txBody>
-      </p:sp>
-      <p:pic>
-        <p:nvPicPr>
-          <p:cNvPr id="4" name="Picture 3">
-            <a:extLst>
-              <a:ext uri="{FF2B5EF4-FFF2-40B4-BE49-F238E27FC236}">
-                <a16:creationId xmlns:a16="http://schemas.microsoft.com/office/drawing/2014/main" id="{3178DD2B-4CD2-726E-9DCE-6CFC4551ED5B}"/>
-              </a:ext>
-            </a:extLst>
-          </p:cNvPr>
-          <p:cNvPicPr>
-            <a:picLocks noChangeAspect="1"/>
-          </p:cNvPicPr>
-          <p:nvPr/>
-        </p:nvPicPr>
-        <p:blipFill>
-          <a:blip r:embed="rId2">
-            <a:extLst>
-              <a:ext uri="{28A0092B-C50C-407E-A947-70E740481C1C}">
-                <a14:useLocalDpi xmlns:a14="http://schemas.microsoft.com/office/drawing/2010/main" val="0"/>
-              </a:ext>
-            </a:extLst>
-          </a:blip>
-          <a:stretch>
-            <a:fillRect/>
-          </a:stretch>
-        </p:blipFill>
-        <p:spPr>
-          <a:xfrm>
-            <a:off x="4656000" y="1989000"/>
-            <a:ext cx="2880000" cy="2880000"/>
-          </a:xfrm>
-          <a:prstGeom prst="rect">
-            <a:avLst/>
-          </a:prstGeom>
-        </p:spPr>
-      </p:pic>
-      <p:sp>
-        <p:nvSpPr>
-          <p:cNvPr id="3" name="TextBox 2">
-            <a:extLst>
-              <a:ext uri="{FF2B5EF4-FFF2-40B4-BE49-F238E27FC236}">
-                <a16:creationId xmlns:a16="http://schemas.microsoft.com/office/drawing/2014/main" id="{CD8FC6A8-49CB-2191-3111-A9C3A5C81E53}"/>
-              </a:ext>
-            </a:extLst>
-          </p:cNvPr>
-          <p:cNvSpPr txBox="1"/>
-          <p:nvPr/>
-        </p:nvSpPr>
-        <p:spPr>
-          <a:xfrm>
-            <a:off x="684246" y="5422454"/>
+            <a:off x="684246" y="4994433"/>
             <a:ext cx="10823509" cy="1015663"/>
           </a:xfrm>
           <a:prstGeom prst="rect">
@@ -3478,6 +3388,117 @@
           </a:p>
         </p:txBody>
       </p:sp>
+      <p:grpSp>
+        <p:nvGrpSpPr>
+          <p:cNvPr id="7" name="Group 6">
+            <a:extLst>
+              <a:ext uri="{FF2B5EF4-FFF2-40B4-BE49-F238E27FC236}">
+                <a16:creationId xmlns:a16="http://schemas.microsoft.com/office/drawing/2014/main" id="{4634BBAA-1685-BC60-44A7-A88C9B356A07}"/>
+              </a:ext>
+            </a:extLst>
+          </p:cNvPr>
+          <p:cNvGrpSpPr/>
+          <p:nvPr/>
+        </p:nvGrpSpPr>
+        <p:grpSpPr>
+          <a:xfrm>
+            <a:off x="4476000" y="1809000"/>
+            <a:ext cx="3240000" cy="3240000"/>
+            <a:chOff x="4476000" y="1809000"/>
+            <a:chExt cx="3240000" cy="3240000"/>
+          </a:xfrm>
+        </p:grpSpPr>
+        <p:sp>
+          <p:nvSpPr>
+            <p:cNvPr id="2" name="Rectangle: Rounded Corners 1">
+              <a:extLst>
+                <a:ext uri="{FF2B5EF4-FFF2-40B4-BE49-F238E27FC236}">
+                  <a16:creationId xmlns:a16="http://schemas.microsoft.com/office/drawing/2014/main" id="{842D2CD2-5FFE-8890-2CB5-9AEE6E3B0008}"/>
+                </a:ext>
+              </a:extLst>
+            </p:cNvPr>
+            <p:cNvSpPr/>
+            <p:nvPr/>
+          </p:nvSpPr>
+          <p:spPr>
+            <a:xfrm>
+              <a:off x="4476000" y="1809000"/>
+              <a:ext cx="3240000" cy="3240000"/>
+            </a:xfrm>
+            <a:prstGeom prst="roundRect">
+              <a:avLst/>
+            </a:prstGeom>
+            <a:solidFill>
+              <a:schemeClr val="bg1"/>
+            </a:solidFill>
+            <a:ln>
+              <a:solidFill>
+                <a:srgbClr val="0066FF"/>
+              </a:solidFill>
+            </a:ln>
+          </p:spPr>
+          <p:style>
+            <a:lnRef idx="2">
+              <a:schemeClr val="accent1">
+                <a:shade val="15000"/>
+              </a:schemeClr>
+            </a:lnRef>
+            <a:fillRef idx="1">
+              <a:schemeClr val="accent1"/>
+            </a:fillRef>
+            <a:effectRef idx="0">
+              <a:schemeClr val="accent1"/>
+            </a:effectRef>
+            <a:fontRef idx="minor">
+              <a:schemeClr val="lt1"/>
+            </a:fontRef>
+          </p:style>
+          <p:txBody>
+            <a:bodyPr rtlCol="0" anchor="ctr"/>
+            <a:lstStyle/>
+            <a:p>
+              <a:pPr algn="ctr"/>
+              <a:endParaRPr lang="en-US"/>
+            </a:p>
+          </p:txBody>
+        </p:sp>
+        <p:pic>
+          <p:nvPicPr>
+            <p:cNvPr id="6" name="Picture 5">
+              <a:extLst>
+                <a:ext uri="{FF2B5EF4-FFF2-40B4-BE49-F238E27FC236}">
+                  <a16:creationId xmlns:a16="http://schemas.microsoft.com/office/drawing/2014/main" id="{D8741558-E166-31CD-758F-81416A6D282C}"/>
+                </a:ext>
+              </a:extLst>
+            </p:cNvPr>
+            <p:cNvPicPr>
+              <a:picLocks noChangeAspect="1"/>
+            </p:cNvPicPr>
+            <p:nvPr/>
+          </p:nvPicPr>
+          <p:blipFill>
+            <a:blip r:embed="rId2">
+              <a:extLst>
+                <a:ext uri="{28A0092B-C50C-407E-A947-70E740481C1C}">
+                  <a14:useLocalDpi xmlns:a14="http://schemas.microsoft.com/office/drawing/2010/main" val="0"/>
+                </a:ext>
+              </a:extLst>
+            </a:blip>
+            <a:stretch>
+              <a:fillRect/>
+            </a:stretch>
+          </p:blipFill>
+          <p:spPr>
+            <a:xfrm>
+              <a:off x="4535421" y="1868421"/>
+              <a:ext cx="3121158" cy="3121158"/>
+            </a:xfrm>
+            <a:prstGeom prst="rect">
+              <a:avLst/>
+            </a:prstGeom>
+          </p:spPr>
+        </p:pic>
+      </p:grpSp>
     </p:spTree>
     <p:extLst>
       <p:ext uri="{BB962C8B-B14F-4D97-AF65-F5344CB8AC3E}">
@@ -3642,7 +3663,9 @@
             <a:ext cx="11867744" cy="4250991"/>
           </a:xfrm>
           <a:prstGeom prst="roundRect">
-            <a:avLst/>
+            <a:avLst>
+              <a:gd name="adj" fmla="val 4997"/>
+            </a:avLst>
           </a:prstGeom>
           <a:ln w="57150">
             <a:solidFill>
@@ -3670,12 +3693,12 @@
           <a:p>
             <a:pPr marL="273050"/>
             <a:r>
-              <a:rPr lang="en-US" sz="1600" b="1" dirty="0">
+              <a:rPr lang="en-US" sz="1600" b="1" u="sng" dirty="0">
                 <a:solidFill>
                   <a:srgbClr val="0066FF"/>
                 </a:solidFill>
               </a:rPr>
-              <a:t>Communication:</a:t>
+              <a:t>Communication: </a:t>
             </a:r>
             <a:r>
               <a:rPr lang="en-US" sz="1600" dirty="0">
@@ -3683,7 +3706,7 @@
                   <a:srgbClr val="0066FF"/>
                 </a:solidFill>
               </a:rPr>
-              <a:t> The primary goal of a messaging app is to facilitate real-time communication between users. It allows users to send text messages &amp; images.</a:t>
+              <a:t>The primary goal of a messaging app is to facilitate real-time communication between users. It allows users to send text messages &amp; images.</a:t>
             </a:r>
           </a:p>
           <a:p>
@@ -3701,12 +3724,12 @@
               </a:tabLst>
             </a:pPr>
             <a:r>
-              <a:rPr lang="en-US" sz="1600" b="1" dirty="0">
+              <a:rPr lang="en-US" sz="1600" b="1" u="sng" dirty="0">
                 <a:solidFill>
                   <a:srgbClr val="0066FF"/>
                 </a:solidFill>
               </a:rPr>
-              <a:t>User Engagement:</a:t>
+              <a:t>User Engagement: </a:t>
             </a:r>
             <a:r>
               <a:rPr lang="en-US" sz="1600" dirty="0">
@@ -3714,7 +3737,7 @@
                   <a:srgbClr val="0066FF"/>
                 </a:solidFill>
               </a:rPr>
-              <a:t> The application seeks to engage users by providing features such as push notifications for new messages, which encourage frequent usage and return visits.</a:t>
+              <a:t>The application seeks to engage users by providing features such as push notifications for new messages, which encourage frequent usage and return visits.</a:t>
             </a:r>
           </a:p>
           <a:p>
@@ -3728,7 +3751,7 @@
           <a:p>
             <a:pPr marL="273050"/>
             <a:r>
-              <a:rPr lang="en-US" sz="1600" b="1" dirty="0">
+              <a:rPr lang="en-US" sz="1600" b="1" u="sng" dirty="0">
                 <a:solidFill>
                   <a:srgbClr val="0066FF"/>
                 </a:solidFill>
@@ -3736,12 +3759,20 @@
               <a:t>User Experience:</a:t>
             </a:r>
             <a:r>
+              <a:rPr lang="en-US" sz="1600" u="sng" dirty="0">
+                <a:solidFill>
+                  <a:srgbClr val="0066FF"/>
+                </a:solidFill>
+              </a:rPr>
+              <a:t> </a:t>
+            </a:r>
+            <a:r>
               <a:rPr lang="en-US" sz="1600" dirty="0">
                 <a:solidFill>
                   <a:srgbClr val="0066FF"/>
                 </a:solidFill>
               </a:rPr>
-              <a:t> A well-designed messaging app offers a user-friendly and enjoyable experience with features like emoji support, message reactions, and customizable profiles.</a:t>
+              <a:t>A well-designed messaging app offers a user-friendly and enjoyable experience with features like emoji support, message reactions, and customizable profiles.</a:t>
             </a:r>
           </a:p>
           <a:p>
@@ -3754,22 +3785,11 @@
           </a:p>
           <a:p>
             <a:pPr marL="273050"/>
-            <a:r>
-              <a:rPr lang="en-US" sz="1600" b="1" dirty="0">
-                <a:solidFill>
-                  <a:srgbClr val="0066FF"/>
-                </a:solidFill>
-              </a:rPr>
-              <a:t>Privacy and Security:</a:t>
-            </a:r>
-            <a:r>
-              <a:rPr lang="en-US" sz="1600" dirty="0">
-                <a:solidFill>
-                  <a:srgbClr val="0066FF"/>
-                </a:solidFill>
-              </a:rPr>
-              <a:t> Ensuring the privacy and security of user data is crucial. Features like end-to-end encryption and user authentication contribute to this objective.</a:t>
-            </a:r>
+            <a:endParaRPr lang="en-US" sz="1600" b="1" dirty="0">
+              <a:solidFill>
+                <a:srgbClr val="0066FF"/>
+              </a:solidFill>
+            </a:endParaRPr>
           </a:p>
           <a:p>
             <a:pPr marL="273050"/>
@@ -3782,12 +3802,20 @@
           <a:p>
             <a:pPr marL="273050"/>
             <a:r>
-              <a:rPr lang="en-US" sz="1600" b="1" dirty="0">
+              <a:rPr lang="en-US" sz="1600" b="1" u="sng" dirty="0">
                 <a:solidFill>
                   <a:srgbClr val="0066FF"/>
                 </a:solidFill>
               </a:rPr>
-              <a:t>Scalability:</a:t>
+              <a:t>Privacy and Security:</a:t>
+            </a:r>
+            <a:r>
+              <a:rPr lang="en-US" sz="1600" u="sng" dirty="0">
+                <a:solidFill>
+                  <a:srgbClr val="0066FF"/>
+                </a:solidFill>
+              </a:rPr>
+              <a:t> </a:t>
             </a:r>
             <a:r>
               <a:rPr lang="en-US" sz="1600" dirty="0">
@@ -3795,7 +3823,7 @@
                   <a:srgbClr val="0066FF"/>
                 </a:solidFill>
               </a:rPr>
-              <a:t> The app should be scalable to handle a growing user base and increasing message volumes.</a:t>
+              <a:t>Ensuring the privacy and security of user data is crucial. Features like end-to-end encryption and user authentication contribute to this objective.</a:t>
             </a:r>
           </a:p>
           <a:p>
@@ -3809,12 +3837,20 @@
           <a:p>
             <a:pPr marL="273050"/>
             <a:r>
-              <a:rPr lang="en-US" sz="1600" b="1" dirty="0">
+              <a:rPr lang="en-US" sz="1600" b="1" u="sng" dirty="0">
                 <a:solidFill>
                   <a:srgbClr val="0066FF"/>
                 </a:solidFill>
               </a:rPr>
-              <a:t>Cross-Platform Compatibility:</a:t>
+              <a:t>Scalability:</a:t>
+            </a:r>
+            <a:r>
+              <a:rPr lang="en-US" sz="1600" u="sng" dirty="0">
+                <a:solidFill>
+                  <a:srgbClr val="0066FF"/>
+                </a:solidFill>
+              </a:rPr>
+              <a:t> </a:t>
             </a:r>
             <a:r>
               <a:rPr lang="en-US" sz="1600" dirty="0">
@@ -3822,7 +3858,7 @@
                   <a:srgbClr val="0066FF"/>
                 </a:solidFill>
               </a:rPr>
-              <a:t> If the app targets a wide audience, ensuring compatibility across multiple platforms (iOS, Android, web) may be an objective.</a:t>
+              <a:t>The app should be scalable to handle a growing user base and increasing message volumes.</a:t>
             </a:r>
           </a:p>
           <a:p>
@@ -3836,7 +3872,42 @@
           <a:p>
             <a:pPr marL="273050"/>
             <a:r>
-              <a:rPr lang="en-US" sz="1600" b="1" dirty="0">
+              <a:rPr lang="en-US" sz="1600" b="1" u="sng" dirty="0">
+                <a:solidFill>
+                  <a:srgbClr val="0066FF"/>
+                </a:solidFill>
+              </a:rPr>
+              <a:t>Cross-Platform Compatibility:</a:t>
+            </a:r>
+            <a:r>
+              <a:rPr lang="en-US" sz="1600" u="sng" dirty="0">
+                <a:solidFill>
+                  <a:srgbClr val="0066FF"/>
+                </a:solidFill>
+              </a:rPr>
+              <a:t> </a:t>
+            </a:r>
+            <a:r>
+              <a:rPr lang="en-US" sz="1600" dirty="0">
+                <a:solidFill>
+                  <a:srgbClr val="0066FF"/>
+                </a:solidFill>
+              </a:rPr>
+              <a:t>If the app targets a wide audience, ensuring compatibility across multiple platforms (iOS, Android, web) may be an objective.</a:t>
+            </a:r>
+          </a:p>
+          <a:p>
+            <a:pPr marL="273050"/>
+            <a:endParaRPr lang="en-US" sz="1600" b="1" dirty="0">
+              <a:solidFill>
+                <a:srgbClr val="0066FF"/>
+              </a:solidFill>
+            </a:endParaRPr>
+          </a:p>
+          <a:p>
+            <a:pPr marL="273050"/>
+            <a:r>
+              <a:rPr lang="en-US" sz="1600" b="1" u="sng" dirty="0">
                 <a:solidFill>
                   <a:srgbClr val="0066FF"/>
                 </a:solidFill>
@@ -3844,12 +3915,20 @@
               <a:t>Brand Awareness:</a:t>
             </a:r>
             <a:r>
+              <a:rPr lang="en-US" sz="1600" u="sng" dirty="0">
+                <a:solidFill>
+                  <a:srgbClr val="0066FF"/>
+                </a:solidFill>
+              </a:rPr>
+              <a:t> </a:t>
+            </a:r>
+            <a:r>
               <a:rPr lang="en-US" sz="1600" dirty="0">
                 <a:solidFill>
                   <a:srgbClr val="0066FF"/>
                 </a:solidFill>
               </a:rPr>
-              <a:t> For businesses, the app may serve as a means to enhance brand visibility and engage with customers or clients.</a:t>
+              <a:t>For businesses, the app may serve as a means to enhance brand visibility and engage with customers or clients.</a:t>
             </a:r>
           </a:p>
           <a:p>
@@ -3862,6 +3941,47 @@
           </a:p>
         </p:txBody>
       </p:sp>
+      <p:cxnSp>
+        <p:nvCxnSpPr>
+          <p:cNvPr id="3" name="Straight Connector 2">
+            <a:extLst>
+              <a:ext uri="{FF2B5EF4-FFF2-40B4-BE49-F238E27FC236}">
+                <a16:creationId xmlns:a16="http://schemas.microsoft.com/office/drawing/2014/main" id="{C10CDBF8-A17F-321D-1C93-1BD753C31DF1}"/>
+              </a:ext>
+            </a:extLst>
+          </p:cNvPr>
+          <p:cNvCxnSpPr/>
+          <p:nvPr/>
+        </p:nvCxnSpPr>
+        <p:spPr>
+          <a:xfrm>
+            <a:off x="6232187" y="2626468"/>
+            <a:ext cx="0" cy="3852000"/>
+          </a:xfrm>
+          <a:prstGeom prst="line">
+            <a:avLst/>
+          </a:prstGeom>
+          <a:ln w="76200">
+            <a:solidFill>
+              <a:srgbClr val="0066FF"/>
+            </a:solidFill>
+          </a:ln>
+        </p:spPr>
+        <p:style>
+          <a:lnRef idx="1">
+            <a:schemeClr val="accent1"/>
+          </a:lnRef>
+          <a:fillRef idx="0">
+            <a:schemeClr val="accent1"/>
+          </a:fillRef>
+          <a:effectRef idx="0">
+            <a:schemeClr val="accent1"/>
+          </a:effectRef>
+          <a:fontRef idx="minor">
+            <a:schemeClr val="tx1"/>
+          </a:fontRef>
+        </p:style>
+      </p:cxnSp>
     </p:spTree>
     <p:extLst>
       <p:ext uri="{BB962C8B-B14F-4D97-AF65-F5344CB8AC3E}">
@@ -4137,424 +4257,517 @@
           </a:p>
         </p:txBody>
       </p:sp>
-      <p:sp>
-        <p:nvSpPr>
-          <p:cNvPr id="8" name="Rectangle: Rounded Corners 7">
-            <a:extLst>
-              <a:ext uri="{FF2B5EF4-FFF2-40B4-BE49-F238E27FC236}">
-                <a16:creationId xmlns:a16="http://schemas.microsoft.com/office/drawing/2014/main" id="{BB54FFAB-7AF8-733E-1943-8E9B41A162A4}"/>
-              </a:ext>
-            </a:extLst>
-          </p:cNvPr>
-          <p:cNvSpPr/>
+      <p:grpSp>
+        <p:nvGrpSpPr>
+          <p:cNvPr id="3" name="Group 2">
+            <a:extLst>
+              <a:ext uri="{FF2B5EF4-FFF2-40B4-BE49-F238E27FC236}">
+                <a16:creationId xmlns:a16="http://schemas.microsoft.com/office/drawing/2014/main" id="{C44E222B-0C95-5D6D-009D-0BA71E94D6DA}"/>
+              </a:ext>
+            </a:extLst>
+          </p:cNvPr>
+          <p:cNvGrpSpPr/>
           <p:nvPr/>
-        </p:nvSpPr>
-        <p:spPr>
+        </p:nvGrpSpPr>
+        <p:grpSpPr>
           <a:xfrm>
-            <a:off x="162128" y="1021408"/>
-            <a:ext cx="11867744" cy="5690681"/>
+            <a:off x="162128" y="1257704"/>
+            <a:ext cx="11867744" cy="4968000"/>
+            <a:chOff x="162128" y="1744089"/>
+            <a:chExt cx="11867744" cy="4968000"/>
           </a:xfrm>
-          <a:prstGeom prst="roundRect">
-            <a:avLst/>
-          </a:prstGeom>
-          <a:ln w="57150">
-            <a:solidFill>
-              <a:srgbClr val="0066FF"/>
-            </a:solidFill>
-          </a:ln>
-        </p:spPr>
-        <p:style>
-          <a:lnRef idx="2">
-            <a:schemeClr val="accent6"/>
-          </a:lnRef>
-          <a:fillRef idx="1">
-            <a:schemeClr val="lt1"/>
-          </a:fillRef>
-          <a:effectRef idx="0">
-            <a:schemeClr val="accent6"/>
-          </a:effectRef>
-          <a:fontRef idx="minor">
-            <a:schemeClr val="dk1"/>
-          </a:fontRef>
-        </p:style>
-        <p:txBody>
-          <a:bodyPr numCol="2" rtlCol="0" anchor="ctr"/>
-          <a:lstStyle/>
-          <a:p>
-            <a:r>
-              <a:rPr lang="en-US" sz="1400" b="1" u="sng" dirty="0">
+        </p:grpSpPr>
+        <p:sp>
+          <p:nvSpPr>
+            <p:cNvPr id="8" name="Rectangle: Rounded Corners 7">
+              <a:extLst>
+                <a:ext uri="{FF2B5EF4-FFF2-40B4-BE49-F238E27FC236}">
+                  <a16:creationId xmlns:a16="http://schemas.microsoft.com/office/drawing/2014/main" id="{BB54FFAB-7AF8-733E-1943-8E9B41A162A4}"/>
+                </a:ext>
+              </a:extLst>
+            </p:cNvPr>
+            <p:cNvSpPr/>
+            <p:nvPr/>
+          </p:nvSpPr>
+          <p:spPr>
+            <a:xfrm>
+              <a:off x="162128" y="1744089"/>
+              <a:ext cx="11867744" cy="4968000"/>
+            </a:xfrm>
+            <a:prstGeom prst="roundRect">
+              <a:avLst>
+                <a:gd name="adj" fmla="val 2650"/>
+              </a:avLst>
+            </a:prstGeom>
+            <a:ln w="57150">
+              <a:solidFill>
+                <a:srgbClr val="0066FF"/>
+              </a:solidFill>
+            </a:ln>
+          </p:spPr>
+          <p:style>
+            <a:lnRef idx="2">
+              <a:schemeClr val="accent6"/>
+            </a:lnRef>
+            <a:fillRef idx="1">
+              <a:schemeClr val="lt1"/>
+            </a:fillRef>
+            <a:effectRef idx="0">
+              <a:schemeClr val="accent6"/>
+            </a:effectRef>
+            <a:fontRef idx="minor">
+              <a:schemeClr val="dk1"/>
+            </a:fontRef>
+          </p:style>
+          <p:txBody>
+            <a:bodyPr numCol="2" rtlCol="0" anchor="ctr"/>
+            <a:lstStyle/>
+            <a:p>
+              <a:endParaRPr lang="en-US" sz="1400" b="1" u="sng" dirty="0">
                 <a:solidFill>
                   <a:srgbClr val="0066FF"/>
                 </a:solidFill>
-              </a:rPr>
-              <a:t>User Authentication</a:t>
-            </a:r>
-            <a:r>
-              <a:rPr lang="en-US" sz="1400" b="1" dirty="0">
+              </a:endParaRPr>
+            </a:p>
+            <a:p>
+              <a:endParaRPr lang="en-US" sz="1400" b="1" u="sng" dirty="0">
                 <a:solidFill>
                   <a:srgbClr val="0066FF"/>
                 </a:solidFill>
-              </a:rPr>
-              <a:t>: Implement user registration and login using </a:t>
-            </a:r>
-          </a:p>
-          <a:p>
-            <a:r>
-              <a:rPr lang="en-US" sz="1400" b="1" dirty="0">
+              </a:endParaRPr>
+            </a:p>
+            <a:p>
+              <a:endParaRPr lang="en-US" sz="1400" b="1" u="sng" dirty="0">
                 <a:solidFill>
                   <a:srgbClr val="0066FF"/>
                 </a:solidFill>
-              </a:rPr>
-              <a:t>Google Sign-in using Firebase or another authentication service.</a:t>
-            </a:r>
-          </a:p>
-          <a:p>
-            <a:endParaRPr lang="en-US" sz="1400" b="1" dirty="0">
+              </a:endParaRPr>
+            </a:p>
+            <a:p>
+              <a:r>
+                <a:rPr lang="en-US" sz="1400" b="1" u="sng" dirty="0">
+                  <a:solidFill>
+                    <a:srgbClr val="0066FF"/>
+                  </a:solidFill>
+                </a:rPr>
+                <a:t>User Authentication</a:t>
+              </a:r>
+              <a:r>
+                <a:rPr lang="en-US" sz="1400" b="1" dirty="0">
+                  <a:solidFill>
+                    <a:srgbClr val="0066FF"/>
+                  </a:solidFill>
+                </a:rPr>
+                <a:t>: Implement user registration and login using </a:t>
+              </a:r>
+            </a:p>
+            <a:p>
+              <a:r>
+                <a:rPr lang="en-US" sz="1400" b="1" dirty="0">
+                  <a:solidFill>
+                    <a:srgbClr val="0066FF"/>
+                  </a:solidFill>
+                </a:rPr>
+                <a:t>Google Sign-in using Firebase or another authentication service.</a:t>
+              </a:r>
+            </a:p>
+            <a:p>
+              <a:endParaRPr lang="en-US" sz="1400" b="1" dirty="0">
+                <a:solidFill>
+                  <a:srgbClr val="0066FF"/>
+                </a:solidFill>
+              </a:endParaRPr>
+            </a:p>
+            <a:p>
+              <a:r>
+                <a:rPr lang="en-US" sz="1400" b="1" u="sng" dirty="0">
+                  <a:solidFill>
+                    <a:srgbClr val="0066FF"/>
+                  </a:solidFill>
+                </a:rPr>
+                <a:t>Chat Screens</a:t>
+              </a:r>
+              <a:r>
+                <a:rPr lang="en-US" sz="1400" b="1" dirty="0">
+                  <a:solidFill>
+                    <a:srgbClr val="0066FF"/>
+                  </a:solidFill>
+                </a:rPr>
+                <a:t>: Create chat screens for individual conversations with </a:t>
+              </a:r>
+            </a:p>
+            <a:p>
+              <a:r>
+                <a:rPr lang="en-US" sz="1400" b="1" dirty="0">
+                  <a:solidFill>
+                    <a:srgbClr val="0066FF"/>
+                  </a:solidFill>
+                </a:rPr>
+                <a:t>other users. Use a AppBar for the top bar. Allow users to send text, images, and emojis. Implement typing indicators and message read receipts (seen status).</a:t>
+              </a:r>
+            </a:p>
+            <a:p>
+              <a:endParaRPr lang="en-US" sz="1400" b="1" dirty="0">
+                <a:solidFill>
+                  <a:srgbClr val="0066FF"/>
+                </a:solidFill>
+              </a:endParaRPr>
+            </a:p>
+            <a:p>
+              <a:r>
+                <a:rPr lang="en-US" sz="1400" b="1" u="sng" dirty="0">
+                  <a:solidFill>
+                    <a:srgbClr val="0066FF"/>
+                  </a:solidFill>
+                </a:rPr>
+                <a:t>Notifications</a:t>
+              </a:r>
+              <a:r>
+                <a:rPr lang="en-US" sz="1400" b="1" dirty="0">
+                  <a:solidFill>
+                    <a:srgbClr val="0066FF"/>
+                  </a:solidFill>
+                </a:rPr>
+                <a:t>: Implement push notifications for new messages using </a:t>
+              </a:r>
+            </a:p>
+            <a:p>
+              <a:r>
+                <a:rPr lang="en-US" sz="1400" b="1" dirty="0">
+                  <a:solidFill>
+                    <a:srgbClr val="0066FF"/>
+                  </a:solidFill>
+                </a:rPr>
+                <a:t>Firebase Cloud Messaging (FCM) or a similar service.</a:t>
+              </a:r>
+            </a:p>
+            <a:p>
+              <a:endParaRPr lang="en-US" sz="1400" b="1" dirty="0">
+                <a:solidFill>
+                  <a:srgbClr val="0066FF"/>
+                </a:solidFill>
+              </a:endParaRPr>
+            </a:p>
+            <a:p>
+              <a:r>
+                <a:rPr lang="en-US" sz="1400" b="1" u="sng" dirty="0">
+                  <a:solidFill>
+                    <a:srgbClr val="0066FF"/>
+                  </a:solidFill>
+                </a:rPr>
+                <a:t>Search Functionality</a:t>
+              </a:r>
+              <a:r>
+                <a:rPr lang="en-US" sz="1400" b="1" dirty="0">
+                  <a:solidFill>
+                    <a:srgbClr val="0066FF"/>
+                  </a:solidFill>
+                </a:rPr>
+                <a:t>: Add a search bar to find specific chats or messages.</a:t>
+              </a:r>
+            </a:p>
+            <a:p>
+              <a:r>
+                <a:rPr lang="en-US" sz="1400" b="1" dirty="0">
+                  <a:solidFill>
+                    <a:srgbClr val="0066FF"/>
+                  </a:solidFill>
+                </a:rPr>
+                <a:t>Use the CupertinoSearchTextField for the search bar.</a:t>
+              </a:r>
+            </a:p>
+            <a:p>
+              <a:endParaRPr lang="en-US" sz="1400" b="1" dirty="0">
+                <a:solidFill>
+                  <a:srgbClr val="0066FF"/>
+                </a:solidFill>
+              </a:endParaRPr>
+            </a:p>
+            <a:p>
+              <a:r>
+                <a:rPr lang="en-US" sz="1400" b="1" u="sng" dirty="0">
+                  <a:solidFill>
+                    <a:srgbClr val="0066FF"/>
+                  </a:solidFill>
+                </a:rPr>
+                <a:t>User Profiles</a:t>
+              </a:r>
+              <a:r>
+                <a:rPr lang="en-US" sz="1400" b="1" dirty="0">
+                  <a:solidFill>
+                    <a:srgbClr val="0066FF"/>
+                  </a:solidFill>
+                </a:rPr>
+                <a:t>: Create user profiles that display profile pictures, status, and other information. Use CupertinoActionSheet for editing profile details.</a:t>
+              </a:r>
+            </a:p>
+            <a:p>
+              <a:endParaRPr lang="en-US" sz="1400" b="1" dirty="0">
+                <a:solidFill>
+                  <a:srgbClr val="0066FF"/>
+                </a:solidFill>
+              </a:endParaRPr>
+            </a:p>
+            <a:p>
+              <a:endParaRPr lang="en-US" sz="1400" b="1" dirty="0">
+                <a:solidFill>
+                  <a:srgbClr val="0066FF"/>
+                </a:solidFill>
+              </a:endParaRPr>
+            </a:p>
+            <a:p>
+              <a:endParaRPr lang="en-US" sz="1400" b="1" dirty="0">
+                <a:solidFill>
+                  <a:srgbClr val="0066FF"/>
+                </a:solidFill>
+              </a:endParaRPr>
+            </a:p>
+            <a:p>
+              <a:endParaRPr lang="en-US" sz="1400" b="1" dirty="0">
+                <a:solidFill>
+                  <a:srgbClr val="0066FF"/>
+                </a:solidFill>
+              </a:endParaRPr>
+            </a:p>
+            <a:p>
+              <a:endParaRPr lang="en-US" sz="1400" b="1" dirty="0">
+                <a:solidFill>
+                  <a:srgbClr val="0066FF"/>
+                </a:solidFill>
+              </a:endParaRPr>
+            </a:p>
+            <a:p>
+              <a:r>
+                <a:rPr lang="en-US" sz="1400" b="1" u="sng" dirty="0">
+                  <a:solidFill>
+                    <a:srgbClr val="0066FF"/>
+                  </a:solidFill>
+                </a:rPr>
+                <a:t>Online Status</a:t>
+              </a:r>
+              <a:r>
+                <a:rPr lang="en-US" sz="1400" b="1" dirty="0">
+                  <a:solidFill>
+                    <a:srgbClr val="0066FF"/>
+                  </a:solidFill>
+                </a:rPr>
+                <a:t>: Show online/offline status for users.</a:t>
+              </a:r>
+            </a:p>
+            <a:p>
+              <a:r>
+                <a:rPr lang="en-US" sz="1400" b="1" dirty="0">
+                  <a:solidFill>
+                    <a:srgbClr val="0066FF"/>
+                  </a:solidFill>
+                </a:rPr>
+                <a:t>Use presence indicators like a green dot next to online users' avatars.</a:t>
+              </a:r>
+            </a:p>
+            <a:p>
+              <a:endParaRPr lang="en-US" sz="1400" b="1" dirty="0">
+                <a:solidFill>
+                  <a:srgbClr val="0066FF"/>
+                </a:solidFill>
+              </a:endParaRPr>
+            </a:p>
+            <a:p>
+              <a:r>
+                <a:rPr lang="en-US" sz="1400" b="1" u="sng" dirty="0">
+                  <a:solidFill>
+                    <a:srgbClr val="0066FF"/>
+                  </a:solidFill>
+                </a:rPr>
+                <a:t>Dark Mode</a:t>
+              </a:r>
+              <a:r>
+                <a:rPr lang="en-US" sz="1400" b="1" dirty="0">
+                  <a:solidFill>
+                    <a:srgbClr val="0066FF"/>
+                  </a:solidFill>
+                </a:rPr>
+                <a:t>: Implement a dark mode toggle in the settings.</a:t>
+              </a:r>
+            </a:p>
+            <a:p>
+              <a:r>
+                <a:rPr lang="en-US" sz="1400" b="1" dirty="0">
+                  <a:solidFill>
+                    <a:srgbClr val="0066FF"/>
+                  </a:solidFill>
+                </a:rPr>
+                <a:t>Ensure the app's UI adapts to light and dark modes.</a:t>
+              </a:r>
+            </a:p>
+            <a:p>
+              <a:endParaRPr lang="en-US" sz="1400" b="1" dirty="0">
+                <a:solidFill>
+                  <a:srgbClr val="0066FF"/>
+                </a:solidFill>
+              </a:endParaRPr>
+            </a:p>
+            <a:p>
+              <a:r>
+                <a:rPr lang="en-US" sz="1400" b="1" u="sng" dirty="0">
+                  <a:solidFill>
+                    <a:srgbClr val="0066FF"/>
+                  </a:solidFill>
+                </a:rPr>
+                <a:t>Message Encryption</a:t>
+              </a:r>
+              <a:r>
+                <a:rPr lang="en-US" sz="1400" b="1" dirty="0">
+                  <a:solidFill>
+                    <a:srgbClr val="0066FF"/>
+                  </a:solidFill>
+                </a:rPr>
+                <a:t>: Implement end-to-end encryption for secure messaging.</a:t>
+              </a:r>
+            </a:p>
+            <a:p>
+              <a:endParaRPr lang="en-US" sz="1400" b="1" dirty="0">
+                <a:solidFill>
+                  <a:srgbClr val="0066FF"/>
+                </a:solidFill>
+              </a:endParaRPr>
+            </a:p>
+            <a:p>
+              <a:r>
+                <a:rPr lang="en-US" sz="1400" b="1" u="sng" dirty="0">
+                  <a:solidFill>
+                    <a:srgbClr val="0066FF"/>
+                  </a:solidFill>
+                </a:rPr>
+                <a:t>Attachments</a:t>
+              </a:r>
+              <a:r>
+                <a:rPr lang="en-US" sz="1400" b="1" dirty="0">
+                  <a:solidFill>
+                    <a:srgbClr val="0066FF"/>
+                  </a:solidFill>
+                </a:rPr>
+                <a:t>: Allow users to send and receive images.</a:t>
+              </a:r>
+            </a:p>
+            <a:p>
+              <a:endParaRPr lang="en-US" sz="1400" b="1" dirty="0">
+                <a:solidFill>
+                  <a:srgbClr val="0066FF"/>
+                </a:solidFill>
+              </a:endParaRPr>
+            </a:p>
+            <a:p>
+              <a:r>
+                <a:rPr lang="en-US" sz="1400" b="1" u="sng" dirty="0">
+                  <a:solidFill>
+                    <a:srgbClr val="0066FF"/>
+                  </a:solidFill>
+                </a:rPr>
+                <a:t>Message Deletion and Editing</a:t>
+              </a:r>
+              <a:r>
+                <a:rPr lang="en-US" sz="1400" b="1" dirty="0">
+                  <a:solidFill>
+                    <a:srgbClr val="0066FF"/>
+                  </a:solidFill>
+                </a:rPr>
+                <a:t>: Enable users to delete or edit sent messages if needed.</a:t>
+              </a:r>
+            </a:p>
+            <a:p>
+              <a:endParaRPr lang="en-US" sz="1400" b="1" dirty="0">
+                <a:solidFill>
+                  <a:srgbClr val="0066FF"/>
+                </a:solidFill>
+              </a:endParaRPr>
+            </a:p>
+            <a:p>
+              <a:r>
+                <a:rPr lang="en-US" sz="1400" b="1" u="sng" dirty="0">
+                  <a:solidFill>
+                    <a:srgbClr val="0066FF"/>
+                  </a:solidFill>
+                </a:rPr>
+                <a:t>Emojis and Reactions</a:t>
+              </a:r>
+              <a:r>
+                <a:rPr lang="en-US" sz="1400" b="1" dirty="0">
+                  <a:solidFill>
+                    <a:srgbClr val="0066FF"/>
+                  </a:solidFill>
+                </a:rPr>
+                <a:t>: Add support for emojis and message reactions.</a:t>
+              </a:r>
+            </a:p>
+            <a:p>
+              <a:endParaRPr lang="en-US" sz="1400" b="1" dirty="0">
+                <a:solidFill>
+                  <a:srgbClr val="0066FF"/>
+                </a:solidFill>
+              </a:endParaRPr>
+            </a:p>
+            <a:p>
+              <a:r>
+                <a:rPr lang="en-US" sz="1400" b="1" u="sng" dirty="0">
+                  <a:solidFill>
+                    <a:srgbClr val="0066FF"/>
+                  </a:solidFill>
+                </a:rPr>
+                <a:t>Profile Customization</a:t>
+              </a:r>
+              <a:r>
+                <a:rPr lang="en-US" sz="1400" b="1" dirty="0">
+                  <a:solidFill>
+                    <a:srgbClr val="0066FF"/>
+                  </a:solidFill>
+                </a:rPr>
+                <a:t>: Let users customize their profiles with bios, status messages, and display names.</a:t>
+              </a:r>
+            </a:p>
+          </p:txBody>
+        </p:sp>
+        <p:cxnSp>
+          <p:nvCxnSpPr>
+            <p:cNvPr id="2" name="Straight Connector 1">
+              <a:extLst>
+                <a:ext uri="{FF2B5EF4-FFF2-40B4-BE49-F238E27FC236}">
+                  <a16:creationId xmlns:a16="http://schemas.microsoft.com/office/drawing/2014/main" id="{A0CB72CC-3488-870D-080E-96FFFE434902}"/>
+                </a:ext>
+              </a:extLst>
+            </p:cNvPr>
+            <p:cNvCxnSpPr/>
+            <p:nvPr/>
+          </p:nvCxnSpPr>
+          <p:spPr>
+            <a:xfrm>
+              <a:off x="6024661" y="1998158"/>
+              <a:ext cx="0" cy="4500000"/>
+            </a:xfrm>
+            <a:prstGeom prst="line">
+              <a:avLst/>
+            </a:prstGeom>
+            <a:ln w="76200">
               <a:solidFill>
                 <a:srgbClr val="0066FF"/>
               </a:solidFill>
-            </a:endParaRPr>
-          </a:p>
-          <a:p>
-            <a:r>
-              <a:rPr lang="en-US" sz="1400" b="1" u="sng" dirty="0">
-                <a:solidFill>
-                  <a:srgbClr val="0066FF"/>
-                </a:solidFill>
-              </a:rPr>
-              <a:t>Chat Screens</a:t>
-            </a:r>
-            <a:r>
-              <a:rPr lang="en-US" sz="1400" b="1" dirty="0">
-                <a:solidFill>
-                  <a:srgbClr val="0066FF"/>
-                </a:solidFill>
-              </a:rPr>
-              <a:t>: Create chat screens for individual conversations with </a:t>
-            </a:r>
-          </a:p>
-          <a:p>
-            <a:r>
-              <a:rPr lang="en-US" sz="1400" b="1" dirty="0">
-                <a:solidFill>
-                  <a:srgbClr val="0066FF"/>
-                </a:solidFill>
-              </a:rPr>
-              <a:t>other users. Use a AppBar for the top bar. Display messages in a chat </a:t>
-            </a:r>
-          </a:p>
-          <a:p>
-            <a:r>
-              <a:rPr lang="en-US" sz="1400" b="1" dirty="0">
-                <a:solidFill>
-                  <a:srgbClr val="0066FF"/>
-                </a:solidFill>
-              </a:rPr>
-              <a:t>bubble style using Cupertino Bubble. Allow users to send text, images, </a:t>
-            </a:r>
-          </a:p>
-          <a:p>
-            <a:r>
-              <a:rPr lang="en-US" sz="1400" b="1" dirty="0">
-                <a:solidFill>
-                  <a:srgbClr val="0066FF"/>
-                </a:solidFill>
-              </a:rPr>
-              <a:t>and emojis. Implement typing indicators and message read receipts (seen status).</a:t>
-            </a:r>
-          </a:p>
-          <a:p>
-            <a:endParaRPr lang="en-US" sz="1400" b="1" dirty="0">
-              <a:solidFill>
-                <a:srgbClr val="0066FF"/>
-              </a:solidFill>
-            </a:endParaRPr>
-          </a:p>
-          <a:p>
-            <a:r>
-              <a:rPr lang="en-US" sz="1400" b="1" u="sng" dirty="0">
-                <a:solidFill>
-                  <a:srgbClr val="0066FF"/>
-                </a:solidFill>
-              </a:rPr>
-              <a:t>Notifications</a:t>
-            </a:r>
-            <a:r>
-              <a:rPr lang="en-US" sz="1400" b="1" dirty="0">
-                <a:solidFill>
-                  <a:srgbClr val="0066FF"/>
-                </a:solidFill>
-              </a:rPr>
-              <a:t>: Implement push notifications for new messages using </a:t>
-            </a:r>
-          </a:p>
-          <a:p>
-            <a:r>
-              <a:rPr lang="en-US" sz="1400" b="1" dirty="0">
-                <a:solidFill>
-                  <a:srgbClr val="0066FF"/>
-                </a:solidFill>
-              </a:rPr>
-              <a:t>Firebase Cloud Messaging (FCM) or a similar service.</a:t>
-            </a:r>
-          </a:p>
-          <a:p>
-            <a:endParaRPr lang="en-US" sz="1400" b="1" dirty="0">
-              <a:solidFill>
-                <a:srgbClr val="0066FF"/>
-              </a:solidFill>
-            </a:endParaRPr>
-          </a:p>
-          <a:p>
-            <a:r>
-              <a:rPr lang="en-US" sz="1400" b="1" u="sng" dirty="0">
-                <a:solidFill>
-                  <a:srgbClr val="0066FF"/>
-                </a:solidFill>
-              </a:rPr>
-              <a:t>Search Functionality</a:t>
-            </a:r>
-            <a:r>
-              <a:rPr lang="en-US" sz="1400" b="1" dirty="0">
-                <a:solidFill>
-                  <a:srgbClr val="0066FF"/>
-                </a:solidFill>
-              </a:rPr>
-              <a:t>: Add a search bar to find specific chats or messages.</a:t>
-            </a:r>
-          </a:p>
-          <a:p>
-            <a:r>
-              <a:rPr lang="en-US" sz="1400" b="1" dirty="0">
-                <a:solidFill>
-                  <a:srgbClr val="0066FF"/>
-                </a:solidFill>
-              </a:rPr>
-              <a:t>Use the CupertinoSearchTextField for the search bar.</a:t>
-            </a:r>
-          </a:p>
-          <a:p>
-            <a:endParaRPr lang="en-US" sz="1400" b="1" dirty="0">
-              <a:solidFill>
-                <a:srgbClr val="0066FF"/>
-              </a:solidFill>
-            </a:endParaRPr>
-          </a:p>
-          <a:p>
-            <a:r>
-              <a:rPr lang="en-US" sz="1400" b="1" u="sng" dirty="0">
-                <a:solidFill>
-                  <a:srgbClr val="0066FF"/>
-                </a:solidFill>
-              </a:rPr>
-              <a:t>User Profiles</a:t>
-            </a:r>
-            <a:r>
-              <a:rPr lang="en-US" sz="1400" b="1" dirty="0">
-                <a:solidFill>
-                  <a:srgbClr val="0066FF"/>
-                </a:solidFill>
-              </a:rPr>
-              <a:t>: Create user profiles that display profile pictures, status, and other information. Use CupertinoActionSheet for editing profile details.</a:t>
-            </a:r>
-          </a:p>
-          <a:p>
-            <a:endParaRPr lang="en-US" sz="1400" b="1" dirty="0">
-              <a:solidFill>
-                <a:srgbClr val="0066FF"/>
-              </a:solidFill>
-            </a:endParaRPr>
-          </a:p>
-          <a:p>
-            <a:r>
-              <a:rPr lang="en-US" sz="1400" b="1" u="sng" dirty="0">
-                <a:solidFill>
-                  <a:srgbClr val="0066FF"/>
-                </a:solidFill>
-              </a:rPr>
-              <a:t>Online Status</a:t>
-            </a:r>
-            <a:r>
-              <a:rPr lang="en-US" sz="1400" b="1" dirty="0">
-                <a:solidFill>
-                  <a:srgbClr val="0066FF"/>
-                </a:solidFill>
-              </a:rPr>
-              <a:t>: Show online/offline status for users.</a:t>
-            </a:r>
-          </a:p>
-          <a:p>
-            <a:r>
-              <a:rPr lang="en-US" sz="1400" b="1" dirty="0">
-                <a:solidFill>
-                  <a:srgbClr val="0066FF"/>
-                </a:solidFill>
-              </a:rPr>
-              <a:t>Use presence indicators like a green dot next to online users' avatars.</a:t>
-            </a:r>
-          </a:p>
-          <a:p>
-            <a:endParaRPr lang="en-US" sz="1400" b="1" dirty="0">
-              <a:solidFill>
-                <a:srgbClr val="0066FF"/>
-              </a:solidFill>
-            </a:endParaRPr>
-          </a:p>
-          <a:p>
-            <a:r>
-              <a:rPr lang="en-US" sz="1400" b="1" u="sng" dirty="0">
-                <a:solidFill>
-                  <a:srgbClr val="0066FF"/>
-                </a:solidFill>
-              </a:rPr>
-              <a:t>Dark Mode</a:t>
-            </a:r>
-            <a:r>
-              <a:rPr lang="en-US" sz="1400" b="1" dirty="0">
-                <a:solidFill>
-                  <a:srgbClr val="0066FF"/>
-                </a:solidFill>
-              </a:rPr>
-              <a:t>: Implement a dark mode toggle in the settings.</a:t>
-            </a:r>
-          </a:p>
-          <a:p>
-            <a:r>
-              <a:rPr lang="en-US" sz="1400" b="1" dirty="0">
-                <a:solidFill>
-                  <a:srgbClr val="0066FF"/>
-                </a:solidFill>
-              </a:rPr>
-              <a:t>Ensure the app's UI adapts to light and dark modes.</a:t>
-            </a:r>
-          </a:p>
-          <a:p>
-            <a:endParaRPr lang="en-US" sz="1400" b="1" dirty="0">
-              <a:solidFill>
-                <a:srgbClr val="0066FF"/>
-              </a:solidFill>
-            </a:endParaRPr>
-          </a:p>
-          <a:p>
-            <a:r>
-              <a:rPr lang="en-US" sz="1400" b="1" u="sng" dirty="0">
-                <a:solidFill>
-                  <a:srgbClr val="0066FF"/>
-                </a:solidFill>
-              </a:rPr>
-              <a:t>Message Encryption</a:t>
-            </a:r>
-            <a:r>
-              <a:rPr lang="en-US" sz="1400" b="1" dirty="0">
-                <a:solidFill>
-                  <a:srgbClr val="0066FF"/>
-                </a:solidFill>
-              </a:rPr>
-              <a:t>: Implement end-to-end encryption for secure messaging.</a:t>
-            </a:r>
-          </a:p>
-          <a:p>
-            <a:endParaRPr lang="en-US" sz="1400" b="1" dirty="0">
-              <a:solidFill>
-                <a:srgbClr val="0066FF"/>
-              </a:solidFill>
-            </a:endParaRPr>
-          </a:p>
-          <a:p>
-            <a:r>
-              <a:rPr lang="en-US" sz="1400" b="1" u="sng" dirty="0">
-                <a:solidFill>
-                  <a:srgbClr val="0066FF"/>
-                </a:solidFill>
-              </a:rPr>
-              <a:t>Attachments</a:t>
-            </a:r>
-            <a:r>
-              <a:rPr lang="en-US" sz="1400" b="1" dirty="0">
-                <a:solidFill>
-                  <a:srgbClr val="0066FF"/>
-                </a:solidFill>
-              </a:rPr>
-              <a:t>: Allow users to send and receive images.</a:t>
-            </a:r>
-          </a:p>
-          <a:p>
-            <a:endParaRPr lang="en-US" sz="1400" b="1" dirty="0">
-              <a:solidFill>
-                <a:srgbClr val="0066FF"/>
-              </a:solidFill>
-            </a:endParaRPr>
-          </a:p>
-          <a:p>
-            <a:r>
-              <a:rPr lang="en-US" sz="1400" b="1" u="sng" dirty="0">
-                <a:solidFill>
-                  <a:srgbClr val="0066FF"/>
-                </a:solidFill>
-              </a:rPr>
-              <a:t>Message Deletion and Editing</a:t>
-            </a:r>
-            <a:r>
-              <a:rPr lang="en-US" sz="1400" b="1" dirty="0">
-                <a:solidFill>
-                  <a:srgbClr val="0066FF"/>
-                </a:solidFill>
-              </a:rPr>
-              <a:t>: Enable users to delete or edit sent messages if needed.</a:t>
-            </a:r>
-          </a:p>
-          <a:p>
-            <a:endParaRPr lang="en-US" sz="1400" b="1" dirty="0">
-              <a:solidFill>
-                <a:srgbClr val="0066FF"/>
-              </a:solidFill>
-            </a:endParaRPr>
-          </a:p>
-          <a:p>
-            <a:r>
-              <a:rPr lang="en-US" sz="1400" b="1" u="sng" dirty="0">
-                <a:solidFill>
-                  <a:srgbClr val="0066FF"/>
-                </a:solidFill>
-              </a:rPr>
-              <a:t>Emojis and Reactions</a:t>
-            </a:r>
-            <a:r>
-              <a:rPr lang="en-US" sz="1400" b="1" dirty="0">
-                <a:solidFill>
-                  <a:srgbClr val="0066FF"/>
-                </a:solidFill>
-              </a:rPr>
-              <a:t>: Add support for emojis and message reactions.</a:t>
-            </a:r>
-          </a:p>
-          <a:p>
-            <a:endParaRPr lang="en-US" sz="1400" b="1" dirty="0">
-              <a:solidFill>
-                <a:srgbClr val="0066FF"/>
-              </a:solidFill>
-            </a:endParaRPr>
-          </a:p>
-          <a:p>
-            <a:r>
-              <a:rPr lang="en-US" sz="1400" b="1" u="sng" dirty="0">
-                <a:solidFill>
-                  <a:srgbClr val="0066FF"/>
-                </a:solidFill>
-              </a:rPr>
-              <a:t>Profile Customization</a:t>
-            </a:r>
-            <a:r>
-              <a:rPr lang="en-US" sz="1400" b="1" dirty="0">
-                <a:solidFill>
-                  <a:srgbClr val="0066FF"/>
-                </a:solidFill>
-              </a:rPr>
-              <a:t>: Let users customize their profiles with bios, status messages, and display names.</a:t>
-            </a:r>
-          </a:p>
-        </p:txBody>
-      </p:sp>
+            </a:ln>
+          </p:spPr>
+          <p:style>
+            <a:lnRef idx="1">
+              <a:schemeClr val="accent1"/>
+            </a:lnRef>
+            <a:fillRef idx="0">
+              <a:schemeClr val="accent1"/>
+            </a:fillRef>
+            <a:effectRef idx="0">
+              <a:schemeClr val="accent1"/>
+            </a:effectRef>
+            <a:fontRef idx="minor">
+              <a:schemeClr val="tx1"/>
+            </a:fontRef>
+          </p:style>
+        </p:cxnSp>
+      </p:grpSp>
     </p:spTree>
     <p:extLst>
       <p:ext uri="{BB962C8B-B14F-4D97-AF65-F5344CB8AC3E}">
@@ -4592,7 +4805,7 @@
                             </p:stCondLst>
                             <p:childTnLst>
                               <p:par>
-                                <p:cTn id="5" presetID="23" presetClass="entr" presetSubtype="16" fill="hold" grpId="0" nodeType="withEffect">
+                                <p:cTn id="5" presetID="23" presetClass="entr" presetSubtype="16" fill="hold" nodeType="withEffect">
                                   <p:stCondLst>
                                     <p:cond delay="0"/>
                                   </p:stCondLst>
@@ -4605,7 +4818,7 @@
                                           </p:stCondLst>
                                         </p:cTn>
                                         <p:tgtEl>
-                                          <p:spTgt spid="8"/>
+                                          <p:spTgt spid="3"/>
                                         </p:tgtEl>
                                         <p:attrNameLst>
                                           <p:attrName>style.visibility</p:attrName>
@@ -4619,7 +4832,7 @@
                                       <p:cBhvr>
                                         <p:cTn id="7" dur="500" fill="hold"/>
                                         <p:tgtEl>
-                                          <p:spTgt spid="8"/>
+                                          <p:spTgt spid="3"/>
                                         </p:tgtEl>
                                         <p:attrNameLst>
                                           <p:attrName>ppt_w</p:attrName>
@@ -4642,7 +4855,7 @@
                                       <p:cBhvr>
                                         <p:cTn id="8" dur="500" fill="hold"/>
                                         <p:tgtEl>
-                                          <p:spTgt spid="8"/>
+                                          <p:spTgt spid="3"/>
                                         </p:tgtEl>
                                         <p:attrNameLst>
                                           <p:attrName>ppt_h</p:attrName>
@@ -4691,9 +4904,6 @@
         </p:cTn>
       </p:par>
     </p:tnLst>
-    <p:bldLst>
-      <p:bldP spid="8" grpId="0" animBg="1"/>
-    </p:bldLst>
   </p:timing>
 </p:sld>
 </file>
@@ -4876,7 +5086,9 @@
             <a:ext cx="5637773" cy="3900794"/>
           </a:xfrm>
           <a:prstGeom prst="roundRect">
-            <a:avLst/>
+            <a:avLst>
+              <a:gd name="adj" fmla="val 6193"/>
+            </a:avLst>
           </a:prstGeom>
           <a:ln w="57150">
             <a:solidFill>
@@ -5097,33 +5309,15 @@
                                   </p:childTnLst>
                                 </p:cTn>
                               </p:par>
-                            </p:childTnLst>
-                          </p:cTn>
-                        </p:par>
-                      </p:childTnLst>
-                    </p:cTn>
-                  </p:par>
-                  <p:par>
-                    <p:cTn id="9" fill="hold">
-                      <p:stCondLst>
-                        <p:cond delay="indefinite"/>
-                      </p:stCondLst>
-                      <p:childTnLst>
-                        <p:par>
-                          <p:cTn id="10" fill="hold">
-                            <p:stCondLst>
-                              <p:cond delay="0"/>
-                            </p:stCondLst>
-                            <p:childTnLst>
                               <p:par>
-                                <p:cTn id="11" presetID="23" presetClass="entr" presetSubtype="16" fill="hold" nodeType="clickEffect">
+                                <p:cTn id="9" presetID="23" presetClass="entr" presetSubtype="16" fill="hold" nodeType="withEffect">
                                   <p:stCondLst>
                                     <p:cond delay="0"/>
                                   </p:stCondLst>
                                   <p:childTnLst>
                                     <p:set>
                                       <p:cBhvr>
-                                        <p:cTn id="12" dur="1" fill="hold">
+                                        <p:cTn id="10" dur="1" fill="hold">
                                           <p:stCondLst>
                                             <p:cond delay="0"/>
                                           </p:stCondLst>
@@ -5141,7 +5335,7 @@
                                     </p:set>
                                     <p:anim calcmode="lin" valueType="num">
                                       <p:cBhvr>
-                                        <p:cTn id="13" dur="500" fill="hold"/>
+                                        <p:cTn id="11" dur="500" fill="hold"/>
                                         <p:tgtEl>
                                           <p:spTgt spid="31"/>
                                         </p:tgtEl>
@@ -5164,7 +5358,7 @@
                                     </p:anim>
                                     <p:anim calcmode="lin" valueType="num">
                                       <p:cBhvr>
-                                        <p:cTn id="14" dur="500" fill="hold"/>
+                                        <p:cTn id="12" dur="500" fill="hold"/>
                                         <p:tgtEl>
                                           <p:spTgt spid="31"/>
                                         </p:tgtEl>
@@ -5400,7 +5594,9 @@
             <a:ext cx="5637773" cy="3900794"/>
           </a:xfrm>
           <a:prstGeom prst="roundRect">
-            <a:avLst/>
+            <a:avLst>
+              <a:gd name="adj" fmla="val 3699"/>
+            </a:avLst>
           </a:prstGeom>
           <a:ln w="57150">
             <a:solidFill>
@@ -5590,33 +5786,15 @@
                                   </p:childTnLst>
                                 </p:cTn>
                               </p:par>
-                            </p:childTnLst>
-                          </p:cTn>
-                        </p:par>
-                      </p:childTnLst>
-                    </p:cTn>
-                  </p:par>
-                  <p:par>
-                    <p:cTn id="9" fill="hold">
-                      <p:stCondLst>
-                        <p:cond delay="indefinite"/>
-                      </p:stCondLst>
-                      <p:childTnLst>
-                        <p:par>
-                          <p:cTn id="10" fill="hold">
-                            <p:stCondLst>
-                              <p:cond delay="0"/>
-                            </p:stCondLst>
-                            <p:childTnLst>
                               <p:par>
-                                <p:cTn id="11" presetID="23" presetClass="entr" presetSubtype="16" fill="hold" nodeType="clickEffect">
+                                <p:cTn id="9" presetID="23" presetClass="entr" presetSubtype="16" fill="hold" nodeType="withEffect">
                                   <p:stCondLst>
                                     <p:cond delay="0"/>
                                   </p:stCondLst>
                                   <p:childTnLst>
                                     <p:set>
                                       <p:cBhvr>
-                                        <p:cTn id="12" dur="1" fill="hold">
+                                        <p:cTn id="10" dur="1" fill="hold">
                                           <p:stCondLst>
                                             <p:cond delay="0"/>
                                           </p:stCondLst>
@@ -5634,7 +5812,7 @@
                                     </p:set>
                                     <p:anim calcmode="lin" valueType="num">
                                       <p:cBhvr>
-                                        <p:cTn id="13" dur="500" fill="hold"/>
+                                        <p:cTn id="11" dur="500" fill="hold"/>
                                         <p:tgtEl>
                                           <p:spTgt spid="3"/>
                                         </p:tgtEl>
@@ -5657,7 +5835,7 @@
                                     </p:anim>
                                     <p:anim calcmode="lin" valueType="num">
                                       <p:cBhvr>
-                                        <p:cTn id="14" dur="500" fill="hold"/>
+                                        <p:cTn id="12" dur="500" fill="hold"/>
                                         <p:tgtEl>
                                           <p:spTgt spid="3"/>
                                         </p:tgtEl>
@@ -5775,10 +5953,10 @@
       </p:sp>
       <p:pic>
         <p:nvPicPr>
-          <p:cNvPr id="4" name="Picture 3">
-            <a:extLst>
-              <a:ext uri="{FF2B5EF4-FFF2-40B4-BE49-F238E27FC236}">
-                <a16:creationId xmlns:a16="http://schemas.microsoft.com/office/drawing/2014/main" id="{BD39D6E2-5DAD-B856-4C50-C8B7343BECE9}"/>
+          <p:cNvPr id="21" name="Picture 20">
+            <a:extLst>
+              <a:ext uri="{FF2B5EF4-FFF2-40B4-BE49-F238E27FC236}">
+                <a16:creationId xmlns:a16="http://schemas.microsoft.com/office/drawing/2014/main" id="{6787D4E8-4D4F-DC15-05F6-D71817158441}"/>
               </a:ext>
             </a:extLst>
           </p:cNvPr>
@@ -5801,8 +5979,8 @@
         </p:blipFill>
         <p:spPr>
           <a:xfrm>
-            <a:off x="2249173" y="1629000"/>
-            <a:ext cx="1687500" cy="3600000"/>
+            <a:off x="2241446" y="2622053"/>
+            <a:ext cx="1795238" cy="3780000"/>
           </a:xfrm>
           <a:prstGeom prst="rect">
             <a:avLst/>
@@ -5821,10 +5999,10 @@
       </p:pic>
       <p:pic>
         <p:nvPicPr>
-          <p:cNvPr id="6" name="Picture 5">
-            <a:extLst>
-              <a:ext uri="{FF2B5EF4-FFF2-40B4-BE49-F238E27FC236}">
-                <a16:creationId xmlns:a16="http://schemas.microsoft.com/office/drawing/2014/main" id="{6D4E2587-D11F-F641-0EBF-AA8B181C01CE}"/>
+          <p:cNvPr id="23" name="Picture 22">
+            <a:extLst>
+              <a:ext uri="{FF2B5EF4-FFF2-40B4-BE49-F238E27FC236}">
+                <a16:creationId xmlns:a16="http://schemas.microsoft.com/office/drawing/2014/main" id="{AE804B51-EB5A-5D55-758E-4A2BBE7841FD}"/>
               </a:ext>
             </a:extLst>
           </p:cNvPr>
@@ -5847,8 +6025,8 @@
         </p:blipFill>
         <p:spPr>
           <a:xfrm>
-            <a:off x="5316380" y="1629000"/>
-            <a:ext cx="1741935" cy="3600000"/>
+            <a:off x="6360080" y="2622053"/>
+            <a:ext cx="1795238" cy="3780000"/>
           </a:xfrm>
           <a:prstGeom prst="rect">
             <a:avLst/>
@@ -5867,10 +6045,10 @@
       </p:pic>
       <p:pic>
         <p:nvPicPr>
-          <p:cNvPr id="8" name="Picture 7">
-            <a:extLst>
-              <a:ext uri="{FF2B5EF4-FFF2-40B4-BE49-F238E27FC236}">
-                <a16:creationId xmlns:a16="http://schemas.microsoft.com/office/drawing/2014/main" id="{3111BFDC-123B-C7B8-530C-97220D26F4FB}"/>
+          <p:cNvPr id="25" name="Picture 24">
+            <a:extLst>
+              <a:ext uri="{FF2B5EF4-FFF2-40B4-BE49-F238E27FC236}">
+                <a16:creationId xmlns:a16="http://schemas.microsoft.com/office/drawing/2014/main" id="{B064E1FE-2B98-23C7-178A-2E253EBB438F}"/>
               </a:ext>
             </a:extLst>
           </p:cNvPr>
@@ -5893,8 +6071,146 @@
         </p:blipFill>
         <p:spPr>
           <a:xfrm>
-            <a:off x="8438022" y="1629000"/>
-            <a:ext cx="1724933" cy="3600000"/>
+            <a:off x="10325916" y="2622053"/>
+            <a:ext cx="1795238" cy="3780000"/>
+          </a:xfrm>
+          <a:prstGeom prst="rect">
+            <a:avLst/>
+          </a:prstGeom>
+          <a:ln>
+            <a:noFill/>
+          </a:ln>
+          <a:effectLst>
+            <a:outerShdw blurRad="292100" dist="139700" dir="2700000" algn="tl" rotWithShape="0">
+              <a:srgbClr val="333333">
+                <a:alpha val="65000"/>
+              </a:srgbClr>
+            </a:outerShdw>
+          </a:effectLst>
+        </p:spPr>
+      </p:pic>
+      <p:pic>
+        <p:nvPicPr>
+          <p:cNvPr id="27" name="Picture 26">
+            <a:extLst>
+              <a:ext uri="{FF2B5EF4-FFF2-40B4-BE49-F238E27FC236}">
+                <a16:creationId xmlns:a16="http://schemas.microsoft.com/office/drawing/2014/main" id="{E28DC359-DAD2-8982-EEC2-E6EB5B89B5B7}"/>
+              </a:ext>
+            </a:extLst>
+          </p:cNvPr>
+          <p:cNvPicPr>
+            <a:picLocks noChangeAspect="1"/>
+          </p:cNvPicPr>
+          <p:nvPr/>
+        </p:nvPicPr>
+        <p:blipFill>
+          <a:blip r:embed="rId5">
+            <a:extLst>
+              <a:ext uri="{28A0092B-C50C-407E-A947-70E740481C1C}">
+                <a14:useLocalDpi xmlns:a14="http://schemas.microsoft.com/office/drawing/2010/main" val="0"/>
+              </a:ext>
+            </a:extLst>
+          </a:blip>
+          <a:stretch>
+            <a:fillRect/>
+          </a:stretch>
+        </p:blipFill>
+        <p:spPr>
+          <a:xfrm>
+            <a:off x="8295853" y="1015663"/>
+            <a:ext cx="1795238" cy="3780000"/>
+          </a:xfrm>
+          <a:prstGeom prst="rect">
+            <a:avLst/>
+          </a:prstGeom>
+          <a:ln>
+            <a:noFill/>
+          </a:ln>
+          <a:effectLst>
+            <a:outerShdw blurRad="292100" dist="139700" dir="2700000" algn="tl" rotWithShape="0">
+              <a:srgbClr val="333333">
+                <a:alpha val="65000"/>
+              </a:srgbClr>
+            </a:outerShdw>
+          </a:effectLst>
+        </p:spPr>
+      </p:pic>
+      <p:pic>
+        <p:nvPicPr>
+          <p:cNvPr id="29" name="Picture 28">
+            <a:extLst>
+              <a:ext uri="{FF2B5EF4-FFF2-40B4-BE49-F238E27FC236}">
+                <a16:creationId xmlns:a16="http://schemas.microsoft.com/office/drawing/2014/main" id="{7DA5C79C-DC94-101C-429A-144176438780}"/>
+              </a:ext>
+            </a:extLst>
+          </p:cNvPr>
+          <p:cNvPicPr>
+            <a:picLocks noChangeAspect="1"/>
+          </p:cNvPicPr>
+          <p:nvPr/>
+        </p:nvPicPr>
+        <p:blipFill>
+          <a:blip r:embed="rId6">
+            <a:extLst>
+              <a:ext uri="{28A0092B-C50C-407E-A947-70E740481C1C}">
+                <a14:useLocalDpi xmlns:a14="http://schemas.microsoft.com/office/drawing/2010/main" val="0"/>
+              </a:ext>
+            </a:extLst>
+          </a:blip>
+          <a:stretch>
+            <a:fillRect/>
+          </a:stretch>
+        </p:blipFill>
+        <p:spPr>
+          <a:xfrm>
+            <a:off x="4330017" y="1015663"/>
+            <a:ext cx="1795238" cy="3780000"/>
+          </a:xfrm>
+          <a:prstGeom prst="rect">
+            <a:avLst/>
+          </a:prstGeom>
+          <a:ln>
+            <a:noFill/>
+          </a:ln>
+          <a:effectLst>
+            <a:outerShdw blurRad="292100" dist="139700" dir="2700000" algn="tl" rotWithShape="0">
+              <a:srgbClr val="333333">
+                <a:alpha val="65000"/>
+              </a:srgbClr>
+            </a:outerShdw>
+          </a:effectLst>
+        </p:spPr>
+      </p:pic>
+      <p:pic>
+        <p:nvPicPr>
+          <p:cNvPr id="33" name="Picture 32">
+            <a:extLst>
+              <a:ext uri="{FF2B5EF4-FFF2-40B4-BE49-F238E27FC236}">
+                <a16:creationId xmlns:a16="http://schemas.microsoft.com/office/drawing/2014/main" id="{B7BDE0E6-D797-E20F-62EA-41679D2A1B1E}"/>
+              </a:ext>
+            </a:extLst>
+          </p:cNvPr>
+          <p:cNvPicPr>
+            <a:picLocks noChangeAspect="1"/>
+          </p:cNvPicPr>
+          <p:nvPr/>
+        </p:nvPicPr>
+        <p:blipFill>
+          <a:blip r:embed="rId7">
+            <a:extLst>
+              <a:ext uri="{28A0092B-C50C-407E-A947-70E740481C1C}">
+                <a14:useLocalDpi xmlns:a14="http://schemas.microsoft.com/office/drawing/2010/main" val="0"/>
+              </a:ext>
+            </a:extLst>
+          </a:blip>
+          <a:stretch>
+            <a:fillRect/>
+          </a:stretch>
+        </p:blipFill>
+        <p:spPr>
+          <a:xfrm>
+            <a:off x="258528" y="1015663"/>
+            <a:ext cx="1795238" cy="3780000"/>
           </a:xfrm>
           <a:prstGeom prst="rect">
             <a:avLst/>
@@ -5924,273 +6240,6 @@
   <p:transition spd="slow">
     <p:push dir="u"/>
   </p:transition>
-  <p:timing>
-    <p:tnLst>
-      <p:par>
-        <p:cTn id="1" dur="indefinite" restart="never" nodeType="tmRoot">
-          <p:childTnLst>
-            <p:seq concurrent="1" nextAc="seek">
-              <p:cTn id="2" dur="indefinite" nodeType="mainSeq">
-                <p:childTnLst>
-                  <p:par>
-                    <p:cTn id="3" fill="hold">
-                      <p:stCondLst>
-                        <p:cond delay="indefinite"/>
-                      </p:stCondLst>
-                      <p:childTnLst>
-                        <p:par>
-                          <p:cTn id="4" fill="hold">
-                            <p:stCondLst>
-                              <p:cond delay="0"/>
-                            </p:stCondLst>
-                            <p:childTnLst>
-                              <p:par>
-                                <p:cTn id="5" presetID="23" presetClass="entr" presetSubtype="16" fill="hold" nodeType="clickEffect">
-                                  <p:stCondLst>
-                                    <p:cond delay="0"/>
-                                  </p:stCondLst>
-                                  <p:childTnLst>
-                                    <p:set>
-                                      <p:cBhvr>
-                                        <p:cTn id="6" dur="1" fill="hold">
-                                          <p:stCondLst>
-                                            <p:cond delay="0"/>
-                                          </p:stCondLst>
-                                        </p:cTn>
-                                        <p:tgtEl>
-                                          <p:spTgt spid="4"/>
-                                        </p:tgtEl>
-                                        <p:attrNameLst>
-                                          <p:attrName>style.visibility</p:attrName>
-                                        </p:attrNameLst>
-                                      </p:cBhvr>
-                                      <p:to>
-                                        <p:strVal val="visible"/>
-                                      </p:to>
-                                    </p:set>
-                                    <p:anim calcmode="lin" valueType="num">
-                                      <p:cBhvr>
-                                        <p:cTn id="7" dur="500" fill="hold"/>
-                                        <p:tgtEl>
-                                          <p:spTgt spid="4"/>
-                                        </p:tgtEl>
-                                        <p:attrNameLst>
-                                          <p:attrName>ppt_w</p:attrName>
-                                        </p:attrNameLst>
-                                      </p:cBhvr>
-                                      <p:tavLst>
-                                        <p:tav tm="0">
-                                          <p:val>
-                                            <p:fltVal val="0"/>
-                                          </p:val>
-                                        </p:tav>
-                                        <p:tav tm="100000">
-                                          <p:val>
-                                            <p:strVal val="#ppt_w"/>
-                                          </p:val>
-                                        </p:tav>
-                                      </p:tavLst>
-                                    </p:anim>
-                                    <p:anim calcmode="lin" valueType="num">
-                                      <p:cBhvr>
-                                        <p:cTn id="8" dur="500" fill="hold"/>
-                                        <p:tgtEl>
-                                          <p:spTgt spid="4"/>
-                                        </p:tgtEl>
-                                        <p:attrNameLst>
-                                          <p:attrName>ppt_h</p:attrName>
-                                        </p:attrNameLst>
-                                      </p:cBhvr>
-                                      <p:tavLst>
-                                        <p:tav tm="0">
-                                          <p:val>
-                                            <p:fltVal val="0"/>
-                                          </p:val>
-                                        </p:tav>
-                                        <p:tav tm="100000">
-                                          <p:val>
-                                            <p:strVal val="#ppt_h"/>
-                                          </p:val>
-                                        </p:tav>
-                                      </p:tavLst>
-                                    </p:anim>
-                                  </p:childTnLst>
-                                </p:cTn>
-                              </p:par>
-                              <p:par>
-                                <p:cTn id="9" presetID="23" presetClass="entr" presetSubtype="16" fill="hold" nodeType="withEffect">
-                                  <p:stCondLst>
-                                    <p:cond delay="0"/>
-                                  </p:stCondLst>
-                                  <p:childTnLst>
-                                    <p:set>
-                                      <p:cBhvr>
-                                        <p:cTn id="10" dur="1" fill="hold">
-                                          <p:stCondLst>
-                                            <p:cond delay="0"/>
-                                          </p:stCondLst>
-                                        </p:cTn>
-                                        <p:tgtEl>
-                                          <p:spTgt spid="6"/>
-                                        </p:tgtEl>
-                                        <p:attrNameLst>
-                                          <p:attrName>style.visibility</p:attrName>
-                                        </p:attrNameLst>
-                                      </p:cBhvr>
-                                      <p:to>
-                                        <p:strVal val="visible"/>
-                                      </p:to>
-                                    </p:set>
-                                    <p:anim calcmode="lin" valueType="num">
-                                      <p:cBhvr>
-                                        <p:cTn id="11" dur="500" fill="hold"/>
-                                        <p:tgtEl>
-                                          <p:spTgt spid="6"/>
-                                        </p:tgtEl>
-                                        <p:attrNameLst>
-                                          <p:attrName>ppt_w</p:attrName>
-                                        </p:attrNameLst>
-                                      </p:cBhvr>
-                                      <p:tavLst>
-                                        <p:tav tm="0">
-                                          <p:val>
-                                            <p:fltVal val="0"/>
-                                          </p:val>
-                                        </p:tav>
-                                        <p:tav tm="100000">
-                                          <p:val>
-                                            <p:strVal val="#ppt_w"/>
-                                          </p:val>
-                                        </p:tav>
-                                      </p:tavLst>
-                                    </p:anim>
-                                    <p:anim calcmode="lin" valueType="num">
-                                      <p:cBhvr>
-                                        <p:cTn id="12" dur="500" fill="hold"/>
-                                        <p:tgtEl>
-                                          <p:spTgt spid="6"/>
-                                        </p:tgtEl>
-                                        <p:attrNameLst>
-                                          <p:attrName>ppt_h</p:attrName>
-                                        </p:attrNameLst>
-                                      </p:cBhvr>
-                                      <p:tavLst>
-                                        <p:tav tm="0">
-                                          <p:val>
-                                            <p:fltVal val="0"/>
-                                          </p:val>
-                                        </p:tav>
-                                        <p:tav tm="100000">
-                                          <p:val>
-                                            <p:strVal val="#ppt_h"/>
-                                          </p:val>
-                                        </p:tav>
-                                      </p:tavLst>
-                                    </p:anim>
-                                  </p:childTnLst>
-                                </p:cTn>
-                              </p:par>
-                              <p:par>
-                                <p:cTn id="13" presetID="23" presetClass="entr" presetSubtype="16" fill="hold" nodeType="withEffect">
-                                  <p:stCondLst>
-                                    <p:cond delay="0"/>
-                                  </p:stCondLst>
-                                  <p:childTnLst>
-                                    <p:set>
-                                      <p:cBhvr>
-                                        <p:cTn id="14" dur="1" fill="hold">
-                                          <p:stCondLst>
-                                            <p:cond delay="0"/>
-                                          </p:stCondLst>
-                                        </p:cTn>
-                                        <p:tgtEl>
-                                          <p:spTgt spid="8"/>
-                                        </p:tgtEl>
-                                        <p:attrNameLst>
-                                          <p:attrName>style.visibility</p:attrName>
-                                        </p:attrNameLst>
-                                      </p:cBhvr>
-                                      <p:to>
-                                        <p:strVal val="visible"/>
-                                      </p:to>
-                                    </p:set>
-                                    <p:anim calcmode="lin" valueType="num">
-                                      <p:cBhvr>
-                                        <p:cTn id="15" dur="500" fill="hold"/>
-                                        <p:tgtEl>
-                                          <p:spTgt spid="8"/>
-                                        </p:tgtEl>
-                                        <p:attrNameLst>
-                                          <p:attrName>ppt_w</p:attrName>
-                                        </p:attrNameLst>
-                                      </p:cBhvr>
-                                      <p:tavLst>
-                                        <p:tav tm="0">
-                                          <p:val>
-                                            <p:fltVal val="0"/>
-                                          </p:val>
-                                        </p:tav>
-                                        <p:tav tm="100000">
-                                          <p:val>
-                                            <p:strVal val="#ppt_w"/>
-                                          </p:val>
-                                        </p:tav>
-                                      </p:tavLst>
-                                    </p:anim>
-                                    <p:anim calcmode="lin" valueType="num">
-                                      <p:cBhvr>
-                                        <p:cTn id="16" dur="500" fill="hold"/>
-                                        <p:tgtEl>
-                                          <p:spTgt spid="8"/>
-                                        </p:tgtEl>
-                                        <p:attrNameLst>
-                                          <p:attrName>ppt_h</p:attrName>
-                                        </p:attrNameLst>
-                                      </p:cBhvr>
-                                      <p:tavLst>
-                                        <p:tav tm="0">
-                                          <p:val>
-                                            <p:fltVal val="0"/>
-                                          </p:val>
-                                        </p:tav>
-                                        <p:tav tm="100000">
-                                          <p:val>
-                                            <p:strVal val="#ppt_h"/>
-                                          </p:val>
-                                        </p:tav>
-                                      </p:tavLst>
-                                    </p:anim>
-                                  </p:childTnLst>
-                                </p:cTn>
-                              </p:par>
-                            </p:childTnLst>
-                          </p:cTn>
-                        </p:par>
-                      </p:childTnLst>
-                    </p:cTn>
-                  </p:par>
-                </p:childTnLst>
-              </p:cTn>
-              <p:prevCondLst>
-                <p:cond evt="onPrev" delay="0">
-                  <p:tgtEl>
-                    <p:sldTgt/>
-                  </p:tgtEl>
-                </p:cond>
-              </p:prevCondLst>
-              <p:nextCondLst>
-                <p:cond evt="onNext" delay="0">
-                  <p:tgtEl>
-                    <p:sldTgt/>
-                  </p:tgtEl>
-                </p:cond>
-              </p:nextCondLst>
-            </p:seq>
-          </p:childTnLst>
-        </p:cTn>
-      </p:par>
-    </p:tnLst>
-  </p:timing>
 </p:sld>
 </file>
 
@@ -6287,10 +6336,10 @@
       </p:grpSpPr>
       <p:pic>
         <p:nvPicPr>
-          <p:cNvPr id="3" name="Picture 2">
-            <a:extLst>
-              <a:ext uri="{FF2B5EF4-FFF2-40B4-BE49-F238E27FC236}">
-                <a16:creationId xmlns:a16="http://schemas.microsoft.com/office/drawing/2014/main" id="{567FB61B-BC07-B96A-66FD-053E443F47DE}"/>
+          <p:cNvPr id="4" name="Picture 3">
+            <a:extLst>
+              <a:ext uri="{FF2B5EF4-FFF2-40B4-BE49-F238E27FC236}">
+                <a16:creationId xmlns:a16="http://schemas.microsoft.com/office/drawing/2014/main" id="{A8474D05-FB77-4595-86AA-EEB94443E3F2}"/>
               </a:ext>
             </a:extLst>
           </p:cNvPr>
@@ -6307,8 +6356,8 @@
         </p:blipFill>
         <p:spPr>
           <a:xfrm>
-            <a:off x="0" y="636458"/>
-            <a:ext cx="12192000" cy="5585084"/>
+            <a:off x="84000" y="672276"/>
+            <a:ext cx="12024000" cy="5437474"/>
           </a:xfrm>
           <a:prstGeom prst="rect">
             <a:avLst/>

--- a/Messager.pptx
+++ b/Messager.pptx
@@ -13,8 +13,8 @@
     <p:sldId id="265" r:id="rId7"/>
     <p:sldId id="266" r:id="rId8"/>
     <p:sldId id="260" r:id="rId9"/>
-    <p:sldId id="261" r:id="rId10"/>
-    <p:sldId id="264" r:id="rId11"/>
+    <p:sldId id="264" r:id="rId10"/>
+    <p:sldId id="261" r:id="rId11"/>
   </p:sldIdLst>
   <p:sldSz cx="12192000" cy="6858000"/>
   <p:notesSz cx="6858000" cy="9144000"/>
@@ -11965,7 +11965,7 @@
           <a:p>
             <a:fld id="{1F099D36-1112-4253-A8F1-1DDFA845AFDC}" type="datetimeFigureOut">
               <a:rPr lang="en-US" smtClean="0"/>
-              <a:t>10/3/2023</a:t>
+              <a:t>12/4/2023</a:t>
             </a:fld>
             <a:endParaRPr lang="en-US"/>
           </a:p>
@@ -12163,7 +12163,7 @@
           <a:p>
             <a:fld id="{1F099D36-1112-4253-A8F1-1DDFA845AFDC}" type="datetimeFigureOut">
               <a:rPr lang="en-US" smtClean="0"/>
-              <a:t>10/3/2023</a:t>
+              <a:t>12/4/2023</a:t>
             </a:fld>
             <a:endParaRPr lang="en-US"/>
           </a:p>
@@ -12371,7 +12371,7 @@
           <a:p>
             <a:fld id="{1F099D36-1112-4253-A8F1-1DDFA845AFDC}" type="datetimeFigureOut">
               <a:rPr lang="en-US" smtClean="0"/>
-              <a:t>10/3/2023</a:t>
+              <a:t>12/4/2023</a:t>
             </a:fld>
             <a:endParaRPr lang="en-US"/>
           </a:p>
@@ -12569,7 +12569,7 @@
           <a:p>
             <a:fld id="{1F099D36-1112-4253-A8F1-1DDFA845AFDC}" type="datetimeFigureOut">
               <a:rPr lang="en-US" smtClean="0"/>
-              <a:t>10/3/2023</a:t>
+              <a:t>12/4/2023</a:t>
             </a:fld>
             <a:endParaRPr lang="en-US"/>
           </a:p>
@@ -12844,7 +12844,7 @@
           <a:p>
             <a:fld id="{1F099D36-1112-4253-A8F1-1DDFA845AFDC}" type="datetimeFigureOut">
               <a:rPr lang="en-US" smtClean="0"/>
-              <a:t>10/3/2023</a:t>
+              <a:t>12/4/2023</a:t>
             </a:fld>
             <a:endParaRPr lang="en-US"/>
           </a:p>
@@ -13109,7 +13109,7 @@
           <a:p>
             <a:fld id="{1F099D36-1112-4253-A8F1-1DDFA845AFDC}" type="datetimeFigureOut">
               <a:rPr lang="en-US" smtClean="0"/>
-              <a:t>10/3/2023</a:t>
+              <a:t>12/4/2023</a:t>
             </a:fld>
             <a:endParaRPr lang="en-US"/>
           </a:p>
@@ -13521,7 +13521,7 @@
           <a:p>
             <a:fld id="{1F099D36-1112-4253-A8F1-1DDFA845AFDC}" type="datetimeFigureOut">
               <a:rPr lang="en-US" smtClean="0"/>
-              <a:t>10/3/2023</a:t>
+              <a:t>12/4/2023</a:t>
             </a:fld>
             <a:endParaRPr lang="en-US"/>
           </a:p>
@@ -13662,7 +13662,7 @@
           <a:p>
             <a:fld id="{1F099D36-1112-4253-A8F1-1DDFA845AFDC}" type="datetimeFigureOut">
               <a:rPr lang="en-US" smtClean="0"/>
-              <a:t>10/3/2023</a:t>
+              <a:t>12/4/2023</a:t>
             </a:fld>
             <a:endParaRPr lang="en-US"/>
           </a:p>
@@ -13775,7 +13775,7 @@
           <a:p>
             <a:fld id="{1F099D36-1112-4253-A8F1-1DDFA845AFDC}" type="datetimeFigureOut">
               <a:rPr lang="en-US" smtClean="0"/>
-              <a:t>10/3/2023</a:t>
+              <a:t>12/4/2023</a:t>
             </a:fld>
             <a:endParaRPr lang="en-US"/>
           </a:p>
@@ -14086,7 +14086,7 @@
           <a:p>
             <a:fld id="{1F099D36-1112-4253-A8F1-1DDFA845AFDC}" type="datetimeFigureOut">
               <a:rPr lang="en-US" smtClean="0"/>
-              <a:t>10/3/2023</a:t>
+              <a:t>12/4/2023</a:t>
             </a:fld>
             <a:endParaRPr lang="en-US"/>
           </a:p>
@@ -14374,7 +14374,7 @@
           <a:p>
             <a:fld id="{1F099D36-1112-4253-A8F1-1DDFA845AFDC}" type="datetimeFigureOut">
               <a:rPr lang="en-US" smtClean="0"/>
-              <a:t>10/3/2023</a:t>
+              <a:t>12/4/2023</a:t>
             </a:fld>
             <a:endParaRPr lang="en-US"/>
           </a:p>
@@ -14618,7 +14618,7 @@
           <a:p>
             <a:fld id="{1F099D36-1112-4253-A8F1-1DDFA845AFDC}" type="datetimeFigureOut">
               <a:rPr lang="en-US" smtClean="0"/>
-              <a:t>10/3/2023</a:t>
+              <a:t>12/4/2023</a:t>
             </a:fld>
             <a:endParaRPr lang="en-US"/>
           </a:p>
@@ -15318,46 +15318,60 @@
           <a:chExt cx="0" cy="0"/>
         </a:xfrm>
       </p:grpSpPr>
-      <p:pic>
-        <p:nvPicPr>
-          <p:cNvPr id="4" name="Picture 3">
+      <p:sp>
+        <p:nvSpPr>
+          <p:cNvPr id="2" name="TextBox 1">
             <a:extLst>
               <a:ext uri="{FF2B5EF4-FFF2-40B4-BE49-F238E27FC236}">
-                <a16:creationId xmlns:a16="http://schemas.microsoft.com/office/drawing/2014/main" id="{A8474D05-FB77-4595-86AA-EEB94443E3F2}"/>
+                <a16:creationId xmlns:a16="http://schemas.microsoft.com/office/drawing/2014/main" id="{AB69A0AD-9681-540B-BDFD-A6F7441112E8}"/>
               </a:ext>
             </a:extLst>
           </p:cNvPr>
-          <p:cNvPicPr>
-            <a:picLocks noChangeAspect="1"/>
-          </p:cNvPicPr>
+          <p:cNvSpPr txBox="1"/>
           <p:nvPr/>
-        </p:nvPicPr>
-        <p:blipFill>
-          <a:blip r:embed="rId2"/>
-          <a:stretch>
-            <a:fillRect/>
-          </a:stretch>
-        </p:blipFill>
+        </p:nvSpPr>
         <p:spPr>
           <a:xfrm>
-            <a:off x="84000" y="672276"/>
-            <a:ext cx="12024000" cy="5437474"/>
+            <a:off x="684246" y="2105561"/>
+            <a:ext cx="10823509" cy="2646878"/>
           </a:xfrm>
           <a:prstGeom prst="rect">
             <a:avLst/>
           </a:prstGeom>
+          <a:noFill/>
         </p:spPr>
-      </p:pic>
+        <p:txBody>
+          <a:bodyPr wrap="square" rtlCol="0">
+            <a:spAutoFit/>
+          </a:bodyPr>
+          <a:lstStyle/>
+          <a:p>
+            <a:pPr algn="ctr"/>
+            <a:r>
+              <a:rPr lang="en-US" sz="16600" b="1" dirty="0">
+                <a:solidFill>
+                  <a:schemeClr val="bg1"/>
+                </a:solidFill>
+                <a:latin typeface="Bahnschrift" panose="020B0502040204020203" pitchFamily="34" charset="0"/>
+              </a:rPr>
+              <a:t>Thank You</a:t>
+            </a:r>
+          </a:p>
+        </p:txBody>
+      </p:sp>
     </p:spTree>
     <p:extLst>
       <p:ext uri="{BB962C8B-B14F-4D97-AF65-F5344CB8AC3E}">
-        <p14:creationId xmlns:p14="http://schemas.microsoft.com/office/powerpoint/2010/main" val="942905954"/>
+        <p14:creationId xmlns:p14="http://schemas.microsoft.com/office/powerpoint/2010/main" val="2170658684"/>
       </p:ext>
     </p:extLst>
   </p:cSld>
   <p:clrMapOvr>
     <a:masterClrMapping/>
   </p:clrMapOvr>
+  <p:transition spd="slow">
+    <p:push dir="u"/>
+  </p:transition>
 </p:sld>
 </file>
 
@@ -18436,60 +18450,46 @@
           <a:chExt cx="0" cy="0"/>
         </a:xfrm>
       </p:grpSpPr>
-      <p:sp>
-        <p:nvSpPr>
-          <p:cNvPr id="2" name="TextBox 1">
+      <p:pic>
+        <p:nvPicPr>
+          <p:cNvPr id="4" name="Picture 3">
             <a:extLst>
               <a:ext uri="{FF2B5EF4-FFF2-40B4-BE49-F238E27FC236}">
-                <a16:creationId xmlns:a16="http://schemas.microsoft.com/office/drawing/2014/main" id="{AB69A0AD-9681-540B-BDFD-A6F7441112E8}"/>
+                <a16:creationId xmlns:a16="http://schemas.microsoft.com/office/drawing/2014/main" id="{A8474D05-FB77-4595-86AA-EEB94443E3F2}"/>
               </a:ext>
             </a:extLst>
           </p:cNvPr>
-          <p:cNvSpPr txBox="1"/>
+          <p:cNvPicPr>
+            <a:picLocks noChangeAspect="1"/>
+          </p:cNvPicPr>
           <p:nvPr/>
-        </p:nvSpPr>
+        </p:nvPicPr>
+        <p:blipFill>
+          <a:blip r:embed="rId2"/>
+          <a:stretch>
+            <a:fillRect/>
+          </a:stretch>
+        </p:blipFill>
         <p:spPr>
           <a:xfrm>
-            <a:off x="684246" y="2105561"/>
-            <a:ext cx="10823509" cy="2646878"/>
+            <a:off x="84000" y="672276"/>
+            <a:ext cx="12024000" cy="5437474"/>
           </a:xfrm>
           <a:prstGeom prst="rect">
             <a:avLst/>
           </a:prstGeom>
-          <a:noFill/>
         </p:spPr>
-        <p:txBody>
-          <a:bodyPr wrap="square" rtlCol="0">
-            <a:spAutoFit/>
-          </a:bodyPr>
-          <a:lstStyle/>
-          <a:p>
-            <a:pPr algn="ctr"/>
-            <a:r>
-              <a:rPr lang="en-US" sz="16600" b="1" dirty="0">
-                <a:solidFill>
-                  <a:schemeClr val="bg1"/>
-                </a:solidFill>
-                <a:latin typeface="Bahnschrift" panose="020B0502040204020203" pitchFamily="34" charset="0"/>
-              </a:rPr>
-              <a:t>Thank You</a:t>
-            </a:r>
-          </a:p>
-        </p:txBody>
-      </p:sp>
+      </p:pic>
     </p:spTree>
     <p:extLst>
       <p:ext uri="{BB962C8B-B14F-4D97-AF65-F5344CB8AC3E}">
-        <p14:creationId xmlns:p14="http://schemas.microsoft.com/office/powerpoint/2010/main" val="2170658684"/>
+        <p14:creationId xmlns:p14="http://schemas.microsoft.com/office/powerpoint/2010/main" val="942905954"/>
       </p:ext>
     </p:extLst>
   </p:cSld>
   <p:clrMapOvr>
     <a:masterClrMapping/>
   </p:clrMapOvr>
-  <p:transition spd="slow">
-    <p:push dir="u"/>
-  </p:transition>
 </p:sld>
 </file>
 
